--- a/api_disney/documento_api.pptx
+++ b/api_disney/documento_api.pptx
@@ -5,18 +5,38 @@
     <p:sldMasterId id="2147483648" r:id="rId1"/>
   </p:sldMasterIdLst>
   <p:sldIdLst>
-    <p:sldId id="258" r:id="rId2"/>
-    <p:sldId id="259" r:id="rId3"/>
-    <p:sldId id="256" r:id="rId4"/>
-    <p:sldId id="257" r:id="rId5"/>
-    <p:sldId id="261" r:id="rId6"/>
-    <p:sldId id="260" r:id="rId7"/>
-    <p:sldId id="262" r:id="rId8"/>
-    <p:sldId id="264" r:id="rId9"/>
-    <p:sldId id="263" r:id="rId10"/>
-    <p:sldId id="265" r:id="rId11"/>
-    <p:sldId id="267" r:id="rId12"/>
-    <p:sldId id="266" r:id="rId13"/>
+    <p:sldId id="271" r:id="rId2"/>
+    <p:sldId id="258" r:id="rId3"/>
+    <p:sldId id="259" r:id="rId4"/>
+    <p:sldId id="256" r:id="rId5"/>
+    <p:sldId id="257" r:id="rId6"/>
+    <p:sldId id="261" r:id="rId7"/>
+    <p:sldId id="260" r:id="rId8"/>
+    <p:sldId id="262" r:id="rId9"/>
+    <p:sldId id="264" r:id="rId10"/>
+    <p:sldId id="263" r:id="rId11"/>
+    <p:sldId id="280" r:id="rId12"/>
+    <p:sldId id="282" r:id="rId13"/>
+    <p:sldId id="281" r:id="rId14"/>
+    <p:sldId id="265" r:id="rId15"/>
+    <p:sldId id="267" r:id="rId16"/>
+    <p:sldId id="266" r:id="rId17"/>
+    <p:sldId id="268" r:id="rId18"/>
+    <p:sldId id="269" r:id="rId19"/>
+    <p:sldId id="270" r:id="rId20"/>
+    <p:sldId id="272" r:id="rId21"/>
+    <p:sldId id="274" r:id="rId22"/>
+    <p:sldId id="283" r:id="rId23"/>
+    <p:sldId id="284" r:id="rId24"/>
+    <p:sldId id="285" r:id="rId25"/>
+    <p:sldId id="286" r:id="rId26"/>
+    <p:sldId id="287" r:id="rId27"/>
+    <p:sldId id="275" r:id="rId28"/>
+    <p:sldId id="273" r:id="rId29"/>
+    <p:sldId id="276" r:id="rId30"/>
+    <p:sldId id="277" r:id="rId31"/>
+    <p:sldId id="279" r:id="rId32"/>
+    <p:sldId id="278" r:id="rId33"/>
   </p:sldIdLst>
   <p:sldSz cx="12192000" cy="6858000"/>
   <p:notesSz cx="6858000" cy="9144000"/>
@@ -115,6 +135,11 @@
       </a:defRPr>
     </a:lvl9pPr>
   </p:defaultTextStyle>
+  <p:extLst>
+    <p:ext uri="{EFAFB233-063F-42B5-8137-9DF3F51BA10A}">
+      <p15:sldGuideLst xmlns:p15="http://schemas.microsoft.com/office/powerpoint/2012/main"/>
+    </p:ext>
+  </p:extLst>
 </p:presentation>
 </file>
 
@@ -267,7 +292,7 @@
           <a:p>
             <a:fld id="{DC0C6287-5AEF-4087-88FA-4E68F1491EF4}" type="datetimeFigureOut">
               <a:rPr lang="es-AR" smtClean="0"/>
-              <a:t>28/4/2022</a:t>
+              <a:t>30/4/2022</a:t>
             </a:fld>
             <a:endParaRPr lang="es-AR"/>
           </a:p>
@@ -467,7 +492,7 @@
           <a:p>
             <a:fld id="{DC0C6287-5AEF-4087-88FA-4E68F1491EF4}" type="datetimeFigureOut">
               <a:rPr lang="es-AR" smtClean="0"/>
-              <a:t>28/4/2022</a:t>
+              <a:t>30/4/2022</a:t>
             </a:fld>
             <a:endParaRPr lang="es-AR"/>
           </a:p>
@@ -677,7 +702,7 @@
           <a:p>
             <a:fld id="{DC0C6287-5AEF-4087-88FA-4E68F1491EF4}" type="datetimeFigureOut">
               <a:rPr lang="es-AR" smtClean="0"/>
-              <a:t>28/4/2022</a:t>
+              <a:t>30/4/2022</a:t>
             </a:fld>
             <a:endParaRPr lang="es-AR"/>
           </a:p>
@@ -877,7 +902,7 @@
           <a:p>
             <a:fld id="{DC0C6287-5AEF-4087-88FA-4E68F1491EF4}" type="datetimeFigureOut">
               <a:rPr lang="es-AR" smtClean="0"/>
-              <a:t>28/4/2022</a:t>
+              <a:t>30/4/2022</a:t>
             </a:fld>
             <a:endParaRPr lang="es-AR"/>
           </a:p>
@@ -1153,7 +1178,7 @@
           <a:p>
             <a:fld id="{DC0C6287-5AEF-4087-88FA-4E68F1491EF4}" type="datetimeFigureOut">
               <a:rPr lang="es-AR" smtClean="0"/>
-              <a:t>28/4/2022</a:t>
+              <a:t>30/4/2022</a:t>
             </a:fld>
             <a:endParaRPr lang="es-AR"/>
           </a:p>
@@ -1421,7 +1446,7 @@
           <a:p>
             <a:fld id="{DC0C6287-5AEF-4087-88FA-4E68F1491EF4}" type="datetimeFigureOut">
               <a:rPr lang="es-AR" smtClean="0"/>
-              <a:t>28/4/2022</a:t>
+              <a:t>30/4/2022</a:t>
             </a:fld>
             <a:endParaRPr lang="es-AR"/>
           </a:p>
@@ -1836,7 +1861,7 @@
           <a:p>
             <a:fld id="{DC0C6287-5AEF-4087-88FA-4E68F1491EF4}" type="datetimeFigureOut">
               <a:rPr lang="es-AR" smtClean="0"/>
-              <a:t>28/4/2022</a:t>
+              <a:t>30/4/2022</a:t>
             </a:fld>
             <a:endParaRPr lang="es-AR"/>
           </a:p>
@@ -1978,7 +2003,7 @@
           <a:p>
             <a:fld id="{DC0C6287-5AEF-4087-88FA-4E68F1491EF4}" type="datetimeFigureOut">
               <a:rPr lang="es-AR" smtClean="0"/>
-              <a:t>28/4/2022</a:t>
+              <a:t>30/4/2022</a:t>
             </a:fld>
             <a:endParaRPr lang="es-AR"/>
           </a:p>
@@ -2091,7 +2116,7 @@
           <a:p>
             <a:fld id="{DC0C6287-5AEF-4087-88FA-4E68F1491EF4}" type="datetimeFigureOut">
               <a:rPr lang="es-AR" smtClean="0"/>
-              <a:t>28/4/2022</a:t>
+              <a:t>30/4/2022</a:t>
             </a:fld>
             <a:endParaRPr lang="es-AR"/>
           </a:p>
@@ -2404,7 +2429,7 @@
           <a:p>
             <a:fld id="{DC0C6287-5AEF-4087-88FA-4E68F1491EF4}" type="datetimeFigureOut">
               <a:rPr lang="es-AR" smtClean="0"/>
-              <a:t>28/4/2022</a:t>
+              <a:t>30/4/2022</a:t>
             </a:fld>
             <a:endParaRPr lang="es-AR"/>
           </a:p>
@@ -2693,7 +2718,7 @@
           <a:p>
             <a:fld id="{DC0C6287-5AEF-4087-88FA-4E68F1491EF4}" type="datetimeFigureOut">
               <a:rPr lang="es-AR" smtClean="0"/>
-              <a:t>28/4/2022</a:t>
+              <a:t>30/4/2022</a:t>
             </a:fld>
             <a:endParaRPr lang="es-AR"/>
           </a:p>
@@ -2936,7 +2961,7 @@
           <a:p>
             <a:fld id="{DC0C6287-5AEF-4087-88FA-4E68F1491EF4}" type="datetimeFigureOut">
               <a:rPr lang="es-AR" smtClean="0"/>
-              <a:t>28/4/2022</a:t>
+              <a:t>30/4/2022</a:t>
             </a:fld>
             <a:endParaRPr lang="es-AR"/>
           </a:p>
@@ -3353,12 +3378,112 @@
           <a:chExt cx="0" cy="0"/>
         </a:xfrm>
       </p:grpSpPr>
+      <p:sp>
+        <p:nvSpPr>
+          <p:cNvPr id="3" name="CuadroTexto 2">
+            <a:extLst>
+              <a:ext uri="{FF2B5EF4-FFF2-40B4-BE49-F238E27FC236}">
+                <a16:creationId xmlns:a16="http://schemas.microsoft.com/office/drawing/2014/main" id="{00D2136A-EF95-4406-92AF-65362BB4AD3F}"/>
+              </a:ext>
+            </a:extLst>
+          </p:cNvPr>
+          <p:cNvSpPr txBox="1"/>
+          <p:nvPr/>
+        </p:nvSpPr>
+        <p:spPr>
+          <a:xfrm>
+            <a:off x="1194770" y="3126401"/>
+            <a:ext cx="8679976" cy="1477328"/>
+          </a:xfrm>
+          <a:prstGeom prst="rect">
+            <a:avLst/>
+          </a:prstGeom>
+          <a:noFill/>
+        </p:spPr>
+        <p:txBody>
+          <a:bodyPr wrap="square">
+            <a:spAutoFit/>
+          </a:bodyPr>
+          <a:lstStyle/>
+          <a:p>
+            <a:r>
+              <a:rPr lang="es-AR" dirty="0">
+                <a:effectLst/>
+                <a:latin typeface="Consolas" panose="020B0609020204030204" pitchFamily="49" charset="0"/>
+              </a:rPr>
+              <a:t>End-Point  utilizado  para rodo  el proyecto:</a:t>
+            </a:r>
+          </a:p>
+          <a:p>
+            <a:r>
+              <a:rPr lang="es-AR" dirty="0">
+                <a:effectLst/>
+                <a:latin typeface="Consolas" panose="020B0609020204030204" pitchFamily="49" charset="0"/>
+              </a:rPr>
+              <a:t>  </a:t>
+            </a:r>
+            <a:r>
+              <a:rPr lang="es-AR" b="0" dirty="0">
+                <a:solidFill>
+                  <a:srgbClr val="CE9178"/>
+                </a:solidFill>
+                <a:effectLst/>
+                <a:latin typeface="Consolas" panose="020B0609020204030204" pitchFamily="49" charset="0"/>
+                <a:hlinkClick r:id="rId2"/>
+              </a:rPr>
+              <a:t>https://api.disneyapi.dev/characters</a:t>
+            </a:r>
+            <a:endParaRPr lang="es-AR" b="0" dirty="0">
+              <a:solidFill>
+                <a:srgbClr val="CE9178"/>
+              </a:solidFill>
+              <a:effectLst/>
+              <a:latin typeface="Consolas" panose="020B0609020204030204" pitchFamily="49" charset="0"/>
+            </a:endParaRPr>
+          </a:p>
+          <a:p>
+            <a:endParaRPr lang="es-AR" dirty="0">
+              <a:solidFill>
+                <a:srgbClr val="CE9178"/>
+              </a:solidFill>
+              <a:latin typeface="Consolas" panose="020B0609020204030204" pitchFamily="49" charset="0"/>
+            </a:endParaRPr>
+          </a:p>
+          <a:p>
+            <a:endParaRPr lang="es-AR" b="0" dirty="0">
+              <a:solidFill>
+                <a:srgbClr val="CE9178"/>
+              </a:solidFill>
+              <a:effectLst/>
+              <a:latin typeface="Consolas" panose="020B0609020204030204" pitchFamily="49" charset="0"/>
+            </a:endParaRPr>
+          </a:p>
+          <a:p>
+            <a:r>
+              <a:rPr lang="es-AR" dirty="0">
+                <a:solidFill>
+                  <a:srgbClr val="CE9178"/>
+                </a:solidFill>
+                <a:latin typeface="Consolas" panose="020B0609020204030204" pitchFamily="49" charset="0"/>
+              </a:rPr>
+              <a:t>Herramientas  utilizadas  : Node.js, Express ,Sequellize,Postgres , </a:t>
+            </a:r>
+            <a:endParaRPr lang="es-AR" b="0" dirty="0">
+              <a:solidFill>
+                <a:srgbClr val="D4D4D4"/>
+              </a:solidFill>
+              <a:effectLst/>
+              <a:latin typeface="Consolas" panose="020B0609020204030204" pitchFamily="49" charset="0"/>
+            </a:endParaRPr>
+          </a:p>
+        </p:txBody>
+      </p:sp>
       <p:pic>
         <p:nvPicPr>
-          <p:cNvPr id="3" name="Imagen 2">
-            <a:extLst>
-              <a:ext uri="{FF2B5EF4-FFF2-40B4-BE49-F238E27FC236}">
-                <a16:creationId xmlns:a16="http://schemas.microsoft.com/office/drawing/2014/main" id="{81CFFF85-C78C-4C2F-932C-6A6F7001D6E7}"/>
+          <p:cNvPr id="6" name="Imagen 5">
+            <a:extLst>
+              <a:ext uri="{FF2B5EF4-FFF2-40B4-BE49-F238E27FC236}">
+                <a16:creationId xmlns:a16="http://schemas.microsoft.com/office/drawing/2014/main" id="{8231CA3C-15CA-4F16-853E-64A1E706BF5D}"/>
               </a:ext>
             </a:extLst>
           </p:cNvPr>
@@ -3368,25 +3493,99 @@
           <p:nvPr/>
         </p:nvPicPr>
         <p:blipFill>
-          <a:blip r:embed="rId2"/>
+          <a:blip r:embed="rId3"/>
           <a:stretch>
             <a:fillRect/>
           </a:stretch>
         </p:blipFill>
         <p:spPr>
           <a:xfrm>
-            <a:off x="0" y="123390"/>
-            <a:ext cx="12192000" cy="6611219"/>
+            <a:off x="2419066" y="0"/>
+            <a:ext cx="7162800" cy="2324100"/>
           </a:xfrm>
           <a:prstGeom prst="rect">
             <a:avLst/>
           </a:prstGeom>
         </p:spPr>
       </p:pic>
+      <p:sp>
+        <p:nvSpPr>
+          <p:cNvPr id="7" name="CuadroTexto 6">
+            <a:extLst>
+              <a:ext uri="{FF2B5EF4-FFF2-40B4-BE49-F238E27FC236}">
+                <a16:creationId xmlns:a16="http://schemas.microsoft.com/office/drawing/2014/main" id="{AA757F2E-567A-4C04-9481-DDA7EC4A877A}"/>
+              </a:ext>
+            </a:extLst>
+          </p:cNvPr>
+          <p:cNvSpPr txBox="1"/>
+          <p:nvPr/>
+        </p:nvSpPr>
+        <p:spPr>
+          <a:xfrm>
+            <a:off x="1105469" y="2324100"/>
+            <a:ext cx="4429289" cy="369332"/>
+          </a:xfrm>
+          <a:prstGeom prst="rect">
+            <a:avLst/>
+          </a:prstGeom>
+          <a:noFill/>
+        </p:spPr>
+        <p:txBody>
+          <a:bodyPr wrap="none" rtlCol="0">
+            <a:spAutoFit/>
+          </a:bodyPr>
+          <a:lstStyle/>
+          <a:p>
+            <a:r>
+              <a:rPr lang="es-AR" dirty="0"/>
+              <a:t>API –DISNEY  -                         </a:t>
+            </a:r>
+            <a:r>
+              <a:rPr lang="es-AR" b="1" dirty="0"/>
+              <a:t>Documentación  </a:t>
+            </a:r>
+          </a:p>
+        </p:txBody>
+      </p:sp>
+      <p:sp>
+        <p:nvSpPr>
+          <p:cNvPr id="8" name="CuadroTexto 7">
+            <a:extLst>
+              <a:ext uri="{FF2B5EF4-FFF2-40B4-BE49-F238E27FC236}">
+                <a16:creationId xmlns:a16="http://schemas.microsoft.com/office/drawing/2014/main" id="{EFE62098-F9E0-469D-9412-1D7884031FB7}"/>
+              </a:ext>
+            </a:extLst>
+          </p:cNvPr>
+          <p:cNvSpPr txBox="1"/>
+          <p:nvPr/>
+        </p:nvSpPr>
+        <p:spPr>
+          <a:xfrm>
+            <a:off x="1433015" y="6237027"/>
+            <a:ext cx="2110514" cy="369332"/>
+          </a:xfrm>
+          <a:prstGeom prst="rect">
+            <a:avLst/>
+          </a:prstGeom>
+          <a:noFill/>
+        </p:spPr>
+        <p:txBody>
+          <a:bodyPr wrap="none" rtlCol="0">
+            <a:spAutoFit/>
+          </a:bodyPr>
+          <a:lstStyle/>
+          <a:p>
+            <a:r>
+              <a:rPr lang="es-AR" dirty="0"/>
+              <a:t>Autor : Daniel  Perco</a:t>
+            </a:r>
+          </a:p>
+        </p:txBody>
+      </p:sp>
     </p:spTree>
     <p:extLst>
       <p:ext uri="{BB962C8B-B14F-4D97-AF65-F5344CB8AC3E}">
-        <p14:creationId xmlns:p14="http://schemas.microsoft.com/office/powerpoint/2010/main" val="839380534"/>
+        <p14:creationId xmlns:p14="http://schemas.microsoft.com/office/powerpoint/2010/main" val="1542651298"/>
       </p:ext>
     </p:extLst>
   </p:cSld>
@@ -3397,516 +3596,6 @@
 </file>
 
 <file path=ppt/slides/slide10.xml><?xml version="1.0" encoding="utf-8"?>
-<p:sld xmlns:a="http://schemas.openxmlformats.org/drawingml/2006/main" xmlns:r="http://schemas.openxmlformats.org/officeDocument/2006/relationships" xmlns:p="http://schemas.openxmlformats.org/presentationml/2006/main">
-  <p:cSld>
-    <p:spTree>
-      <p:nvGrpSpPr>
-        <p:cNvPr id="1" name=""/>
-        <p:cNvGrpSpPr/>
-        <p:nvPr/>
-      </p:nvGrpSpPr>
-      <p:grpSpPr>
-        <a:xfrm>
-          <a:off x="0" y="0"/>
-          <a:ext cx="0" cy="0"/>
-          <a:chOff x="0" y="0"/>
-          <a:chExt cx="0" cy="0"/>
-        </a:xfrm>
-      </p:grpSpPr>
-    </p:spTree>
-    <p:extLst>
-      <p:ext uri="{BB962C8B-B14F-4D97-AF65-F5344CB8AC3E}">
-        <p14:creationId xmlns:p14="http://schemas.microsoft.com/office/powerpoint/2010/main" val="1217248115"/>
-      </p:ext>
-    </p:extLst>
-  </p:cSld>
-  <p:clrMapOvr>
-    <a:masterClrMapping/>
-  </p:clrMapOvr>
-</p:sld>
-</file>
-
-<file path=ppt/slides/slide11.xml><?xml version="1.0" encoding="utf-8"?>
-<p:sld xmlns:a="http://schemas.openxmlformats.org/drawingml/2006/main" xmlns:r="http://schemas.openxmlformats.org/officeDocument/2006/relationships" xmlns:p="http://schemas.openxmlformats.org/presentationml/2006/main">
-  <p:cSld>
-    <p:spTree>
-      <p:nvGrpSpPr>
-        <p:cNvPr id="1" name=""/>
-        <p:cNvGrpSpPr/>
-        <p:nvPr/>
-      </p:nvGrpSpPr>
-      <p:grpSpPr>
-        <a:xfrm>
-          <a:off x="0" y="0"/>
-          <a:ext cx="0" cy="0"/>
-          <a:chOff x="0" y="0"/>
-          <a:chExt cx="0" cy="0"/>
-        </a:xfrm>
-      </p:grpSpPr>
-    </p:spTree>
-    <p:extLst>
-      <p:ext uri="{BB962C8B-B14F-4D97-AF65-F5344CB8AC3E}">
-        <p14:creationId xmlns:p14="http://schemas.microsoft.com/office/powerpoint/2010/main" val="3162153395"/>
-      </p:ext>
-    </p:extLst>
-  </p:cSld>
-  <p:clrMapOvr>
-    <a:masterClrMapping/>
-  </p:clrMapOvr>
-</p:sld>
-</file>
-
-<file path=ppt/slides/slide12.xml><?xml version="1.0" encoding="utf-8"?>
-<p:sld xmlns:a="http://schemas.openxmlformats.org/drawingml/2006/main" xmlns:r="http://schemas.openxmlformats.org/officeDocument/2006/relationships" xmlns:p="http://schemas.openxmlformats.org/presentationml/2006/main">
-  <p:cSld>
-    <p:spTree>
-      <p:nvGrpSpPr>
-        <p:cNvPr id="1" name=""/>
-        <p:cNvGrpSpPr/>
-        <p:nvPr/>
-      </p:nvGrpSpPr>
-      <p:grpSpPr>
-        <a:xfrm>
-          <a:off x="0" y="0"/>
-          <a:ext cx="0" cy="0"/>
-          <a:chOff x="0" y="0"/>
-          <a:chExt cx="0" cy="0"/>
-        </a:xfrm>
-      </p:grpSpPr>
-    </p:spTree>
-    <p:extLst>
-      <p:ext uri="{BB962C8B-B14F-4D97-AF65-F5344CB8AC3E}">
-        <p14:creationId xmlns:p14="http://schemas.microsoft.com/office/powerpoint/2010/main" val="3589268831"/>
-      </p:ext>
-    </p:extLst>
-  </p:cSld>
-  <p:clrMapOvr>
-    <a:masterClrMapping/>
-  </p:clrMapOvr>
-</p:sld>
-</file>
-
-<file path=ppt/slides/slide2.xml><?xml version="1.0" encoding="utf-8"?>
-<p:sld xmlns:a="http://schemas.openxmlformats.org/drawingml/2006/main" xmlns:r="http://schemas.openxmlformats.org/officeDocument/2006/relationships" xmlns:p="http://schemas.openxmlformats.org/presentationml/2006/main">
-  <p:cSld>
-    <p:spTree>
-      <p:nvGrpSpPr>
-        <p:cNvPr id="1" name=""/>
-        <p:cNvGrpSpPr/>
-        <p:nvPr/>
-      </p:nvGrpSpPr>
-      <p:grpSpPr>
-        <a:xfrm>
-          <a:off x="0" y="0"/>
-          <a:ext cx="0" cy="0"/>
-          <a:chOff x="0" y="0"/>
-          <a:chExt cx="0" cy="0"/>
-        </a:xfrm>
-      </p:grpSpPr>
-      <p:pic>
-        <p:nvPicPr>
-          <p:cNvPr id="3" name="Imagen 2">
-            <a:extLst>
-              <a:ext uri="{FF2B5EF4-FFF2-40B4-BE49-F238E27FC236}">
-                <a16:creationId xmlns:a16="http://schemas.microsoft.com/office/drawing/2014/main" id="{867B6689-C8AB-45F7-B98F-479063B06584}"/>
-              </a:ext>
-            </a:extLst>
-          </p:cNvPr>
-          <p:cNvPicPr>
-            <a:picLocks noChangeAspect="1"/>
-          </p:cNvPicPr>
-          <p:nvPr/>
-        </p:nvPicPr>
-        <p:blipFill>
-          <a:blip r:embed="rId2"/>
-          <a:stretch>
-            <a:fillRect/>
-          </a:stretch>
-        </p:blipFill>
-        <p:spPr>
-          <a:xfrm>
-            <a:off x="0" y="168241"/>
-            <a:ext cx="12192000" cy="6521517"/>
-          </a:xfrm>
-          <a:prstGeom prst="rect">
-            <a:avLst/>
-          </a:prstGeom>
-        </p:spPr>
-      </p:pic>
-    </p:spTree>
-    <p:extLst>
-      <p:ext uri="{BB962C8B-B14F-4D97-AF65-F5344CB8AC3E}">
-        <p14:creationId xmlns:p14="http://schemas.microsoft.com/office/powerpoint/2010/main" val="3562083218"/>
-      </p:ext>
-    </p:extLst>
-  </p:cSld>
-  <p:clrMapOvr>
-    <a:masterClrMapping/>
-  </p:clrMapOvr>
-</p:sld>
-</file>
-
-<file path=ppt/slides/slide3.xml><?xml version="1.0" encoding="utf-8"?>
-<p:sld xmlns:a="http://schemas.openxmlformats.org/drawingml/2006/main" xmlns:r="http://schemas.openxmlformats.org/officeDocument/2006/relationships" xmlns:p="http://schemas.openxmlformats.org/presentationml/2006/main">
-  <p:cSld>
-    <p:spTree>
-      <p:nvGrpSpPr>
-        <p:cNvPr id="1" name=""/>
-        <p:cNvGrpSpPr/>
-        <p:nvPr/>
-      </p:nvGrpSpPr>
-      <p:grpSpPr>
-        <a:xfrm>
-          <a:off x="0" y="0"/>
-          <a:ext cx="0" cy="0"/>
-          <a:chOff x="0" y="0"/>
-          <a:chExt cx="0" cy="0"/>
-        </a:xfrm>
-      </p:grpSpPr>
-      <p:pic>
-        <p:nvPicPr>
-          <p:cNvPr id="5" name="Imagen 4">
-            <a:extLst>
-              <a:ext uri="{FF2B5EF4-FFF2-40B4-BE49-F238E27FC236}">
-                <a16:creationId xmlns:a16="http://schemas.microsoft.com/office/drawing/2014/main" id="{C73E5E11-A635-4BBB-9B3B-A2E9BE8BC1FB}"/>
-              </a:ext>
-            </a:extLst>
-          </p:cNvPr>
-          <p:cNvPicPr>
-            <a:picLocks noChangeAspect="1"/>
-          </p:cNvPicPr>
-          <p:nvPr/>
-        </p:nvPicPr>
-        <p:blipFill>
-          <a:blip r:embed="rId2"/>
-          <a:stretch>
-            <a:fillRect/>
-          </a:stretch>
-        </p:blipFill>
-        <p:spPr>
-          <a:xfrm>
-            <a:off x="1585912" y="990600"/>
-            <a:ext cx="9020175" cy="4876800"/>
-          </a:xfrm>
-          <a:prstGeom prst="rect">
-            <a:avLst/>
-          </a:prstGeom>
-        </p:spPr>
-      </p:pic>
-    </p:spTree>
-    <p:extLst>
-      <p:ext uri="{BB962C8B-B14F-4D97-AF65-F5344CB8AC3E}">
-        <p14:creationId xmlns:p14="http://schemas.microsoft.com/office/powerpoint/2010/main" val="3383377717"/>
-      </p:ext>
-    </p:extLst>
-  </p:cSld>
-  <p:clrMapOvr>
-    <a:masterClrMapping/>
-  </p:clrMapOvr>
-</p:sld>
-</file>
-
-<file path=ppt/slides/slide4.xml><?xml version="1.0" encoding="utf-8"?>
-<p:sld xmlns:a="http://schemas.openxmlformats.org/drawingml/2006/main" xmlns:r="http://schemas.openxmlformats.org/officeDocument/2006/relationships" xmlns:p="http://schemas.openxmlformats.org/presentationml/2006/main">
-  <p:cSld>
-    <p:spTree>
-      <p:nvGrpSpPr>
-        <p:cNvPr id="1" name=""/>
-        <p:cNvGrpSpPr/>
-        <p:nvPr/>
-      </p:nvGrpSpPr>
-      <p:grpSpPr>
-        <a:xfrm>
-          <a:off x="0" y="0"/>
-          <a:ext cx="0" cy="0"/>
-          <a:chOff x="0" y="0"/>
-          <a:chExt cx="0" cy="0"/>
-        </a:xfrm>
-      </p:grpSpPr>
-      <p:pic>
-        <p:nvPicPr>
-          <p:cNvPr id="3" name="Imagen 2">
-            <a:extLst>
-              <a:ext uri="{FF2B5EF4-FFF2-40B4-BE49-F238E27FC236}">
-                <a16:creationId xmlns:a16="http://schemas.microsoft.com/office/drawing/2014/main" id="{CD3F6D99-A85F-4026-AC29-F448880D9DF2}"/>
-              </a:ext>
-            </a:extLst>
-          </p:cNvPr>
-          <p:cNvPicPr>
-            <a:picLocks noChangeAspect="1"/>
-          </p:cNvPicPr>
-          <p:nvPr/>
-        </p:nvPicPr>
-        <p:blipFill>
-          <a:blip r:embed="rId2"/>
-          <a:stretch>
-            <a:fillRect/>
-          </a:stretch>
-        </p:blipFill>
-        <p:spPr>
-          <a:xfrm>
-            <a:off x="0" y="422251"/>
-            <a:ext cx="12192000" cy="6013498"/>
-          </a:xfrm>
-          <a:prstGeom prst="rect">
-            <a:avLst/>
-          </a:prstGeom>
-        </p:spPr>
-      </p:pic>
-    </p:spTree>
-    <p:extLst>
-      <p:ext uri="{BB962C8B-B14F-4D97-AF65-F5344CB8AC3E}">
-        <p14:creationId xmlns:p14="http://schemas.microsoft.com/office/powerpoint/2010/main" val="1015555029"/>
-      </p:ext>
-    </p:extLst>
-  </p:cSld>
-  <p:clrMapOvr>
-    <a:masterClrMapping/>
-  </p:clrMapOvr>
-</p:sld>
-</file>
-
-<file path=ppt/slides/slide5.xml><?xml version="1.0" encoding="utf-8"?>
-<p:sld xmlns:a="http://schemas.openxmlformats.org/drawingml/2006/main" xmlns:r="http://schemas.openxmlformats.org/officeDocument/2006/relationships" xmlns:p="http://schemas.openxmlformats.org/presentationml/2006/main">
-  <p:cSld>
-    <p:spTree>
-      <p:nvGrpSpPr>
-        <p:cNvPr id="1" name=""/>
-        <p:cNvGrpSpPr/>
-        <p:nvPr/>
-      </p:nvGrpSpPr>
-      <p:grpSpPr>
-        <a:xfrm>
-          <a:off x="0" y="0"/>
-          <a:ext cx="0" cy="0"/>
-          <a:chOff x="0" y="0"/>
-          <a:chExt cx="0" cy="0"/>
-        </a:xfrm>
-      </p:grpSpPr>
-      <p:pic>
-        <p:nvPicPr>
-          <p:cNvPr id="3" name="Imagen 2">
-            <a:extLst>
-              <a:ext uri="{FF2B5EF4-FFF2-40B4-BE49-F238E27FC236}">
-                <a16:creationId xmlns:a16="http://schemas.microsoft.com/office/drawing/2014/main" id="{82B3A880-C5DC-4C19-BC2D-8D861F3DD350}"/>
-              </a:ext>
-            </a:extLst>
-          </p:cNvPr>
-          <p:cNvPicPr>
-            <a:picLocks noChangeAspect="1"/>
-          </p:cNvPicPr>
-          <p:nvPr/>
-        </p:nvPicPr>
-        <p:blipFill>
-          <a:blip r:embed="rId2"/>
-          <a:stretch>
-            <a:fillRect/>
-          </a:stretch>
-        </p:blipFill>
-        <p:spPr>
-          <a:xfrm>
-            <a:off x="0" y="280315"/>
-            <a:ext cx="12192000" cy="6297369"/>
-          </a:xfrm>
-          <a:prstGeom prst="rect">
-            <a:avLst/>
-          </a:prstGeom>
-        </p:spPr>
-      </p:pic>
-    </p:spTree>
-    <p:extLst>
-      <p:ext uri="{BB962C8B-B14F-4D97-AF65-F5344CB8AC3E}">
-        <p14:creationId xmlns:p14="http://schemas.microsoft.com/office/powerpoint/2010/main" val="3055839680"/>
-      </p:ext>
-    </p:extLst>
-  </p:cSld>
-  <p:clrMapOvr>
-    <a:masterClrMapping/>
-  </p:clrMapOvr>
-</p:sld>
-</file>
-
-<file path=ppt/slides/slide6.xml><?xml version="1.0" encoding="utf-8"?>
-<p:sld xmlns:a="http://schemas.openxmlformats.org/drawingml/2006/main" xmlns:r="http://schemas.openxmlformats.org/officeDocument/2006/relationships" xmlns:p="http://schemas.openxmlformats.org/presentationml/2006/main">
-  <p:cSld>
-    <p:spTree>
-      <p:nvGrpSpPr>
-        <p:cNvPr id="1" name=""/>
-        <p:cNvGrpSpPr/>
-        <p:nvPr/>
-      </p:nvGrpSpPr>
-      <p:grpSpPr>
-        <a:xfrm>
-          <a:off x="0" y="0"/>
-          <a:ext cx="0" cy="0"/>
-          <a:chOff x="0" y="0"/>
-          <a:chExt cx="0" cy="0"/>
-        </a:xfrm>
-      </p:grpSpPr>
-      <p:pic>
-        <p:nvPicPr>
-          <p:cNvPr id="3" name="Imagen 2">
-            <a:extLst>
-              <a:ext uri="{FF2B5EF4-FFF2-40B4-BE49-F238E27FC236}">
-                <a16:creationId xmlns:a16="http://schemas.microsoft.com/office/drawing/2014/main" id="{8B6C5F34-FD79-4B98-BC93-D6514891C88C}"/>
-              </a:ext>
-            </a:extLst>
-          </p:cNvPr>
-          <p:cNvPicPr>
-            <a:picLocks noChangeAspect="1"/>
-          </p:cNvPicPr>
-          <p:nvPr/>
-        </p:nvPicPr>
-        <p:blipFill>
-          <a:blip r:embed="rId2"/>
-          <a:stretch>
-            <a:fillRect/>
-          </a:stretch>
-        </p:blipFill>
-        <p:spPr>
-          <a:xfrm>
-            <a:off x="0" y="250049"/>
-            <a:ext cx="12192000" cy="6357902"/>
-          </a:xfrm>
-          <a:prstGeom prst="rect">
-            <a:avLst/>
-          </a:prstGeom>
-        </p:spPr>
-      </p:pic>
-    </p:spTree>
-    <p:extLst>
-      <p:ext uri="{BB962C8B-B14F-4D97-AF65-F5344CB8AC3E}">
-        <p14:creationId xmlns:p14="http://schemas.microsoft.com/office/powerpoint/2010/main" val="833527568"/>
-      </p:ext>
-    </p:extLst>
-  </p:cSld>
-  <p:clrMapOvr>
-    <a:masterClrMapping/>
-  </p:clrMapOvr>
-</p:sld>
-</file>
-
-<file path=ppt/slides/slide7.xml><?xml version="1.0" encoding="utf-8"?>
-<p:sld xmlns:a="http://schemas.openxmlformats.org/drawingml/2006/main" xmlns:r="http://schemas.openxmlformats.org/officeDocument/2006/relationships" xmlns:p="http://schemas.openxmlformats.org/presentationml/2006/main">
-  <p:cSld>
-    <p:spTree>
-      <p:nvGrpSpPr>
-        <p:cNvPr id="1" name=""/>
-        <p:cNvGrpSpPr/>
-        <p:nvPr/>
-      </p:nvGrpSpPr>
-      <p:grpSpPr>
-        <a:xfrm>
-          <a:off x="0" y="0"/>
-          <a:ext cx="0" cy="0"/>
-          <a:chOff x="0" y="0"/>
-          <a:chExt cx="0" cy="0"/>
-        </a:xfrm>
-      </p:grpSpPr>
-      <p:pic>
-        <p:nvPicPr>
-          <p:cNvPr id="3" name="Imagen 2">
-            <a:extLst>
-              <a:ext uri="{FF2B5EF4-FFF2-40B4-BE49-F238E27FC236}">
-                <a16:creationId xmlns:a16="http://schemas.microsoft.com/office/drawing/2014/main" id="{A35F2800-A7C7-4487-8080-6634C6E02FA3}"/>
-              </a:ext>
-            </a:extLst>
-          </p:cNvPr>
-          <p:cNvPicPr>
-            <a:picLocks noChangeAspect="1"/>
-          </p:cNvPicPr>
-          <p:nvPr/>
-        </p:nvPicPr>
-        <p:blipFill>
-          <a:blip r:embed="rId2"/>
-          <a:stretch>
-            <a:fillRect/>
-          </a:stretch>
-        </p:blipFill>
-        <p:spPr>
-          <a:xfrm>
-            <a:off x="0" y="298621"/>
-            <a:ext cx="12192000" cy="6260757"/>
-          </a:xfrm>
-          <a:prstGeom prst="rect">
-            <a:avLst/>
-          </a:prstGeom>
-        </p:spPr>
-      </p:pic>
-    </p:spTree>
-    <p:extLst>
-      <p:ext uri="{BB962C8B-B14F-4D97-AF65-F5344CB8AC3E}">
-        <p14:creationId xmlns:p14="http://schemas.microsoft.com/office/powerpoint/2010/main" val="2856627429"/>
-      </p:ext>
-    </p:extLst>
-  </p:cSld>
-  <p:clrMapOvr>
-    <a:masterClrMapping/>
-  </p:clrMapOvr>
-</p:sld>
-</file>
-
-<file path=ppt/slides/slide8.xml><?xml version="1.0" encoding="utf-8"?>
-<p:sld xmlns:a="http://schemas.openxmlformats.org/drawingml/2006/main" xmlns:r="http://schemas.openxmlformats.org/officeDocument/2006/relationships" xmlns:p="http://schemas.openxmlformats.org/presentationml/2006/main">
-  <p:cSld>
-    <p:spTree>
-      <p:nvGrpSpPr>
-        <p:cNvPr id="1" name=""/>
-        <p:cNvGrpSpPr/>
-        <p:nvPr/>
-      </p:nvGrpSpPr>
-      <p:grpSpPr>
-        <a:xfrm>
-          <a:off x="0" y="0"/>
-          <a:ext cx="0" cy="0"/>
-          <a:chOff x="0" y="0"/>
-          <a:chExt cx="0" cy="0"/>
-        </a:xfrm>
-      </p:grpSpPr>
-      <p:pic>
-        <p:nvPicPr>
-          <p:cNvPr id="3" name="Imagen 2">
-            <a:extLst>
-              <a:ext uri="{FF2B5EF4-FFF2-40B4-BE49-F238E27FC236}">
-                <a16:creationId xmlns:a16="http://schemas.microsoft.com/office/drawing/2014/main" id="{E7C348C9-3AAE-46F0-8622-D4E17BABA5F6}"/>
-              </a:ext>
-            </a:extLst>
-          </p:cNvPr>
-          <p:cNvPicPr>
-            <a:picLocks noChangeAspect="1"/>
-          </p:cNvPicPr>
-          <p:nvPr/>
-        </p:nvPicPr>
-        <p:blipFill>
-          <a:blip r:embed="rId2"/>
-          <a:stretch>
-            <a:fillRect/>
-          </a:stretch>
-        </p:blipFill>
-        <p:spPr>
-          <a:xfrm>
-            <a:off x="0" y="278258"/>
-            <a:ext cx="12192000" cy="6301483"/>
-          </a:xfrm>
-          <a:prstGeom prst="rect">
-            <a:avLst/>
-          </a:prstGeom>
-        </p:spPr>
-      </p:pic>
-    </p:spTree>
-    <p:extLst>
-      <p:ext uri="{BB962C8B-B14F-4D97-AF65-F5344CB8AC3E}">
-        <p14:creationId xmlns:p14="http://schemas.microsoft.com/office/powerpoint/2010/main" val="341521755"/>
-      </p:ext>
-    </p:extLst>
-  </p:cSld>
-  <p:clrMapOvr>
-    <a:masterClrMapping/>
-  </p:clrMapOvr>
-</p:sld>
-</file>
-
-<file path=ppt/slides/slide9.xml><?xml version="1.0" encoding="utf-8"?>
 <p:sld xmlns:a="http://schemas.openxmlformats.org/drawingml/2006/main" xmlns:r="http://schemas.openxmlformats.org/officeDocument/2006/relationships" xmlns:p="http://schemas.openxmlformats.org/presentationml/2006/main">
   <p:cSld>
     <p:bg>
@@ -4517,6 +4206,2564 @@
     <p:extLst>
       <p:ext uri="{BB962C8B-B14F-4D97-AF65-F5344CB8AC3E}">
         <p14:creationId xmlns:p14="http://schemas.microsoft.com/office/powerpoint/2010/main" val="857157449"/>
+      </p:ext>
+    </p:extLst>
+  </p:cSld>
+  <p:clrMapOvr>
+    <a:masterClrMapping/>
+  </p:clrMapOvr>
+</p:sld>
+</file>
+
+<file path=ppt/slides/slide11.xml><?xml version="1.0" encoding="utf-8"?>
+<p:sld xmlns:a="http://schemas.openxmlformats.org/drawingml/2006/main" xmlns:r="http://schemas.openxmlformats.org/officeDocument/2006/relationships" xmlns:p="http://schemas.openxmlformats.org/presentationml/2006/main">
+  <p:cSld>
+    <p:spTree>
+      <p:nvGrpSpPr>
+        <p:cNvPr id="1" name=""/>
+        <p:cNvGrpSpPr/>
+        <p:nvPr/>
+      </p:nvGrpSpPr>
+      <p:grpSpPr>
+        <a:xfrm>
+          <a:off x="0" y="0"/>
+          <a:ext cx="0" cy="0"/>
+          <a:chOff x="0" y="0"/>
+          <a:chExt cx="0" cy="0"/>
+        </a:xfrm>
+      </p:grpSpPr>
+      <p:pic>
+        <p:nvPicPr>
+          <p:cNvPr id="5" name="Imagen 4">
+            <a:extLst>
+              <a:ext uri="{FF2B5EF4-FFF2-40B4-BE49-F238E27FC236}">
+                <a16:creationId xmlns:a16="http://schemas.microsoft.com/office/drawing/2014/main" id="{ACC1FF91-156D-49A1-BCBA-49885A0D5585}"/>
+              </a:ext>
+            </a:extLst>
+          </p:cNvPr>
+          <p:cNvPicPr>
+            <a:picLocks noChangeAspect="1"/>
+          </p:cNvPicPr>
+          <p:nvPr/>
+        </p:nvPicPr>
+        <p:blipFill>
+          <a:blip r:embed="rId2"/>
+          <a:stretch>
+            <a:fillRect/>
+          </a:stretch>
+        </p:blipFill>
+        <p:spPr>
+          <a:xfrm>
+            <a:off x="1362075" y="742950"/>
+            <a:ext cx="9467850" cy="5587512"/>
+          </a:xfrm>
+          <a:prstGeom prst="rect">
+            <a:avLst/>
+          </a:prstGeom>
+        </p:spPr>
+      </p:pic>
+      <p:sp>
+        <p:nvSpPr>
+          <p:cNvPr id="6" name="CuadroTexto 5">
+            <a:extLst>
+              <a:ext uri="{FF2B5EF4-FFF2-40B4-BE49-F238E27FC236}">
+                <a16:creationId xmlns:a16="http://schemas.microsoft.com/office/drawing/2014/main" id="{C4FF6931-9397-42F9-8C47-964B315B90C1}"/>
+              </a:ext>
+            </a:extLst>
+          </p:cNvPr>
+          <p:cNvSpPr txBox="1"/>
+          <p:nvPr/>
+        </p:nvSpPr>
+        <p:spPr>
+          <a:xfrm>
+            <a:off x="1733266" y="245660"/>
+            <a:ext cx="2127505" cy="369332"/>
+          </a:xfrm>
+          <a:prstGeom prst="rect">
+            <a:avLst/>
+          </a:prstGeom>
+          <a:noFill/>
+        </p:spPr>
+        <p:txBody>
+          <a:bodyPr wrap="none" rtlCol="0">
+            <a:spAutoFit/>
+          </a:bodyPr>
+          <a:lstStyle/>
+          <a:p>
+            <a:r>
+              <a:rPr lang="es-AR" dirty="0"/>
+              <a:t>Búsqueda por name </a:t>
+            </a:r>
+          </a:p>
+        </p:txBody>
+      </p:sp>
+    </p:spTree>
+    <p:extLst>
+      <p:ext uri="{BB962C8B-B14F-4D97-AF65-F5344CB8AC3E}">
+        <p14:creationId xmlns:p14="http://schemas.microsoft.com/office/powerpoint/2010/main" val="3151866564"/>
+      </p:ext>
+    </p:extLst>
+  </p:cSld>
+  <p:clrMapOvr>
+    <a:masterClrMapping/>
+  </p:clrMapOvr>
+</p:sld>
+</file>
+
+<file path=ppt/slides/slide12.xml><?xml version="1.0" encoding="utf-8"?>
+<p:sld xmlns:a="http://schemas.openxmlformats.org/drawingml/2006/main" xmlns:r="http://schemas.openxmlformats.org/officeDocument/2006/relationships" xmlns:p="http://schemas.openxmlformats.org/presentationml/2006/main">
+  <p:cSld>
+    <p:spTree>
+      <p:nvGrpSpPr>
+        <p:cNvPr id="1" name=""/>
+        <p:cNvGrpSpPr/>
+        <p:nvPr/>
+      </p:nvGrpSpPr>
+      <p:grpSpPr>
+        <a:xfrm>
+          <a:off x="0" y="0"/>
+          <a:ext cx="0" cy="0"/>
+          <a:chOff x="0" y="0"/>
+          <a:chExt cx="0" cy="0"/>
+        </a:xfrm>
+      </p:grpSpPr>
+      <p:pic>
+        <p:nvPicPr>
+          <p:cNvPr id="5" name="Imagen 4">
+            <a:extLst>
+              <a:ext uri="{FF2B5EF4-FFF2-40B4-BE49-F238E27FC236}">
+                <a16:creationId xmlns:a16="http://schemas.microsoft.com/office/drawing/2014/main" id="{57721148-0FEA-4B5A-B8A1-66AFB7DD01C8}"/>
+              </a:ext>
+            </a:extLst>
+          </p:cNvPr>
+          <p:cNvPicPr>
+            <a:picLocks noChangeAspect="1"/>
+          </p:cNvPicPr>
+          <p:nvPr/>
+        </p:nvPicPr>
+        <p:blipFill>
+          <a:blip r:embed="rId2"/>
+          <a:stretch>
+            <a:fillRect/>
+          </a:stretch>
+        </p:blipFill>
+        <p:spPr>
+          <a:xfrm>
+            <a:off x="1652587" y="976312"/>
+            <a:ext cx="8886825" cy="4905375"/>
+          </a:xfrm>
+          <a:prstGeom prst="rect">
+            <a:avLst/>
+          </a:prstGeom>
+        </p:spPr>
+      </p:pic>
+      <p:sp>
+        <p:nvSpPr>
+          <p:cNvPr id="6" name="CuadroTexto 5">
+            <a:extLst>
+              <a:ext uri="{FF2B5EF4-FFF2-40B4-BE49-F238E27FC236}">
+                <a16:creationId xmlns:a16="http://schemas.microsoft.com/office/drawing/2014/main" id="{A60F2732-2D4D-43EF-A1CA-4273FBD7D64D}"/>
+              </a:ext>
+            </a:extLst>
+          </p:cNvPr>
+          <p:cNvSpPr txBox="1"/>
+          <p:nvPr/>
+        </p:nvSpPr>
+        <p:spPr>
+          <a:xfrm>
+            <a:off x="1924334" y="464024"/>
+            <a:ext cx="2064989" cy="369332"/>
+          </a:xfrm>
+          <a:prstGeom prst="rect">
+            <a:avLst/>
+          </a:prstGeom>
+          <a:noFill/>
+        </p:spPr>
+        <p:txBody>
+          <a:bodyPr wrap="none" rtlCol="0">
+            <a:spAutoFit/>
+          </a:bodyPr>
+          <a:lstStyle/>
+          <a:p>
+            <a:r>
+              <a:rPr lang="es-AR" dirty="0"/>
+              <a:t>Búsqueda  por edad</a:t>
+            </a:r>
+          </a:p>
+        </p:txBody>
+      </p:sp>
+    </p:spTree>
+    <p:extLst>
+      <p:ext uri="{BB962C8B-B14F-4D97-AF65-F5344CB8AC3E}">
+        <p14:creationId xmlns:p14="http://schemas.microsoft.com/office/powerpoint/2010/main" val="1175440797"/>
+      </p:ext>
+    </p:extLst>
+  </p:cSld>
+  <p:clrMapOvr>
+    <a:masterClrMapping/>
+  </p:clrMapOvr>
+</p:sld>
+</file>
+
+<file path=ppt/slides/slide13.xml><?xml version="1.0" encoding="utf-8"?>
+<p:sld xmlns:a="http://schemas.openxmlformats.org/drawingml/2006/main" xmlns:r="http://schemas.openxmlformats.org/officeDocument/2006/relationships" xmlns:p="http://schemas.openxmlformats.org/presentationml/2006/main">
+  <p:cSld>
+    <p:spTree>
+      <p:nvGrpSpPr>
+        <p:cNvPr id="1" name=""/>
+        <p:cNvGrpSpPr/>
+        <p:nvPr/>
+      </p:nvGrpSpPr>
+      <p:grpSpPr>
+        <a:xfrm>
+          <a:off x="0" y="0"/>
+          <a:ext cx="0" cy="0"/>
+          <a:chOff x="0" y="0"/>
+          <a:chExt cx="0" cy="0"/>
+        </a:xfrm>
+      </p:grpSpPr>
+      <p:pic>
+        <p:nvPicPr>
+          <p:cNvPr id="3" name="Imagen 2">
+            <a:extLst>
+              <a:ext uri="{FF2B5EF4-FFF2-40B4-BE49-F238E27FC236}">
+                <a16:creationId xmlns:a16="http://schemas.microsoft.com/office/drawing/2014/main" id="{70D3784F-37A0-4657-9371-152F32B57896}"/>
+              </a:ext>
+            </a:extLst>
+          </p:cNvPr>
+          <p:cNvPicPr>
+            <a:picLocks noChangeAspect="1"/>
+          </p:cNvPicPr>
+          <p:nvPr/>
+        </p:nvPicPr>
+        <p:blipFill>
+          <a:blip r:embed="rId2"/>
+          <a:stretch>
+            <a:fillRect/>
+          </a:stretch>
+        </p:blipFill>
+        <p:spPr>
+          <a:xfrm>
+            <a:off x="731520" y="995362"/>
+            <a:ext cx="10277256" cy="5475776"/>
+          </a:xfrm>
+          <a:prstGeom prst="rect">
+            <a:avLst/>
+          </a:prstGeom>
+        </p:spPr>
+      </p:pic>
+      <p:sp>
+        <p:nvSpPr>
+          <p:cNvPr id="4" name="CuadroTexto 3">
+            <a:extLst>
+              <a:ext uri="{FF2B5EF4-FFF2-40B4-BE49-F238E27FC236}">
+                <a16:creationId xmlns:a16="http://schemas.microsoft.com/office/drawing/2014/main" id="{65266C76-0D01-4861-A5B5-306DFDA2ED08}"/>
+              </a:ext>
+            </a:extLst>
+          </p:cNvPr>
+          <p:cNvSpPr txBox="1"/>
+          <p:nvPr/>
+        </p:nvSpPr>
+        <p:spPr>
+          <a:xfrm>
+            <a:off x="2756848" y="409433"/>
+            <a:ext cx="2179443" cy="369332"/>
+          </a:xfrm>
+          <a:prstGeom prst="rect">
+            <a:avLst/>
+          </a:prstGeom>
+          <a:noFill/>
+        </p:spPr>
+        <p:txBody>
+          <a:bodyPr wrap="none" rtlCol="0">
+            <a:spAutoFit/>
+          </a:bodyPr>
+          <a:lstStyle/>
+          <a:p>
+            <a:r>
+              <a:rPr lang="es-AR" dirty="0"/>
+              <a:t>Búsqueda por </a:t>
+            </a:r>
+            <a:r>
+              <a:rPr lang="es-AR" dirty="0" err="1"/>
+              <a:t>weight</a:t>
+            </a:r>
+            <a:endParaRPr lang="es-AR" dirty="0"/>
+          </a:p>
+        </p:txBody>
+      </p:sp>
+    </p:spTree>
+    <p:extLst>
+      <p:ext uri="{BB962C8B-B14F-4D97-AF65-F5344CB8AC3E}">
+        <p14:creationId xmlns:p14="http://schemas.microsoft.com/office/powerpoint/2010/main" val="1357264417"/>
+      </p:ext>
+    </p:extLst>
+  </p:cSld>
+  <p:clrMapOvr>
+    <a:masterClrMapping/>
+  </p:clrMapOvr>
+</p:sld>
+</file>
+
+<file path=ppt/slides/slide14.xml><?xml version="1.0" encoding="utf-8"?>
+<p:sld xmlns:a="http://schemas.openxmlformats.org/drawingml/2006/main" xmlns:r="http://schemas.openxmlformats.org/officeDocument/2006/relationships" xmlns:p="http://schemas.openxmlformats.org/presentationml/2006/main">
+  <p:cSld>
+    <p:spTree>
+      <p:nvGrpSpPr>
+        <p:cNvPr id="1" name=""/>
+        <p:cNvGrpSpPr/>
+        <p:nvPr/>
+      </p:nvGrpSpPr>
+      <p:grpSpPr>
+        <a:xfrm>
+          <a:off x="0" y="0"/>
+          <a:ext cx="0" cy="0"/>
+          <a:chOff x="0" y="0"/>
+          <a:chExt cx="0" cy="0"/>
+        </a:xfrm>
+      </p:grpSpPr>
+      <p:pic>
+        <p:nvPicPr>
+          <p:cNvPr id="4" name="Imagen 3">
+            <a:extLst>
+              <a:ext uri="{FF2B5EF4-FFF2-40B4-BE49-F238E27FC236}">
+                <a16:creationId xmlns:a16="http://schemas.microsoft.com/office/drawing/2014/main" id="{F9FC7372-CD2A-4345-B102-C67CB735AB1F}"/>
+              </a:ext>
+            </a:extLst>
+          </p:cNvPr>
+          <p:cNvPicPr>
+            <a:picLocks noChangeAspect="1"/>
+          </p:cNvPicPr>
+          <p:nvPr/>
+        </p:nvPicPr>
+        <p:blipFill>
+          <a:blip r:embed="rId2"/>
+          <a:stretch>
+            <a:fillRect/>
+          </a:stretch>
+        </p:blipFill>
+        <p:spPr>
+          <a:xfrm>
+            <a:off x="163772" y="647700"/>
+            <a:ext cx="11546006" cy="6210300"/>
+          </a:xfrm>
+          <a:prstGeom prst="rect">
+            <a:avLst/>
+          </a:prstGeom>
+        </p:spPr>
+      </p:pic>
+      <p:sp>
+        <p:nvSpPr>
+          <p:cNvPr id="5" name="CuadroTexto 4">
+            <a:extLst>
+              <a:ext uri="{FF2B5EF4-FFF2-40B4-BE49-F238E27FC236}">
+                <a16:creationId xmlns:a16="http://schemas.microsoft.com/office/drawing/2014/main" id="{B39CC40E-52D2-4B80-A5EE-AF8EA3DFD574}"/>
+              </a:ext>
+            </a:extLst>
+          </p:cNvPr>
+          <p:cNvSpPr txBox="1"/>
+          <p:nvPr/>
+        </p:nvSpPr>
+        <p:spPr>
+          <a:xfrm>
+            <a:off x="5000557" y="122830"/>
+            <a:ext cx="936218" cy="369332"/>
+          </a:xfrm>
+          <a:prstGeom prst="rect">
+            <a:avLst/>
+          </a:prstGeom>
+          <a:noFill/>
+        </p:spPr>
+        <p:txBody>
+          <a:bodyPr wrap="none" rtlCol="0">
+            <a:spAutoFit/>
+          </a:bodyPr>
+          <a:lstStyle/>
+          <a:p>
+            <a:r>
+              <a:rPr lang="es-AR" dirty="0"/>
+              <a:t>MOVIES</a:t>
+            </a:r>
+          </a:p>
+        </p:txBody>
+      </p:sp>
+      <p:sp>
+        <p:nvSpPr>
+          <p:cNvPr id="6" name="CuadroTexto 5">
+            <a:extLst>
+              <a:ext uri="{FF2B5EF4-FFF2-40B4-BE49-F238E27FC236}">
+                <a16:creationId xmlns:a16="http://schemas.microsoft.com/office/drawing/2014/main" id="{206FEE21-E23E-40E2-B71F-3948CB686B39}"/>
+              </a:ext>
+            </a:extLst>
+          </p:cNvPr>
+          <p:cNvSpPr txBox="1"/>
+          <p:nvPr/>
+        </p:nvSpPr>
+        <p:spPr>
+          <a:xfrm>
+            <a:off x="1201002" y="385265"/>
+            <a:ext cx="850939" cy="369332"/>
+          </a:xfrm>
+          <a:prstGeom prst="rect">
+            <a:avLst/>
+          </a:prstGeom>
+          <a:noFill/>
+        </p:spPr>
+        <p:txBody>
+          <a:bodyPr wrap="none" rtlCol="0">
+            <a:spAutoFit/>
+          </a:bodyPr>
+          <a:lstStyle/>
+          <a:p>
+            <a:r>
+              <a:rPr lang="es-AR" dirty="0"/>
+              <a:t>Listado</a:t>
+            </a:r>
+          </a:p>
+        </p:txBody>
+      </p:sp>
+    </p:spTree>
+    <p:extLst>
+      <p:ext uri="{BB962C8B-B14F-4D97-AF65-F5344CB8AC3E}">
+        <p14:creationId xmlns:p14="http://schemas.microsoft.com/office/powerpoint/2010/main" val="1217248115"/>
+      </p:ext>
+    </p:extLst>
+  </p:cSld>
+  <p:clrMapOvr>
+    <a:masterClrMapping/>
+  </p:clrMapOvr>
+</p:sld>
+</file>
+
+<file path=ppt/slides/slide15.xml><?xml version="1.0" encoding="utf-8"?>
+<p:sld xmlns:a="http://schemas.openxmlformats.org/drawingml/2006/main" xmlns:r="http://schemas.openxmlformats.org/officeDocument/2006/relationships" xmlns:p="http://schemas.openxmlformats.org/presentationml/2006/main">
+  <p:cSld>
+    <p:bg>
+      <p:bgPr>
+        <a:solidFill>
+          <a:schemeClr val="bg1"/>
+        </a:solidFill>
+        <a:effectLst/>
+      </p:bgPr>
+    </p:bg>
+    <p:spTree>
+      <p:nvGrpSpPr>
+        <p:cNvPr id="1" name=""/>
+        <p:cNvGrpSpPr/>
+        <p:nvPr/>
+      </p:nvGrpSpPr>
+      <p:grpSpPr>
+        <a:xfrm>
+          <a:off x="0" y="0"/>
+          <a:ext cx="0" cy="0"/>
+          <a:chOff x="0" y="0"/>
+          <a:chExt cx="0" cy="0"/>
+        </a:xfrm>
+      </p:grpSpPr>
+      <p:pic>
+        <p:nvPicPr>
+          <p:cNvPr id="3" name="Imagen 2">
+            <a:extLst>
+              <a:ext uri="{FF2B5EF4-FFF2-40B4-BE49-F238E27FC236}">
+                <a16:creationId xmlns:a16="http://schemas.microsoft.com/office/drawing/2014/main" id="{88F00899-B36D-4B26-B183-F1FFD9168CAF}"/>
+              </a:ext>
+            </a:extLst>
+          </p:cNvPr>
+          <p:cNvPicPr>
+            <a:picLocks noChangeAspect="1"/>
+          </p:cNvPicPr>
+          <p:nvPr/>
+        </p:nvPicPr>
+        <p:blipFill>
+          <a:blip r:embed="rId2"/>
+          <a:stretch>
+            <a:fillRect/>
+          </a:stretch>
+        </p:blipFill>
+        <p:spPr>
+          <a:xfrm>
+            <a:off x="900752" y="998308"/>
+            <a:ext cx="9833753" cy="5571067"/>
+          </a:xfrm>
+          <a:prstGeom prst="rect">
+            <a:avLst/>
+          </a:prstGeom>
+        </p:spPr>
+      </p:pic>
+      <p:sp>
+        <p:nvSpPr>
+          <p:cNvPr id="4" name="CuadroTexto 3">
+            <a:extLst>
+              <a:ext uri="{FF2B5EF4-FFF2-40B4-BE49-F238E27FC236}">
+                <a16:creationId xmlns:a16="http://schemas.microsoft.com/office/drawing/2014/main" id="{705F2ACD-0C38-4103-9343-37C4E976661F}"/>
+              </a:ext>
+            </a:extLst>
+          </p:cNvPr>
+          <p:cNvSpPr txBox="1"/>
+          <p:nvPr/>
+        </p:nvSpPr>
+        <p:spPr>
+          <a:xfrm>
+            <a:off x="3002507" y="382137"/>
+            <a:ext cx="2051524" cy="369332"/>
+          </a:xfrm>
+          <a:prstGeom prst="rect">
+            <a:avLst/>
+          </a:prstGeom>
+          <a:noFill/>
+        </p:spPr>
+        <p:txBody>
+          <a:bodyPr wrap="none" rtlCol="0">
+            <a:spAutoFit/>
+          </a:bodyPr>
+          <a:lstStyle/>
+          <a:p>
+            <a:r>
+              <a:rPr lang="es-AR" dirty="0"/>
+              <a:t>Detalle de Películas </a:t>
+            </a:r>
+          </a:p>
+        </p:txBody>
+      </p:sp>
+    </p:spTree>
+    <p:extLst>
+      <p:ext uri="{BB962C8B-B14F-4D97-AF65-F5344CB8AC3E}">
+        <p14:creationId xmlns:p14="http://schemas.microsoft.com/office/powerpoint/2010/main" val="3162153395"/>
+      </p:ext>
+    </p:extLst>
+  </p:cSld>
+  <p:clrMapOvr>
+    <a:masterClrMapping/>
+  </p:clrMapOvr>
+</p:sld>
+</file>
+
+<file path=ppt/slides/slide16.xml><?xml version="1.0" encoding="utf-8"?>
+<p:sld xmlns:a="http://schemas.openxmlformats.org/drawingml/2006/main" xmlns:r="http://schemas.openxmlformats.org/officeDocument/2006/relationships" xmlns:p="http://schemas.openxmlformats.org/presentationml/2006/main">
+  <p:cSld>
+    <p:spTree>
+      <p:nvGrpSpPr>
+        <p:cNvPr id="1" name=""/>
+        <p:cNvGrpSpPr/>
+        <p:nvPr/>
+      </p:nvGrpSpPr>
+      <p:grpSpPr>
+        <a:xfrm>
+          <a:off x="0" y="0"/>
+          <a:ext cx="0" cy="0"/>
+          <a:chOff x="0" y="0"/>
+          <a:chExt cx="0" cy="0"/>
+        </a:xfrm>
+      </p:grpSpPr>
+      <p:pic>
+        <p:nvPicPr>
+          <p:cNvPr id="3" name="Imagen 2">
+            <a:extLst>
+              <a:ext uri="{FF2B5EF4-FFF2-40B4-BE49-F238E27FC236}">
+                <a16:creationId xmlns:a16="http://schemas.microsoft.com/office/drawing/2014/main" id="{F6A7AD8F-A615-45F9-B89A-7517B4AA5538}"/>
+              </a:ext>
+            </a:extLst>
+          </p:cNvPr>
+          <p:cNvPicPr>
+            <a:picLocks noChangeAspect="1"/>
+          </p:cNvPicPr>
+          <p:nvPr/>
+        </p:nvPicPr>
+        <p:blipFill>
+          <a:blip r:embed="rId2"/>
+          <a:stretch>
+            <a:fillRect/>
+          </a:stretch>
+        </p:blipFill>
+        <p:spPr>
+          <a:xfrm>
+            <a:off x="585574" y="1047750"/>
+            <a:ext cx="10420350" cy="5810250"/>
+          </a:xfrm>
+          <a:prstGeom prst="rect">
+            <a:avLst/>
+          </a:prstGeom>
+        </p:spPr>
+      </p:pic>
+      <p:sp>
+        <p:nvSpPr>
+          <p:cNvPr id="4" name="CuadroTexto 3">
+            <a:extLst>
+              <a:ext uri="{FF2B5EF4-FFF2-40B4-BE49-F238E27FC236}">
+                <a16:creationId xmlns:a16="http://schemas.microsoft.com/office/drawing/2014/main" id="{A3CA2E2D-89F9-4B94-A27A-871068BEE70D}"/>
+              </a:ext>
+            </a:extLst>
+          </p:cNvPr>
+          <p:cNvSpPr txBox="1"/>
+          <p:nvPr/>
+        </p:nvSpPr>
+        <p:spPr>
+          <a:xfrm>
+            <a:off x="1255594" y="464024"/>
+            <a:ext cx="1922706" cy="369332"/>
+          </a:xfrm>
+          <a:prstGeom prst="rect">
+            <a:avLst/>
+          </a:prstGeom>
+          <a:noFill/>
+        </p:spPr>
+        <p:txBody>
+          <a:bodyPr wrap="none" rtlCol="0">
+            <a:spAutoFit/>
+          </a:bodyPr>
+          <a:lstStyle/>
+          <a:p>
+            <a:r>
+              <a:rPr lang="es-AR" dirty="0"/>
+              <a:t>Crear una  </a:t>
+            </a:r>
+            <a:r>
+              <a:rPr lang="es-AR" dirty="0" err="1"/>
+              <a:t>Pelicula</a:t>
+            </a:r>
+            <a:endParaRPr lang="es-AR" dirty="0"/>
+          </a:p>
+        </p:txBody>
+      </p:sp>
+    </p:spTree>
+    <p:extLst>
+      <p:ext uri="{BB962C8B-B14F-4D97-AF65-F5344CB8AC3E}">
+        <p14:creationId xmlns:p14="http://schemas.microsoft.com/office/powerpoint/2010/main" val="3589268831"/>
+      </p:ext>
+    </p:extLst>
+  </p:cSld>
+  <p:clrMapOvr>
+    <a:masterClrMapping/>
+  </p:clrMapOvr>
+</p:sld>
+</file>
+
+<file path=ppt/slides/slide17.xml><?xml version="1.0" encoding="utf-8"?>
+<p:sld xmlns:a="http://schemas.openxmlformats.org/drawingml/2006/main" xmlns:r="http://schemas.openxmlformats.org/officeDocument/2006/relationships" xmlns:p="http://schemas.openxmlformats.org/presentationml/2006/main">
+  <p:cSld>
+    <p:spTree>
+      <p:nvGrpSpPr>
+        <p:cNvPr id="1" name=""/>
+        <p:cNvGrpSpPr/>
+        <p:nvPr/>
+      </p:nvGrpSpPr>
+      <p:grpSpPr>
+        <a:xfrm>
+          <a:off x="0" y="0"/>
+          <a:ext cx="0" cy="0"/>
+          <a:chOff x="0" y="0"/>
+          <a:chExt cx="0" cy="0"/>
+        </a:xfrm>
+      </p:grpSpPr>
+      <p:pic>
+        <p:nvPicPr>
+          <p:cNvPr id="3" name="Imagen 2">
+            <a:extLst>
+              <a:ext uri="{FF2B5EF4-FFF2-40B4-BE49-F238E27FC236}">
+                <a16:creationId xmlns:a16="http://schemas.microsoft.com/office/drawing/2014/main" id="{B9F9CE88-0A86-4335-B495-983F81944F7D}"/>
+              </a:ext>
+            </a:extLst>
+          </p:cNvPr>
+          <p:cNvPicPr>
+            <a:picLocks noChangeAspect="1"/>
+          </p:cNvPicPr>
+          <p:nvPr/>
+        </p:nvPicPr>
+        <p:blipFill>
+          <a:blip r:embed="rId2"/>
+          <a:stretch>
+            <a:fillRect/>
+          </a:stretch>
+        </p:blipFill>
+        <p:spPr>
+          <a:xfrm>
+            <a:off x="0" y="404446"/>
+            <a:ext cx="12192000" cy="6049108"/>
+          </a:xfrm>
+          <a:prstGeom prst="rect">
+            <a:avLst/>
+          </a:prstGeom>
+        </p:spPr>
+      </p:pic>
+    </p:spTree>
+    <p:extLst>
+      <p:ext uri="{BB962C8B-B14F-4D97-AF65-F5344CB8AC3E}">
+        <p14:creationId xmlns:p14="http://schemas.microsoft.com/office/powerpoint/2010/main" val="375852098"/>
+      </p:ext>
+    </p:extLst>
+  </p:cSld>
+  <p:clrMapOvr>
+    <a:masterClrMapping/>
+  </p:clrMapOvr>
+</p:sld>
+</file>
+
+<file path=ppt/slides/slide18.xml><?xml version="1.0" encoding="utf-8"?>
+<p:sld xmlns:a="http://schemas.openxmlformats.org/drawingml/2006/main" xmlns:r="http://schemas.openxmlformats.org/officeDocument/2006/relationships" xmlns:p="http://schemas.openxmlformats.org/presentationml/2006/main">
+  <p:cSld>
+    <p:spTree>
+      <p:nvGrpSpPr>
+        <p:cNvPr id="1" name=""/>
+        <p:cNvGrpSpPr/>
+        <p:nvPr/>
+      </p:nvGrpSpPr>
+      <p:grpSpPr>
+        <a:xfrm>
+          <a:off x="0" y="0"/>
+          <a:ext cx="0" cy="0"/>
+          <a:chOff x="0" y="0"/>
+          <a:chExt cx="0" cy="0"/>
+        </a:xfrm>
+      </p:grpSpPr>
+      <p:pic>
+        <p:nvPicPr>
+          <p:cNvPr id="3" name="Imagen 2">
+            <a:extLst>
+              <a:ext uri="{FF2B5EF4-FFF2-40B4-BE49-F238E27FC236}">
+                <a16:creationId xmlns:a16="http://schemas.microsoft.com/office/drawing/2014/main" id="{BCE33589-B3D1-40EF-9699-457AB1E7C464}"/>
+              </a:ext>
+            </a:extLst>
+          </p:cNvPr>
+          <p:cNvPicPr>
+            <a:picLocks noChangeAspect="1"/>
+          </p:cNvPicPr>
+          <p:nvPr/>
+        </p:nvPicPr>
+        <p:blipFill>
+          <a:blip r:embed="rId2"/>
+          <a:stretch>
+            <a:fillRect/>
+          </a:stretch>
+        </p:blipFill>
+        <p:spPr>
+          <a:xfrm>
+            <a:off x="619125" y="947737"/>
+            <a:ext cx="10953750" cy="4962525"/>
+          </a:xfrm>
+          <a:prstGeom prst="rect">
+            <a:avLst/>
+          </a:prstGeom>
+        </p:spPr>
+      </p:pic>
+    </p:spTree>
+    <p:extLst>
+      <p:ext uri="{BB962C8B-B14F-4D97-AF65-F5344CB8AC3E}">
+        <p14:creationId xmlns:p14="http://schemas.microsoft.com/office/powerpoint/2010/main" val="3305716933"/>
+      </p:ext>
+    </p:extLst>
+  </p:cSld>
+  <p:clrMapOvr>
+    <a:masterClrMapping/>
+  </p:clrMapOvr>
+</p:sld>
+</file>
+
+<file path=ppt/slides/slide19.xml><?xml version="1.0" encoding="utf-8"?>
+<p:sld xmlns:a="http://schemas.openxmlformats.org/drawingml/2006/main" xmlns:r="http://schemas.openxmlformats.org/officeDocument/2006/relationships" xmlns:p="http://schemas.openxmlformats.org/presentationml/2006/main">
+  <p:cSld>
+    <p:spTree>
+      <p:nvGrpSpPr>
+        <p:cNvPr id="1" name=""/>
+        <p:cNvGrpSpPr/>
+        <p:nvPr/>
+      </p:nvGrpSpPr>
+      <p:grpSpPr>
+        <a:xfrm>
+          <a:off x="0" y="0"/>
+          <a:ext cx="0" cy="0"/>
+          <a:chOff x="0" y="0"/>
+          <a:chExt cx="0" cy="0"/>
+        </a:xfrm>
+      </p:grpSpPr>
+      <p:pic>
+        <p:nvPicPr>
+          <p:cNvPr id="3" name="Imagen 2">
+            <a:extLst>
+              <a:ext uri="{FF2B5EF4-FFF2-40B4-BE49-F238E27FC236}">
+                <a16:creationId xmlns:a16="http://schemas.microsoft.com/office/drawing/2014/main" id="{4D51A6D0-1261-43E7-A38D-87FE202C736C}"/>
+              </a:ext>
+            </a:extLst>
+          </p:cNvPr>
+          <p:cNvPicPr>
+            <a:picLocks noChangeAspect="1"/>
+          </p:cNvPicPr>
+          <p:nvPr/>
+        </p:nvPicPr>
+        <p:blipFill>
+          <a:blip r:embed="rId2"/>
+          <a:stretch>
+            <a:fillRect/>
+          </a:stretch>
+        </p:blipFill>
+        <p:spPr>
+          <a:xfrm>
+            <a:off x="175218" y="349653"/>
+            <a:ext cx="6235851" cy="3512663"/>
+          </a:xfrm>
+          <a:prstGeom prst="rect">
+            <a:avLst/>
+          </a:prstGeom>
+        </p:spPr>
+      </p:pic>
+      <p:pic>
+        <p:nvPicPr>
+          <p:cNvPr id="5" name="Imagen 4">
+            <a:extLst>
+              <a:ext uri="{FF2B5EF4-FFF2-40B4-BE49-F238E27FC236}">
+                <a16:creationId xmlns:a16="http://schemas.microsoft.com/office/drawing/2014/main" id="{14A7B427-DB1A-4B97-8603-E9F60C27ADB3}"/>
+              </a:ext>
+            </a:extLst>
+          </p:cNvPr>
+          <p:cNvPicPr>
+            <a:picLocks noChangeAspect="1"/>
+          </p:cNvPicPr>
+          <p:nvPr/>
+        </p:nvPicPr>
+        <p:blipFill>
+          <a:blip r:embed="rId3"/>
+          <a:stretch>
+            <a:fillRect/>
+          </a:stretch>
+        </p:blipFill>
+        <p:spPr>
+          <a:xfrm>
+            <a:off x="3854546" y="3277771"/>
+            <a:ext cx="8005543" cy="3387383"/>
+          </a:xfrm>
+          <a:prstGeom prst="rect">
+            <a:avLst/>
+          </a:prstGeom>
+        </p:spPr>
+      </p:pic>
+      <p:sp>
+        <p:nvSpPr>
+          <p:cNvPr id="6" name="CuadroTexto 5">
+            <a:extLst>
+              <a:ext uri="{FF2B5EF4-FFF2-40B4-BE49-F238E27FC236}">
+                <a16:creationId xmlns:a16="http://schemas.microsoft.com/office/drawing/2014/main" id="{5BACF026-C2F9-4387-94ED-8E28F6736EA0}"/>
+              </a:ext>
+            </a:extLst>
+          </p:cNvPr>
+          <p:cNvSpPr txBox="1"/>
+          <p:nvPr/>
+        </p:nvSpPr>
+        <p:spPr>
+          <a:xfrm>
+            <a:off x="7629099" y="982639"/>
+            <a:ext cx="2266839" cy="369332"/>
+          </a:xfrm>
+          <a:prstGeom prst="rect">
+            <a:avLst/>
+          </a:prstGeom>
+          <a:noFill/>
+        </p:spPr>
+        <p:txBody>
+          <a:bodyPr wrap="none" rtlCol="0">
+            <a:spAutoFit/>
+          </a:bodyPr>
+          <a:lstStyle/>
+          <a:p>
+            <a:r>
+              <a:rPr lang="es-AR" dirty="0"/>
+              <a:t>Modificar una </a:t>
+            </a:r>
+            <a:r>
+              <a:rPr lang="es-AR" dirty="0" err="1"/>
+              <a:t>Pelicula</a:t>
+            </a:r>
+            <a:endParaRPr lang="es-AR" dirty="0"/>
+          </a:p>
+        </p:txBody>
+      </p:sp>
+    </p:spTree>
+    <p:extLst>
+      <p:ext uri="{BB962C8B-B14F-4D97-AF65-F5344CB8AC3E}">
+        <p14:creationId xmlns:p14="http://schemas.microsoft.com/office/powerpoint/2010/main" val="4003482248"/>
+      </p:ext>
+    </p:extLst>
+  </p:cSld>
+  <p:clrMapOvr>
+    <a:masterClrMapping/>
+  </p:clrMapOvr>
+</p:sld>
+</file>
+
+<file path=ppt/slides/slide2.xml><?xml version="1.0" encoding="utf-8"?>
+<p:sld xmlns:a="http://schemas.openxmlformats.org/drawingml/2006/main" xmlns:r="http://schemas.openxmlformats.org/officeDocument/2006/relationships" xmlns:p="http://schemas.openxmlformats.org/presentationml/2006/main">
+  <p:cSld>
+    <p:spTree>
+      <p:nvGrpSpPr>
+        <p:cNvPr id="1" name=""/>
+        <p:cNvGrpSpPr/>
+        <p:nvPr/>
+      </p:nvGrpSpPr>
+      <p:grpSpPr>
+        <a:xfrm>
+          <a:off x="0" y="0"/>
+          <a:ext cx="0" cy="0"/>
+          <a:chOff x="0" y="0"/>
+          <a:chExt cx="0" cy="0"/>
+        </a:xfrm>
+      </p:grpSpPr>
+      <p:pic>
+        <p:nvPicPr>
+          <p:cNvPr id="3" name="Imagen 2">
+            <a:extLst>
+              <a:ext uri="{FF2B5EF4-FFF2-40B4-BE49-F238E27FC236}">
+                <a16:creationId xmlns:a16="http://schemas.microsoft.com/office/drawing/2014/main" id="{81CFFF85-C78C-4C2F-932C-6A6F7001D6E7}"/>
+              </a:ext>
+            </a:extLst>
+          </p:cNvPr>
+          <p:cNvPicPr>
+            <a:picLocks noChangeAspect="1"/>
+          </p:cNvPicPr>
+          <p:nvPr/>
+        </p:nvPicPr>
+        <p:blipFill>
+          <a:blip r:embed="rId2"/>
+          <a:stretch>
+            <a:fillRect/>
+          </a:stretch>
+        </p:blipFill>
+        <p:spPr>
+          <a:xfrm>
+            <a:off x="0" y="1132764"/>
+            <a:ext cx="12192000" cy="5601845"/>
+          </a:xfrm>
+          <a:prstGeom prst="rect">
+            <a:avLst/>
+          </a:prstGeom>
+        </p:spPr>
+      </p:pic>
+      <p:sp>
+        <p:nvSpPr>
+          <p:cNvPr id="2" name="CuadroTexto 1">
+            <a:extLst>
+              <a:ext uri="{FF2B5EF4-FFF2-40B4-BE49-F238E27FC236}">
+                <a16:creationId xmlns:a16="http://schemas.microsoft.com/office/drawing/2014/main" id="{2E1B3842-8FBE-45B8-8D2E-657992BBA12E}"/>
+              </a:ext>
+            </a:extLst>
+          </p:cNvPr>
+          <p:cNvSpPr txBox="1"/>
+          <p:nvPr/>
+        </p:nvSpPr>
+        <p:spPr>
+          <a:xfrm>
+            <a:off x="4462818" y="123391"/>
+            <a:ext cx="2552132" cy="584775"/>
+          </a:xfrm>
+          <a:prstGeom prst="rect">
+            <a:avLst/>
+          </a:prstGeom>
+          <a:noFill/>
+        </p:spPr>
+        <p:txBody>
+          <a:bodyPr wrap="square" rtlCol="0">
+            <a:spAutoFit/>
+          </a:bodyPr>
+          <a:lstStyle/>
+          <a:p>
+            <a:r>
+              <a:rPr lang="es-AR" sz="3200" dirty="0"/>
+              <a:t>Personajes  </a:t>
+            </a:r>
+          </a:p>
+        </p:txBody>
+      </p:sp>
+      <p:pic>
+        <p:nvPicPr>
+          <p:cNvPr id="6" name="Imagen 5">
+            <a:extLst>
+              <a:ext uri="{FF2B5EF4-FFF2-40B4-BE49-F238E27FC236}">
+                <a16:creationId xmlns:a16="http://schemas.microsoft.com/office/drawing/2014/main" id="{6E393518-08E6-4791-8ED6-54CD4905C4D7}"/>
+              </a:ext>
+            </a:extLst>
+          </p:cNvPr>
+          <p:cNvPicPr>
+            <a:picLocks noChangeAspect="1"/>
+          </p:cNvPicPr>
+          <p:nvPr/>
+        </p:nvPicPr>
+        <p:blipFill>
+          <a:blip r:embed="rId3"/>
+          <a:stretch>
+            <a:fillRect/>
+          </a:stretch>
+        </p:blipFill>
+        <p:spPr>
+          <a:xfrm>
+            <a:off x="453432" y="708166"/>
+            <a:ext cx="1895475" cy="447675"/>
+          </a:xfrm>
+          <a:prstGeom prst="rect">
+            <a:avLst/>
+          </a:prstGeom>
+        </p:spPr>
+      </p:pic>
+    </p:spTree>
+    <p:extLst>
+      <p:ext uri="{BB962C8B-B14F-4D97-AF65-F5344CB8AC3E}">
+        <p14:creationId xmlns:p14="http://schemas.microsoft.com/office/powerpoint/2010/main" val="839380534"/>
+      </p:ext>
+    </p:extLst>
+  </p:cSld>
+  <p:clrMapOvr>
+    <a:masterClrMapping/>
+  </p:clrMapOvr>
+</p:sld>
+</file>
+
+<file path=ppt/slides/slide20.xml><?xml version="1.0" encoding="utf-8"?>
+<p:sld xmlns:a="http://schemas.openxmlformats.org/drawingml/2006/main" xmlns:r="http://schemas.openxmlformats.org/officeDocument/2006/relationships" xmlns:p="http://schemas.openxmlformats.org/presentationml/2006/main">
+  <p:cSld>
+    <p:spTree>
+      <p:nvGrpSpPr>
+        <p:cNvPr id="1" name=""/>
+        <p:cNvGrpSpPr/>
+        <p:nvPr/>
+      </p:nvGrpSpPr>
+      <p:grpSpPr>
+        <a:xfrm>
+          <a:off x="0" y="0"/>
+          <a:ext cx="0" cy="0"/>
+          <a:chOff x="0" y="0"/>
+          <a:chExt cx="0" cy="0"/>
+        </a:xfrm>
+      </p:grpSpPr>
+      <p:pic>
+        <p:nvPicPr>
+          <p:cNvPr id="3" name="Imagen 2">
+            <a:extLst>
+              <a:ext uri="{FF2B5EF4-FFF2-40B4-BE49-F238E27FC236}">
+                <a16:creationId xmlns:a16="http://schemas.microsoft.com/office/drawing/2014/main" id="{81CE5C37-8485-4384-92DA-A99E19C7F5E7}"/>
+              </a:ext>
+            </a:extLst>
+          </p:cNvPr>
+          <p:cNvPicPr>
+            <a:picLocks noChangeAspect="1"/>
+          </p:cNvPicPr>
+          <p:nvPr/>
+        </p:nvPicPr>
+        <p:blipFill>
+          <a:blip r:embed="rId2"/>
+          <a:stretch>
+            <a:fillRect/>
+          </a:stretch>
+        </p:blipFill>
+        <p:spPr>
+          <a:xfrm>
+            <a:off x="322385" y="1038225"/>
+            <a:ext cx="11125200" cy="5819775"/>
+          </a:xfrm>
+          <a:prstGeom prst="rect">
+            <a:avLst/>
+          </a:prstGeom>
+        </p:spPr>
+      </p:pic>
+      <p:sp>
+        <p:nvSpPr>
+          <p:cNvPr id="4" name="CuadroTexto 3">
+            <a:extLst>
+              <a:ext uri="{FF2B5EF4-FFF2-40B4-BE49-F238E27FC236}">
+                <a16:creationId xmlns:a16="http://schemas.microsoft.com/office/drawing/2014/main" id="{46B819AE-39A4-4B09-86B1-CDA65F230F10}"/>
+              </a:ext>
+            </a:extLst>
+          </p:cNvPr>
+          <p:cNvSpPr txBox="1"/>
+          <p:nvPr/>
+        </p:nvSpPr>
+        <p:spPr>
+          <a:xfrm>
+            <a:off x="1419367" y="450376"/>
+            <a:ext cx="1956241" cy="369332"/>
+          </a:xfrm>
+          <a:prstGeom prst="rect">
+            <a:avLst/>
+          </a:prstGeom>
+          <a:noFill/>
+        </p:spPr>
+        <p:txBody>
+          <a:bodyPr wrap="none" rtlCol="0">
+            <a:spAutoFit/>
+          </a:bodyPr>
+          <a:lstStyle/>
+          <a:p>
+            <a:r>
+              <a:rPr lang="es-AR" dirty="0"/>
+              <a:t>Borrar una </a:t>
+            </a:r>
+            <a:r>
+              <a:rPr lang="es-AR" dirty="0" err="1"/>
+              <a:t>Pelicula</a:t>
+            </a:r>
+            <a:endParaRPr lang="es-AR" dirty="0"/>
+          </a:p>
+        </p:txBody>
+      </p:sp>
+    </p:spTree>
+    <p:extLst>
+      <p:ext uri="{BB962C8B-B14F-4D97-AF65-F5344CB8AC3E}">
+        <p14:creationId xmlns:p14="http://schemas.microsoft.com/office/powerpoint/2010/main" val="2931248226"/>
+      </p:ext>
+    </p:extLst>
+  </p:cSld>
+  <p:clrMapOvr>
+    <a:masterClrMapping/>
+  </p:clrMapOvr>
+</p:sld>
+</file>
+
+<file path=ppt/slides/slide21.xml><?xml version="1.0" encoding="utf-8"?>
+<p:sld xmlns:a="http://schemas.openxmlformats.org/drawingml/2006/main" xmlns:r="http://schemas.openxmlformats.org/officeDocument/2006/relationships" xmlns:p="http://schemas.openxmlformats.org/presentationml/2006/main">
+  <p:cSld>
+    <p:spTree>
+      <p:nvGrpSpPr>
+        <p:cNvPr id="1" name=""/>
+        <p:cNvGrpSpPr/>
+        <p:nvPr/>
+      </p:nvGrpSpPr>
+      <p:grpSpPr>
+        <a:xfrm>
+          <a:off x="0" y="0"/>
+          <a:ext cx="0" cy="0"/>
+          <a:chOff x="0" y="0"/>
+          <a:chExt cx="0" cy="0"/>
+        </a:xfrm>
+      </p:grpSpPr>
+      <p:pic>
+        <p:nvPicPr>
+          <p:cNvPr id="3" name="Imagen 2">
+            <a:extLst>
+              <a:ext uri="{FF2B5EF4-FFF2-40B4-BE49-F238E27FC236}">
+                <a16:creationId xmlns:a16="http://schemas.microsoft.com/office/drawing/2014/main" id="{C12AF54F-BFEB-421A-AFA0-AD3D4CA8E95C}"/>
+              </a:ext>
+            </a:extLst>
+          </p:cNvPr>
+          <p:cNvPicPr>
+            <a:picLocks noChangeAspect="1"/>
+          </p:cNvPicPr>
+          <p:nvPr/>
+        </p:nvPicPr>
+        <p:blipFill>
+          <a:blip r:embed="rId2"/>
+          <a:stretch>
+            <a:fillRect/>
+          </a:stretch>
+        </p:blipFill>
+        <p:spPr>
+          <a:xfrm>
+            <a:off x="1019175" y="1866900"/>
+            <a:ext cx="10153650" cy="3124200"/>
+          </a:xfrm>
+          <a:prstGeom prst="rect">
+            <a:avLst/>
+          </a:prstGeom>
+        </p:spPr>
+      </p:pic>
+    </p:spTree>
+    <p:extLst>
+      <p:ext uri="{BB962C8B-B14F-4D97-AF65-F5344CB8AC3E}">
+        <p14:creationId xmlns:p14="http://schemas.microsoft.com/office/powerpoint/2010/main" val="2399242745"/>
+      </p:ext>
+    </p:extLst>
+  </p:cSld>
+  <p:clrMapOvr>
+    <a:masterClrMapping/>
+  </p:clrMapOvr>
+</p:sld>
+</file>
+
+<file path=ppt/slides/slide22.xml><?xml version="1.0" encoding="utf-8"?>
+<p:sld xmlns:a="http://schemas.openxmlformats.org/drawingml/2006/main" xmlns:r="http://schemas.openxmlformats.org/officeDocument/2006/relationships" xmlns:p="http://schemas.openxmlformats.org/presentationml/2006/main">
+  <p:cSld>
+    <p:spTree>
+      <p:nvGrpSpPr>
+        <p:cNvPr id="1" name=""/>
+        <p:cNvGrpSpPr/>
+        <p:nvPr/>
+      </p:nvGrpSpPr>
+      <p:grpSpPr>
+        <a:xfrm>
+          <a:off x="0" y="0"/>
+          <a:ext cx="0" cy="0"/>
+          <a:chOff x="0" y="0"/>
+          <a:chExt cx="0" cy="0"/>
+        </a:xfrm>
+      </p:grpSpPr>
+      <p:pic>
+        <p:nvPicPr>
+          <p:cNvPr id="3" name="Imagen 2">
+            <a:extLst>
+              <a:ext uri="{FF2B5EF4-FFF2-40B4-BE49-F238E27FC236}">
+                <a16:creationId xmlns:a16="http://schemas.microsoft.com/office/drawing/2014/main" id="{4B1BB0E4-68D1-465B-BB6A-D4F13F8315A9}"/>
+              </a:ext>
+            </a:extLst>
+          </p:cNvPr>
+          <p:cNvPicPr>
+            <a:picLocks noChangeAspect="1"/>
+          </p:cNvPicPr>
+          <p:nvPr/>
+        </p:nvPicPr>
+        <p:blipFill>
+          <a:blip r:embed="rId2"/>
+          <a:stretch>
+            <a:fillRect/>
+          </a:stretch>
+        </p:blipFill>
+        <p:spPr>
+          <a:xfrm>
+            <a:off x="815926" y="947737"/>
+            <a:ext cx="10325685" cy="5368657"/>
+          </a:xfrm>
+          <a:prstGeom prst="rect">
+            <a:avLst/>
+          </a:prstGeom>
+        </p:spPr>
+      </p:pic>
+      <p:sp>
+        <p:nvSpPr>
+          <p:cNvPr id="4" name="CuadroTexto 3">
+            <a:extLst>
+              <a:ext uri="{FF2B5EF4-FFF2-40B4-BE49-F238E27FC236}">
+                <a16:creationId xmlns:a16="http://schemas.microsoft.com/office/drawing/2014/main" id="{DF8945D5-40CF-4CDA-8551-A608C27F2669}"/>
+              </a:ext>
+            </a:extLst>
+          </p:cNvPr>
+          <p:cNvSpPr txBox="1"/>
+          <p:nvPr/>
+        </p:nvSpPr>
+        <p:spPr>
+          <a:xfrm>
+            <a:off x="1241946" y="409433"/>
+            <a:ext cx="2979983" cy="369332"/>
+          </a:xfrm>
+          <a:prstGeom prst="rect">
+            <a:avLst/>
+          </a:prstGeom>
+          <a:noFill/>
+        </p:spPr>
+        <p:txBody>
+          <a:bodyPr wrap="none" rtlCol="0">
+            <a:spAutoFit/>
+          </a:bodyPr>
+          <a:lstStyle/>
+          <a:p>
+            <a:r>
+              <a:rPr lang="es-AR" dirty="0"/>
+              <a:t>Buscar una  película por titulo</a:t>
+            </a:r>
+          </a:p>
+        </p:txBody>
+      </p:sp>
+    </p:spTree>
+    <p:extLst>
+      <p:ext uri="{BB962C8B-B14F-4D97-AF65-F5344CB8AC3E}">
+        <p14:creationId xmlns:p14="http://schemas.microsoft.com/office/powerpoint/2010/main" val="179736163"/>
+      </p:ext>
+    </p:extLst>
+  </p:cSld>
+  <p:clrMapOvr>
+    <a:masterClrMapping/>
+  </p:clrMapOvr>
+</p:sld>
+</file>
+
+<file path=ppt/slides/slide23.xml><?xml version="1.0" encoding="utf-8"?>
+<p:sld xmlns:a="http://schemas.openxmlformats.org/drawingml/2006/main" xmlns:r="http://schemas.openxmlformats.org/officeDocument/2006/relationships" xmlns:p="http://schemas.openxmlformats.org/presentationml/2006/main">
+  <p:cSld>
+    <p:spTree>
+      <p:nvGrpSpPr>
+        <p:cNvPr id="1" name=""/>
+        <p:cNvGrpSpPr/>
+        <p:nvPr/>
+      </p:nvGrpSpPr>
+      <p:grpSpPr>
+        <a:xfrm>
+          <a:off x="0" y="0"/>
+          <a:ext cx="0" cy="0"/>
+          <a:chOff x="0" y="0"/>
+          <a:chExt cx="0" cy="0"/>
+        </a:xfrm>
+      </p:grpSpPr>
+      <p:pic>
+        <p:nvPicPr>
+          <p:cNvPr id="3" name="Imagen 2">
+            <a:extLst>
+              <a:ext uri="{FF2B5EF4-FFF2-40B4-BE49-F238E27FC236}">
+                <a16:creationId xmlns:a16="http://schemas.microsoft.com/office/drawing/2014/main" id="{0A0D0DFA-B58E-41F5-9A17-600E72FEA882}"/>
+              </a:ext>
+            </a:extLst>
+          </p:cNvPr>
+          <p:cNvPicPr>
+            <a:picLocks noChangeAspect="1"/>
+          </p:cNvPicPr>
+          <p:nvPr/>
+        </p:nvPicPr>
+        <p:blipFill>
+          <a:blip r:embed="rId2"/>
+          <a:stretch>
+            <a:fillRect/>
+          </a:stretch>
+        </p:blipFill>
+        <p:spPr>
+          <a:xfrm>
+            <a:off x="492370" y="815927"/>
+            <a:ext cx="10747717" cy="5570806"/>
+          </a:xfrm>
+          <a:prstGeom prst="rect">
+            <a:avLst/>
+          </a:prstGeom>
+        </p:spPr>
+      </p:pic>
+      <p:sp>
+        <p:nvSpPr>
+          <p:cNvPr id="6" name="CuadroTexto 5">
+            <a:extLst>
+              <a:ext uri="{FF2B5EF4-FFF2-40B4-BE49-F238E27FC236}">
+                <a16:creationId xmlns:a16="http://schemas.microsoft.com/office/drawing/2014/main" id="{5605DA39-FDF8-4C44-BCBC-47006E9B4706}"/>
+              </a:ext>
+            </a:extLst>
+          </p:cNvPr>
+          <p:cNvSpPr txBox="1"/>
+          <p:nvPr/>
+        </p:nvSpPr>
+        <p:spPr>
+          <a:xfrm>
+            <a:off x="1310185" y="409433"/>
+            <a:ext cx="3187539" cy="369332"/>
+          </a:xfrm>
+          <a:prstGeom prst="rect">
+            <a:avLst/>
+          </a:prstGeom>
+          <a:noFill/>
+        </p:spPr>
+        <p:txBody>
+          <a:bodyPr wrap="none" rtlCol="0">
+            <a:spAutoFit/>
+          </a:bodyPr>
+          <a:lstStyle/>
+          <a:p>
+            <a:r>
+              <a:rPr lang="es-AR" dirty="0"/>
+              <a:t>Buscar una  película por genero </a:t>
+            </a:r>
+          </a:p>
+        </p:txBody>
+      </p:sp>
+    </p:spTree>
+    <p:extLst>
+      <p:ext uri="{BB962C8B-B14F-4D97-AF65-F5344CB8AC3E}">
+        <p14:creationId xmlns:p14="http://schemas.microsoft.com/office/powerpoint/2010/main" val="331663225"/>
+      </p:ext>
+    </p:extLst>
+  </p:cSld>
+  <p:clrMapOvr>
+    <a:masterClrMapping/>
+  </p:clrMapOvr>
+</p:sld>
+</file>
+
+<file path=ppt/slides/slide24.xml><?xml version="1.0" encoding="utf-8"?>
+<p:sld xmlns:a="http://schemas.openxmlformats.org/drawingml/2006/main" xmlns:r="http://schemas.openxmlformats.org/officeDocument/2006/relationships" xmlns:p="http://schemas.openxmlformats.org/presentationml/2006/main">
+  <p:cSld>
+    <p:spTree>
+      <p:nvGrpSpPr>
+        <p:cNvPr id="1" name=""/>
+        <p:cNvGrpSpPr/>
+        <p:nvPr/>
+      </p:nvGrpSpPr>
+      <p:grpSpPr>
+        <a:xfrm>
+          <a:off x="0" y="0"/>
+          <a:ext cx="0" cy="0"/>
+          <a:chOff x="0" y="0"/>
+          <a:chExt cx="0" cy="0"/>
+        </a:xfrm>
+      </p:grpSpPr>
+      <p:pic>
+        <p:nvPicPr>
+          <p:cNvPr id="2" name="Imagen 1">
+            <a:extLst>
+              <a:ext uri="{FF2B5EF4-FFF2-40B4-BE49-F238E27FC236}">
+                <a16:creationId xmlns:a16="http://schemas.microsoft.com/office/drawing/2014/main" id="{6271F381-49B1-413C-A117-978FD4832FC8}"/>
+              </a:ext>
+            </a:extLst>
+          </p:cNvPr>
+          <p:cNvPicPr>
+            <a:picLocks noChangeAspect="1"/>
+          </p:cNvPicPr>
+          <p:nvPr/>
+        </p:nvPicPr>
+        <p:blipFill>
+          <a:blip r:embed="rId2"/>
+          <a:stretch>
+            <a:fillRect/>
+          </a:stretch>
+        </p:blipFill>
+        <p:spPr>
+          <a:xfrm>
+            <a:off x="886265" y="970671"/>
+            <a:ext cx="10269415" cy="5092503"/>
+          </a:xfrm>
+          <a:prstGeom prst="rect">
+            <a:avLst/>
+          </a:prstGeom>
+        </p:spPr>
+      </p:pic>
+    </p:spTree>
+    <p:extLst>
+      <p:ext uri="{BB962C8B-B14F-4D97-AF65-F5344CB8AC3E}">
+        <p14:creationId xmlns:p14="http://schemas.microsoft.com/office/powerpoint/2010/main" val="2826176009"/>
+      </p:ext>
+    </p:extLst>
+  </p:cSld>
+  <p:clrMapOvr>
+    <a:masterClrMapping/>
+  </p:clrMapOvr>
+</p:sld>
+</file>
+
+<file path=ppt/slides/slide25.xml><?xml version="1.0" encoding="utf-8"?>
+<p:sld xmlns:a="http://schemas.openxmlformats.org/drawingml/2006/main" xmlns:r="http://schemas.openxmlformats.org/officeDocument/2006/relationships" xmlns:p="http://schemas.openxmlformats.org/presentationml/2006/main">
+  <p:cSld>
+    <p:spTree>
+      <p:nvGrpSpPr>
+        <p:cNvPr id="1" name=""/>
+        <p:cNvGrpSpPr/>
+        <p:nvPr/>
+      </p:nvGrpSpPr>
+      <p:grpSpPr>
+        <a:xfrm>
+          <a:off x="0" y="0"/>
+          <a:ext cx="0" cy="0"/>
+          <a:chOff x="0" y="0"/>
+          <a:chExt cx="0" cy="0"/>
+        </a:xfrm>
+      </p:grpSpPr>
+      <p:pic>
+        <p:nvPicPr>
+          <p:cNvPr id="3" name="Imagen 2">
+            <a:extLst>
+              <a:ext uri="{FF2B5EF4-FFF2-40B4-BE49-F238E27FC236}">
+                <a16:creationId xmlns:a16="http://schemas.microsoft.com/office/drawing/2014/main" id="{B2678C87-4744-42CE-9ACA-DAE627120C26}"/>
+              </a:ext>
+            </a:extLst>
+          </p:cNvPr>
+          <p:cNvPicPr>
+            <a:picLocks noChangeAspect="1"/>
+          </p:cNvPicPr>
+          <p:nvPr/>
+        </p:nvPicPr>
+        <p:blipFill>
+          <a:blip r:embed="rId2"/>
+          <a:stretch>
+            <a:fillRect/>
+          </a:stretch>
+        </p:blipFill>
+        <p:spPr>
+          <a:xfrm>
+            <a:off x="4762" y="1185862"/>
+            <a:ext cx="12182475" cy="4486275"/>
+          </a:xfrm>
+          <a:prstGeom prst="rect">
+            <a:avLst/>
+          </a:prstGeom>
+        </p:spPr>
+      </p:pic>
+      <p:sp>
+        <p:nvSpPr>
+          <p:cNvPr id="4" name="CuadroTexto 3">
+            <a:extLst>
+              <a:ext uri="{FF2B5EF4-FFF2-40B4-BE49-F238E27FC236}">
+                <a16:creationId xmlns:a16="http://schemas.microsoft.com/office/drawing/2014/main" id="{6A2088A7-C3E6-46D8-ADD7-D123B31CA642}"/>
+              </a:ext>
+            </a:extLst>
+          </p:cNvPr>
+          <p:cNvSpPr txBox="1"/>
+          <p:nvPr/>
+        </p:nvSpPr>
+        <p:spPr>
+          <a:xfrm>
+            <a:off x="5092505" y="506437"/>
+            <a:ext cx="1764778" cy="369332"/>
+          </a:xfrm>
+          <a:prstGeom prst="rect">
+            <a:avLst/>
+          </a:prstGeom>
+          <a:noFill/>
+        </p:spPr>
+        <p:txBody>
+          <a:bodyPr wrap="none" rtlCol="0">
+            <a:spAutoFit/>
+          </a:bodyPr>
+          <a:lstStyle/>
+          <a:p>
+            <a:r>
+              <a:rPr lang="es-AR" dirty="0"/>
+              <a:t>Filtro por  orden </a:t>
+            </a:r>
+          </a:p>
+        </p:txBody>
+      </p:sp>
+    </p:spTree>
+    <p:extLst>
+      <p:ext uri="{BB962C8B-B14F-4D97-AF65-F5344CB8AC3E}">
+        <p14:creationId xmlns:p14="http://schemas.microsoft.com/office/powerpoint/2010/main" val="1045704317"/>
+      </p:ext>
+    </p:extLst>
+  </p:cSld>
+  <p:clrMapOvr>
+    <a:masterClrMapping/>
+  </p:clrMapOvr>
+</p:sld>
+</file>
+
+<file path=ppt/slides/slide26.xml><?xml version="1.0" encoding="utf-8"?>
+<p:sld xmlns:a="http://schemas.openxmlformats.org/drawingml/2006/main" xmlns:r="http://schemas.openxmlformats.org/officeDocument/2006/relationships" xmlns:p="http://schemas.openxmlformats.org/presentationml/2006/main">
+  <p:cSld>
+    <p:spTree>
+      <p:nvGrpSpPr>
+        <p:cNvPr id="1" name=""/>
+        <p:cNvGrpSpPr/>
+        <p:nvPr/>
+      </p:nvGrpSpPr>
+      <p:grpSpPr>
+        <a:xfrm>
+          <a:off x="0" y="0"/>
+          <a:ext cx="0" cy="0"/>
+          <a:chOff x="0" y="0"/>
+          <a:chExt cx="0" cy="0"/>
+        </a:xfrm>
+      </p:grpSpPr>
+      <p:pic>
+        <p:nvPicPr>
+          <p:cNvPr id="5" name="Imagen 4">
+            <a:extLst>
+              <a:ext uri="{FF2B5EF4-FFF2-40B4-BE49-F238E27FC236}">
+                <a16:creationId xmlns:a16="http://schemas.microsoft.com/office/drawing/2014/main" id="{63FF3E3E-E829-4634-9600-BDF1079384BC}"/>
+              </a:ext>
+            </a:extLst>
+          </p:cNvPr>
+          <p:cNvPicPr>
+            <a:picLocks noChangeAspect="1"/>
+          </p:cNvPicPr>
+          <p:nvPr/>
+        </p:nvPicPr>
+        <p:blipFill>
+          <a:blip r:embed="rId2"/>
+          <a:stretch>
+            <a:fillRect/>
+          </a:stretch>
+        </p:blipFill>
+        <p:spPr>
+          <a:xfrm>
+            <a:off x="844062" y="562708"/>
+            <a:ext cx="10747716" cy="5781821"/>
+          </a:xfrm>
+          <a:prstGeom prst="rect">
+            <a:avLst/>
+          </a:prstGeom>
+        </p:spPr>
+      </p:pic>
+    </p:spTree>
+    <p:extLst>
+      <p:ext uri="{BB962C8B-B14F-4D97-AF65-F5344CB8AC3E}">
+        <p14:creationId xmlns:p14="http://schemas.microsoft.com/office/powerpoint/2010/main" val="3679966145"/>
+      </p:ext>
+    </p:extLst>
+  </p:cSld>
+  <p:clrMapOvr>
+    <a:masterClrMapping/>
+  </p:clrMapOvr>
+</p:sld>
+</file>
+
+<file path=ppt/slides/slide27.xml><?xml version="1.0" encoding="utf-8"?>
+<p:sld xmlns:a="http://schemas.openxmlformats.org/drawingml/2006/main" xmlns:r="http://schemas.openxmlformats.org/officeDocument/2006/relationships" xmlns:p="http://schemas.openxmlformats.org/presentationml/2006/main">
+  <p:cSld>
+    <p:spTree>
+      <p:nvGrpSpPr>
+        <p:cNvPr id="1" name=""/>
+        <p:cNvGrpSpPr/>
+        <p:nvPr/>
+      </p:nvGrpSpPr>
+      <p:grpSpPr>
+        <a:xfrm>
+          <a:off x="0" y="0"/>
+          <a:ext cx="0" cy="0"/>
+          <a:chOff x="0" y="0"/>
+          <a:chExt cx="0" cy="0"/>
+        </a:xfrm>
+      </p:grpSpPr>
+      <p:pic>
+        <p:nvPicPr>
+          <p:cNvPr id="3" name="Imagen 2">
+            <a:extLst>
+              <a:ext uri="{FF2B5EF4-FFF2-40B4-BE49-F238E27FC236}">
+                <a16:creationId xmlns:a16="http://schemas.microsoft.com/office/drawing/2014/main" id="{9F263F73-4CD7-46FC-BA7B-571C3FA07068}"/>
+              </a:ext>
+            </a:extLst>
+          </p:cNvPr>
+          <p:cNvPicPr>
+            <a:picLocks noChangeAspect="1"/>
+          </p:cNvPicPr>
+          <p:nvPr/>
+        </p:nvPicPr>
+        <p:blipFill>
+          <a:blip r:embed="rId2"/>
+          <a:stretch>
+            <a:fillRect/>
+          </a:stretch>
+        </p:blipFill>
+        <p:spPr>
+          <a:xfrm>
+            <a:off x="1271629" y="960957"/>
+            <a:ext cx="8582025" cy="5800725"/>
+          </a:xfrm>
+          <a:prstGeom prst="rect">
+            <a:avLst/>
+          </a:prstGeom>
+        </p:spPr>
+      </p:pic>
+      <p:sp>
+        <p:nvSpPr>
+          <p:cNvPr id="4" name="CuadroTexto 3">
+            <a:extLst>
+              <a:ext uri="{FF2B5EF4-FFF2-40B4-BE49-F238E27FC236}">
+                <a16:creationId xmlns:a16="http://schemas.microsoft.com/office/drawing/2014/main" id="{F48943D5-B308-4AD8-A2D6-D9AC1A4DA7FA}"/>
+              </a:ext>
+            </a:extLst>
+          </p:cNvPr>
+          <p:cNvSpPr txBox="1"/>
+          <p:nvPr/>
+        </p:nvSpPr>
+        <p:spPr>
+          <a:xfrm>
+            <a:off x="4681182" y="382137"/>
+            <a:ext cx="881460" cy="369332"/>
+          </a:xfrm>
+          <a:prstGeom prst="rect">
+            <a:avLst/>
+          </a:prstGeom>
+          <a:noFill/>
+        </p:spPr>
+        <p:txBody>
+          <a:bodyPr wrap="none" rtlCol="0">
+            <a:spAutoFit/>
+          </a:bodyPr>
+          <a:lstStyle/>
+          <a:p>
+            <a:r>
+              <a:rPr lang="es-AR" dirty="0"/>
+              <a:t>Genero</a:t>
+            </a:r>
+          </a:p>
+        </p:txBody>
+      </p:sp>
+      <p:sp>
+        <p:nvSpPr>
+          <p:cNvPr id="5" name="CuadroTexto 4">
+            <a:extLst>
+              <a:ext uri="{FF2B5EF4-FFF2-40B4-BE49-F238E27FC236}">
+                <a16:creationId xmlns:a16="http://schemas.microsoft.com/office/drawing/2014/main" id="{189F55F1-783C-47A2-B2CD-FAB2C76F5882}"/>
+              </a:ext>
+            </a:extLst>
+          </p:cNvPr>
+          <p:cNvSpPr txBox="1"/>
+          <p:nvPr/>
+        </p:nvSpPr>
+        <p:spPr>
+          <a:xfrm>
+            <a:off x="1341021" y="671547"/>
+            <a:ext cx="1994649" cy="369332"/>
+          </a:xfrm>
+          <a:prstGeom prst="rect">
+            <a:avLst/>
+          </a:prstGeom>
+          <a:noFill/>
+        </p:spPr>
+        <p:txBody>
+          <a:bodyPr wrap="none" rtlCol="0">
+            <a:spAutoFit/>
+          </a:bodyPr>
+          <a:lstStyle/>
+          <a:p>
+            <a:r>
+              <a:rPr lang="es-AR" dirty="0"/>
+              <a:t>Listado de géneros </a:t>
+            </a:r>
+          </a:p>
+        </p:txBody>
+      </p:sp>
+    </p:spTree>
+    <p:extLst>
+      <p:ext uri="{BB962C8B-B14F-4D97-AF65-F5344CB8AC3E}">
+        <p14:creationId xmlns:p14="http://schemas.microsoft.com/office/powerpoint/2010/main" val="1813820467"/>
+      </p:ext>
+    </p:extLst>
+  </p:cSld>
+  <p:clrMapOvr>
+    <a:masterClrMapping/>
+  </p:clrMapOvr>
+</p:sld>
+</file>
+
+<file path=ppt/slides/slide28.xml><?xml version="1.0" encoding="utf-8"?>
+<p:sld xmlns:a="http://schemas.openxmlformats.org/drawingml/2006/main" xmlns:r="http://schemas.openxmlformats.org/officeDocument/2006/relationships" xmlns:p="http://schemas.openxmlformats.org/presentationml/2006/main">
+  <p:cSld>
+    <p:spTree>
+      <p:nvGrpSpPr>
+        <p:cNvPr id="1" name=""/>
+        <p:cNvGrpSpPr/>
+        <p:nvPr/>
+      </p:nvGrpSpPr>
+      <p:grpSpPr>
+        <a:xfrm>
+          <a:off x="0" y="0"/>
+          <a:ext cx="0" cy="0"/>
+          <a:chOff x="0" y="0"/>
+          <a:chExt cx="0" cy="0"/>
+        </a:xfrm>
+      </p:grpSpPr>
+      <p:pic>
+        <p:nvPicPr>
+          <p:cNvPr id="3" name="Imagen 2">
+            <a:extLst>
+              <a:ext uri="{FF2B5EF4-FFF2-40B4-BE49-F238E27FC236}">
+                <a16:creationId xmlns:a16="http://schemas.microsoft.com/office/drawing/2014/main" id="{D0382B12-8EE6-47C0-94E1-A61CA4F24125}"/>
+              </a:ext>
+            </a:extLst>
+          </p:cNvPr>
+          <p:cNvPicPr>
+            <a:picLocks noChangeAspect="1"/>
+          </p:cNvPicPr>
+          <p:nvPr/>
+        </p:nvPicPr>
+        <p:blipFill>
+          <a:blip r:embed="rId2"/>
+          <a:stretch>
+            <a:fillRect/>
+          </a:stretch>
+        </p:blipFill>
+        <p:spPr>
+          <a:xfrm>
+            <a:off x="309167" y="800810"/>
+            <a:ext cx="11020425" cy="5838825"/>
+          </a:xfrm>
+          <a:prstGeom prst="rect">
+            <a:avLst/>
+          </a:prstGeom>
+        </p:spPr>
+      </p:pic>
+      <p:sp>
+        <p:nvSpPr>
+          <p:cNvPr id="5" name="CuadroTexto 4">
+            <a:extLst>
+              <a:ext uri="{FF2B5EF4-FFF2-40B4-BE49-F238E27FC236}">
+                <a16:creationId xmlns:a16="http://schemas.microsoft.com/office/drawing/2014/main" id="{4A4500BE-713C-4C93-AB07-CCD17F9DEFD9}"/>
+              </a:ext>
+            </a:extLst>
+          </p:cNvPr>
+          <p:cNvSpPr txBox="1"/>
+          <p:nvPr/>
+        </p:nvSpPr>
+        <p:spPr>
+          <a:xfrm>
+            <a:off x="1296537" y="573206"/>
+            <a:ext cx="1698863" cy="369332"/>
+          </a:xfrm>
+          <a:prstGeom prst="rect">
+            <a:avLst/>
+          </a:prstGeom>
+          <a:noFill/>
+        </p:spPr>
+        <p:txBody>
+          <a:bodyPr wrap="none" rtlCol="0">
+            <a:spAutoFit/>
+          </a:bodyPr>
+          <a:lstStyle/>
+          <a:p>
+            <a:r>
+              <a:rPr lang="es-AR" dirty="0"/>
+              <a:t>Crear un genero</a:t>
+            </a:r>
+          </a:p>
+        </p:txBody>
+      </p:sp>
+    </p:spTree>
+    <p:extLst>
+      <p:ext uri="{BB962C8B-B14F-4D97-AF65-F5344CB8AC3E}">
+        <p14:creationId xmlns:p14="http://schemas.microsoft.com/office/powerpoint/2010/main" val="3753930792"/>
+      </p:ext>
+    </p:extLst>
+  </p:cSld>
+  <p:clrMapOvr>
+    <a:masterClrMapping/>
+  </p:clrMapOvr>
+</p:sld>
+</file>
+
+<file path=ppt/slides/slide29.xml><?xml version="1.0" encoding="utf-8"?>
+<p:sld xmlns:a="http://schemas.openxmlformats.org/drawingml/2006/main" xmlns:r="http://schemas.openxmlformats.org/officeDocument/2006/relationships" xmlns:p="http://schemas.openxmlformats.org/presentationml/2006/main">
+  <p:cSld>
+    <p:spTree>
+      <p:nvGrpSpPr>
+        <p:cNvPr id="1" name=""/>
+        <p:cNvGrpSpPr/>
+        <p:nvPr/>
+      </p:nvGrpSpPr>
+      <p:grpSpPr>
+        <a:xfrm>
+          <a:off x="0" y="0"/>
+          <a:ext cx="0" cy="0"/>
+          <a:chOff x="0" y="0"/>
+          <a:chExt cx="0" cy="0"/>
+        </a:xfrm>
+      </p:grpSpPr>
+      <p:pic>
+        <p:nvPicPr>
+          <p:cNvPr id="3" name="Imagen 2">
+            <a:extLst>
+              <a:ext uri="{FF2B5EF4-FFF2-40B4-BE49-F238E27FC236}">
+                <a16:creationId xmlns:a16="http://schemas.microsoft.com/office/drawing/2014/main" id="{288372B9-EF90-466D-B65F-DFD3D51817C2}"/>
+              </a:ext>
+            </a:extLst>
+          </p:cNvPr>
+          <p:cNvPicPr>
+            <a:picLocks noChangeAspect="1"/>
+          </p:cNvPicPr>
+          <p:nvPr/>
+        </p:nvPicPr>
+        <p:blipFill>
+          <a:blip r:embed="rId2"/>
+          <a:stretch>
+            <a:fillRect/>
+          </a:stretch>
+        </p:blipFill>
+        <p:spPr>
+          <a:xfrm>
+            <a:off x="1247775" y="819150"/>
+            <a:ext cx="9696450" cy="5219700"/>
+          </a:xfrm>
+          <a:prstGeom prst="rect">
+            <a:avLst/>
+          </a:prstGeom>
+        </p:spPr>
+      </p:pic>
+    </p:spTree>
+    <p:extLst>
+      <p:ext uri="{BB962C8B-B14F-4D97-AF65-F5344CB8AC3E}">
+        <p14:creationId xmlns:p14="http://schemas.microsoft.com/office/powerpoint/2010/main" val="2445671593"/>
+      </p:ext>
+    </p:extLst>
+  </p:cSld>
+  <p:clrMapOvr>
+    <a:masterClrMapping/>
+  </p:clrMapOvr>
+</p:sld>
+</file>
+
+<file path=ppt/slides/slide3.xml><?xml version="1.0" encoding="utf-8"?>
+<p:sld xmlns:a="http://schemas.openxmlformats.org/drawingml/2006/main" xmlns:r="http://schemas.openxmlformats.org/officeDocument/2006/relationships" xmlns:p="http://schemas.openxmlformats.org/presentationml/2006/main">
+  <p:cSld>
+    <p:spTree>
+      <p:nvGrpSpPr>
+        <p:cNvPr id="1" name=""/>
+        <p:cNvGrpSpPr/>
+        <p:nvPr/>
+      </p:nvGrpSpPr>
+      <p:grpSpPr>
+        <a:xfrm>
+          <a:off x="0" y="0"/>
+          <a:ext cx="0" cy="0"/>
+          <a:chOff x="0" y="0"/>
+          <a:chExt cx="0" cy="0"/>
+        </a:xfrm>
+      </p:grpSpPr>
+      <p:pic>
+        <p:nvPicPr>
+          <p:cNvPr id="3" name="Imagen 2">
+            <a:extLst>
+              <a:ext uri="{FF2B5EF4-FFF2-40B4-BE49-F238E27FC236}">
+                <a16:creationId xmlns:a16="http://schemas.microsoft.com/office/drawing/2014/main" id="{867B6689-C8AB-45F7-B98F-479063B06584}"/>
+              </a:ext>
+            </a:extLst>
+          </p:cNvPr>
+          <p:cNvPicPr>
+            <a:picLocks noChangeAspect="1"/>
+          </p:cNvPicPr>
+          <p:nvPr/>
+        </p:nvPicPr>
+        <p:blipFill>
+          <a:blip r:embed="rId2"/>
+          <a:stretch>
+            <a:fillRect/>
+          </a:stretch>
+        </p:blipFill>
+        <p:spPr>
+          <a:xfrm>
+            <a:off x="0" y="1378424"/>
+            <a:ext cx="12192000" cy="5311334"/>
+          </a:xfrm>
+          <a:prstGeom prst="rect">
+            <a:avLst/>
+          </a:prstGeom>
+        </p:spPr>
+      </p:pic>
+      <p:pic>
+        <p:nvPicPr>
+          <p:cNvPr id="4" name="Imagen 3">
+            <a:extLst>
+              <a:ext uri="{FF2B5EF4-FFF2-40B4-BE49-F238E27FC236}">
+                <a16:creationId xmlns:a16="http://schemas.microsoft.com/office/drawing/2014/main" id="{EE37B398-CAB8-4294-9BD1-845C771A56BB}"/>
+              </a:ext>
+            </a:extLst>
+          </p:cNvPr>
+          <p:cNvPicPr>
+            <a:picLocks noChangeAspect="1"/>
+          </p:cNvPicPr>
+          <p:nvPr/>
+        </p:nvPicPr>
+        <p:blipFill>
+          <a:blip r:embed="rId3"/>
+          <a:stretch>
+            <a:fillRect/>
+          </a:stretch>
+        </p:blipFill>
+        <p:spPr>
+          <a:xfrm>
+            <a:off x="2835108" y="168242"/>
+            <a:ext cx="4916820" cy="981075"/>
+          </a:xfrm>
+          <a:prstGeom prst="rect">
+            <a:avLst/>
+          </a:prstGeom>
+        </p:spPr>
+      </p:pic>
+    </p:spTree>
+    <p:extLst>
+      <p:ext uri="{BB962C8B-B14F-4D97-AF65-F5344CB8AC3E}">
+        <p14:creationId xmlns:p14="http://schemas.microsoft.com/office/powerpoint/2010/main" val="3562083218"/>
+      </p:ext>
+    </p:extLst>
+  </p:cSld>
+  <p:clrMapOvr>
+    <a:masterClrMapping/>
+  </p:clrMapOvr>
+</p:sld>
+</file>
+
+<file path=ppt/slides/slide30.xml><?xml version="1.0" encoding="utf-8"?>
+<p:sld xmlns:a="http://schemas.openxmlformats.org/drawingml/2006/main" xmlns:r="http://schemas.openxmlformats.org/officeDocument/2006/relationships" xmlns:p="http://schemas.openxmlformats.org/presentationml/2006/main">
+  <p:cSld>
+    <p:spTree>
+      <p:nvGrpSpPr>
+        <p:cNvPr id="1" name=""/>
+        <p:cNvGrpSpPr/>
+        <p:nvPr/>
+      </p:nvGrpSpPr>
+      <p:grpSpPr>
+        <a:xfrm>
+          <a:off x="0" y="0"/>
+          <a:ext cx="0" cy="0"/>
+          <a:chOff x="0" y="0"/>
+          <a:chExt cx="0" cy="0"/>
+        </a:xfrm>
+      </p:grpSpPr>
+    </p:spTree>
+    <p:extLst>
+      <p:ext uri="{BB962C8B-B14F-4D97-AF65-F5344CB8AC3E}">
+        <p14:creationId xmlns:p14="http://schemas.microsoft.com/office/powerpoint/2010/main" val="1041511674"/>
+      </p:ext>
+    </p:extLst>
+  </p:cSld>
+  <p:clrMapOvr>
+    <a:masterClrMapping/>
+  </p:clrMapOvr>
+</p:sld>
+</file>
+
+<file path=ppt/slides/slide31.xml><?xml version="1.0" encoding="utf-8"?>
+<p:sld xmlns:a="http://schemas.openxmlformats.org/drawingml/2006/main" xmlns:r="http://schemas.openxmlformats.org/officeDocument/2006/relationships" xmlns:p="http://schemas.openxmlformats.org/presentationml/2006/main">
+  <p:cSld>
+    <p:spTree>
+      <p:nvGrpSpPr>
+        <p:cNvPr id="1" name=""/>
+        <p:cNvGrpSpPr/>
+        <p:nvPr/>
+      </p:nvGrpSpPr>
+      <p:grpSpPr>
+        <a:xfrm>
+          <a:off x="0" y="0"/>
+          <a:ext cx="0" cy="0"/>
+          <a:chOff x="0" y="0"/>
+          <a:chExt cx="0" cy="0"/>
+        </a:xfrm>
+      </p:grpSpPr>
+    </p:spTree>
+    <p:extLst>
+      <p:ext uri="{BB962C8B-B14F-4D97-AF65-F5344CB8AC3E}">
+        <p14:creationId xmlns:p14="http://schemas.microsoft.com/office/powerpoint/2010/main" val="798038270"/>
+      </p:ext>
+    </p:extLst>
+  </p:cSld>
+  <p:clrMapOvr>
+    <a:masterClrMapping/>
+  </p:clrMapOvr>
+</p:sld>
+</file>
+
+<file path=ppt/slides/slide32.xml><?xml version="1.0" encoding="utf-8"?>
+<p:sld xmlns:a="http://schemas.openxmlformats.org/drawingml/2006/main" xmlns:r="http://schemas.openxmlformats.org/officeDocument/2006/relationships" xmlns:p="http://schemas.openxmlformats.org/presentationml/2006/main">
+  <p:cSld>
+    <p:spTree>
+      <p:nvGrpSpPr>
+        <p:cNvPr id="1" name=""/>
+        <p:cNvGrpSpPr/>
+        <p:nvPr/>
+      </p:nvGrpSpPr>
+      <p:grpSpPr>
+        <a:xfrm>
+          <a:off x="0" y="0"/>
+          <a:ext cx="0" cy="0"/>
+          <a:chOff x="0" y="0"/>
+          <a:chExt cx="0" cy="0"/>
+        </a:xfrm>
+      </p:grpSpPr>
+    </p:spTree>
+    <p:extLst>
+      <p:ext uri="{BB962C8B-B14F-4D97-AF65-F5344CB8AC3E}">
+        <p14:creationId xmlns:p14="http://schemas.microsoft.com/office/powerpoint/2010/main" val="3123500588"/>
+      </p:ext>
+    </p:extLst>
+  </p:cSld>
+  <p:clrMapOvr>
+    <a:masterClrMapping/>
+  </p:clrMapOvr>
+</p:sld>
+</file>
+
+<file path=ppt/slides/slide4.xml><?xml version="1.0" encoding="utf-8"?>
+<p:sld xmlns:a="http://schemas.openxmlformats.org/drawingml/2006/main" xmlns:r="http://schemas.openxmlformats.org/officeDocument/2006/relationships" xmlns:p="http://schemas.openxmlformats.org/presentationml/2006/main">
+  <p:cSld>
+    <p:spTree>
+      <p:nvGrpSpPr>
+        <p:cNvPr id="1" name=""/>
+        <p:cNvGrpSpPr/>
+        <p:nvPr/>
+      </p:nvGrpSpPr>
+      <p:grpSpPr>
+        <a:xfrm>
+          <a:off x="0" y="0"/>
+          <a:ext cx="0" cy="0"/>
+          <a:chOff x="0" y="0"/>
+          <a:chExt cx="0" cy="0"/>
+        </a:xfrm>
+      </p:grpSpPr>
+      <p:pic>
+        <p:nvPicPr>
+          <p:cNvPr id="5" name="Imagen 4">
+            <a:extLst>
+              <a:ext uri="{FF2B5EF4-FFF2-40B4-BE49-F238E27FC236}">
+                <a16:creationId xmlns:a16="http://schemas.microsoft.com/office/drawing/2014/main" id="{C73E5E11-A635-4BBB-9B3B-A2E9BE8BC1FB}"/>
+              </a:ext>
+            </a:extLst>
+          </p:cNvPr>
+          <p:cNvPicPr>
+            <a:picLocks noChangeAspect="1"/>
+          </p:cNvPicPr>
+          <p:nvPr/>
+        </p:nvPicPr>
+        <p:blipFill>
+          <a:blip r:embed="rId2"/>
+          <a:stretch>
+            <a:fillRect/>
+          </a:stretch>
+        </p:blipFill>
+        <p:spPr>
+          <a:xfrm>
+            <a:off x="1585912" y="990600"/>
+            <a:ext cx="9020175" cy="4876800"/>
+          </a:xfrm>
+          <a:prstGeom prst="rect">
+            <a:avLst/>
+          </a:prstGeom>
+        </p:spPr>
+      </p:pic>
+      <p:pic>
+        <p:nvPicPr>
+          <p:cNvPr id="3" name="Imagen 2">
+            <a:extLst>
+              <a:ext uri="{FF2B5EF4-FFF2-40B4-BE49-F238E27FC236}">
+                <a16:creationId xmlns:a16="http://schemas.microsoft.com/office/drawing/2014/main" id="{444BDB4E-E29C-4C1A-BEBE-F91D3B21283E}"/>
+              </a:ext>
+            </a:extLst>
+          </p:cNvPr>
+          <p:cNvPicPr>
+            <a:picLocks noChangeAspect="1"/>
+          </p:cNvPicPr>
+          <p:nvPr/>
+        </p:nvPicPr>
+        <p:blipFill>
+          <a:blip r:embed="rId3"/>
+          <a:stretch>
+            <a:fillRect/>
+          </a:stretch>
+        </p:blipFill>
+        <p:spPr>
+          <a:xfrm>
+            <a:off x="3740837" y="129654"/>
+            <a:ext cx="4410075" cy="457200"/>
+          </a:xfrm>
+          <a:prstGeom prst="rect">
+            <a:avLst/>
+          </a:prstGeom>
+        </p:spPr>
+      </p:pic>
+      <p:sp>
+        <p:nvSpPr>
+          <p:cNvPr id="4" name="CuadroTexto 3">
+            <a:extLst>
+              <a:ext uri="{FF2B5EF4-FFF2-40B4-BE49-F238E27FC236}">
+                <a16:creationId xmlns:a16="http://schemas.microsoft.com/office/drawing/2014/main" id="{61D937DC-55C0-49B5-9BA5-97751EF6B0C4}"/>
+              </a:ext>
+            </a:extLst>
+          </p:cNvPr>
+          <p:cNvSpPr txBox="1"/>
+          <p:nvPr/>
+        </p:nvSpPr>
+        <p:spPr>
+          <a:xfrm>
+            <a:off x="791570" y="621268"/>
+            <a:ext cx="1005596" cy="369332"/>
+          </a:xfrm>
+          <a:prstGeom prst="rect">
+            <a:avLst/>
+          </a:prstGeom>
+          <a:noFill/>
+        </p:spPr>
+        <p:txBody>
+          <a:bodyPr wrap="none" rtlCol="0">
+            <a:spAutoFit/>
+          </a:bodyPr>
+          <a:lstStyle/>
+          <a:p>
+            <a:r>
+              <a:rPr lang="es-AR" dirty="0"/>
+              <a:t>Creación</a:t>
+            </a:r>
+          </a:p>
+        </p:txBody>
+      </p:sp>
+    </p:spTree>
+    <p:extLst>
+      <p:ext uri="{BB962C8B-B14F-4D97-AF65-F5344CB8AC3E}">
+        <p14:creationId xmlns:p14="http://schemas.microsoft.com/office/powerpoint/2010/main" val="3383377717"/>
+      </p:ext>
+    </p:extLst>
+  </p:cSld>
+  <p:clrMapOvr>
+    <a:masterClrMapping/>
+  </p:clrMapOvr>
+</p:sld>
+</file>
+
+<file path=ppt/slides/slide5.xml><?xml version="1.0" encoding="utf-8"?>
+<p:sld xmlns:a="http://schemas.openxmlformats.org/drawingml/2006/main" xmlns:r="http://schemas.openxmlformats.org/officeDocument/2006/relationships" xmlns:p="http://schemas.openxmlformats.org/presentationml/2006/main">
+  <p:cSld>
+    <p:spTree>
+      <p:nvGrpSpPr>
+        <p:cNvPr id="1" name=""/>
+        <p:cNvGrpSpPr/>
+        <p:nvPr/>
+      </p:nvGrpSpPr>
+      <p:grpSpPr>
+        <a:xfrm>
+          <a:off x="0" y="0"/>
+          <a:ext cx="0" cy="0"/>
+          <a:chOff x="0" y="0"/>
+          <a:chExt cx="0" cy="0"/>
+        </a:xfrm>
+      </p:grpSpPr>
+      <p:pic>
+        <p:nvPicPr>
+          <p:cNvPr id="3" name="Imagen 2">
+            <a:extLst>
+              <a:ext uri="{FF2B5EF4-FFF2-40B4-BE49-F238E27FC236}">
+                <a16:creationId xmlns:a16="http://schemas.microsoft.com/office/drawing/2014/main" id="{CD3F6D99-A85F-4026-AC29-F448880D9DF2}"/>
+              </a:ext>
+            </a:extLst>
+          </p:cNvPr>
+          <p:cNvPicPr>
+            <a:picLocks noChangeAspect="1"/>
+          </p:cNvPicPr>
+          <p:nvPr/>
+        </p:nvPicPr>
+        <p:blipFill>
+          <a:blip r:embed="rId2"/>
+          <a:stretch>
+            <a:fillRect/>
+          </a:stretch>
+        </p:blipFill>
+        <p:spPr>
+          <a:xfrm>
+            <a:off x="0" y="1146411"/>
+            <a:ext cx="12192000" cy="5289337"/>
+          </a:xfrm>
+          <a:prstGeom prst="rect">
+            <a:avLst/>
+          </a:prstGeom>
+        </p:spPr>
+      </p:pic>
+      <p:sp>
+        <p:nvSpPr>
+          <p:cNvPr id="2" name="CuadroTexto 1">
+            <a:extLst>
+              <a:ext uri="{FF2B5EF4-FFF2-40B4-BE49-F238E27FC236}">
+                <a16:creationId xmlns:a16="http://schemas.microsoft.com/office/drawing/2014/main" id="{3BB43AC5-5120-4535-97C6-3FF911A3E55D}"/>
+              </a:ext>
+            </a:extLst>
+          </p:cNvPr>
+          <p:cNvSpPr txBox="1"/>
+          <p:nvPr/>
+        </p:nvSpPr>
+        <p:spPr>
+          <a:xfrm>
+            <a:off x="1310185" y="573206"/>
+            <a:ext cx="2080057" cy="369332"/>
+          </a:xfrm>
+          <a:prstGeom prst="rect">
+            <a:avLst/>
+          </a:prstGeom>
+          <a:noFill/>
+        </p:spPr>
+        <p:txBody>
+          <a:bodyPr wrap="none" rtlCol="0">
+            <a:spAutoFit/>
+          </a:bodyPr>
+          <a:lstStyle/>
+          <a:p>
+            <a:r>
+              <a:rPr lang="es-AR" dirty="0"/>
+              <a:t>Tabla  de Personajes</a:t>
+            </a:r>
+          </a:p>
+        </p:txBody>
+      </p:sp>
+    </p:spTree>
+    <p:extLst>
+      <p:ext uri="{BB962C8B-B14F-4D97-AF65-F5344CB8AC3E}">
+        <p14:creationId xmlns:p14="http://schemas.microsoft.com/office/powerpoint/2010/main" val="1015555029"/>
+      </p:ext>
+    </p:extLst>
+  </p:cSld>
+  <p:clrMapOvr>
+    <a:masterClrMapping/>
+  </p:clrMapOvr>
+</p:sld>
+</file>
+
+<file path=ppt/slides/slide6.xml><?xml version="1.0" encoding="utf-8"?>
+<p:sld xmlns:a="http://schemas.openxmlformats.org/drawingml/2006/main" xmlns:r="http://schemas.openxmlformats.org/officeDocument/2006/relationships" xmlns:p="http://schemas.openxmlformats.org/presentationml/2006/main">
+  <p:cSld>
+    <p:spTree>
+      <p:nvGrpSpPr>
+        <p:cNvPr id="1" name=""/>
+        <p:cNvGrpSpPr/>
+        <p:nvPr/>
+      </p:nvGrpSpPr>
+      <p:grpSpPr>
+        <a:xfrm>
+          <a:off x="0" y="0"/>
+          <a:ext cx="0" cy="0"/>
+          <a:chOff x="0" y="0"/>
+          <a:chExt cx="0" cy="0"/>
+        </a:xfrm>
+      </p:grpSpPr>
+      <p:pic>
+        <p:nvPicPr>
+          <p:cNvPr id="3" name="Imagen 2">
+            <a:extLst>
+              <a:ext uri="{FF2B5EF4-FFF2-40B4-BE49-F238E27FC236}">
+                <a16:creationId xmlns:a16="http://schemas.microsoft.com/office/drawing/2014/main" id="{82B3A880-C5DC-4C19-BC2D-8D861F3DD350}"/>
+              </a:ext>
+            </a:extLst>
+          </p:cNvPr>
+          <p:cNvPicPr>
+            <a:picLocks noChangeAspect="1"/>
+          </p:cNvPicPr>
+          <p:nvPr/>
+        </p:nvPicPr>
+        <p:blipFill>
+          <a:blip r:embed="rId2"/>
+          <a:stretch>
+            <a:fillRect/>
+          </a:stretch>
+        </p:blipFill>
+        <p:spPr>
+          <a:xfrm>
+            <a:off x="0" y="1228299"/>
+            <a:ext cx="12192000" cy="5349385"/>
+          </a:xfrm>
+          <a:prstGeom prst="rect">
+            <a:avLst/>
+          </a:prstGeom>
+        </p:spPr>
+      </p:pic>
+      <p:sp>
+        <p:nvSpPr>
+          <p:cNvPr id="2" name="CuadroTexto 1">
+            <a:extLst>
+              <a:ext uri="{FF2B5EF4-FFF2-40B4-BE49-F238E27FC236}">
+                <a16:creationId xmlns:a16="http://schemas.microsoft.com/office/drawing/2014/main" id="{7A88D184-2E32-459E-977A-CB4207C17B37}"/>
+              </a:ext>
+            </a:extLst>
+          </p:cNvPr>
+          <p:cNvSpPr txBox="1"/>
+          <p:nvPr/>
+        </p:nvSpPr>
+        <p:spPr>
+          <a:xfrm>
+            <a:off x="1692322" y="504967"/>
+            <a:ext cx="2410340" cy="369332"/>
+          </a:xfrm>
+          <a:prstGeom prst="rect">
+            <a:avLst/>
+          </a:prstGeom>
+          <a:noFill/>
+        </p:spPr>
+        <p:txBody>
+          <a:bodyPr wrap="none" rtlCol="0">
+            <a:spAutoFit/>
+          </a:bodyPr>
+          <a:lstStyle/>
+          <a:p>
+            <a:r>
+              <a:rPr lang="es-AR" dirty="0"/>
+              <a:t>Modificar  un Personaje</a:t>
+            </a:r>
+          </a:p>
+        </p:txBody>
+      </p:sp>
+    </p:spTree>
+    <p:extLst>
+      <p:ext uri="{BB962C8B-B14F-4D97-AF65-F5344CB8AC3E}">
+        <p14:creationId xmlns:p14="http://schemas.microsoft.com/office/powerpoint/2010/main" val="3055839680"/>
+      </p:ext>
+    </p:extLst>
+  </p:cSld>
+  <p:clrMapOvr>
+    <a:masterClrMapping/>
+  </p:clrMapOvr>
+</p:sld>
+</file>
+
+<file path=ppt/slides/slide7.xml><?xml version="1.0" encoding="utf-8"?>
+<p:sld xmlns:a="http://schemas.openxmlformats.org/drawingml/2006/main" xmlns:r="http://schemas.openxmlformats.org/officeDocument/2006/relationships" xmlns:p="http://schemas.openxmlformats.org/presentationml/2006/main">
+  <p:cSld>
+    <p:spTree>
+      <p:nvGrpSpPr>
+        <p:cNvPr id="1" name=""/>
+        <p:cNvGrpSpPr/>
+        <p:nvPr/>
+      </p:nvGrpSpPr>
+      <p:grpSpPr>
+        <a:xfrm>
+          <a:off x="0" y="0"/>
+          <a:ext cx="0" cy="0"/>
+          <a:chOff x="0" y="0"/>
+          <a:chExt cx="0" cy="0"/>
+        </a:xfrm>
+      </p:grpSpPr>
+      <p:pic>
+        <p:nvPicPr>
+          <p:cNvPr id="3" name="Imagen 2">
+            <a:extLst>
+              <a:ext uri="{FF2B5EF4-FFF2-40B4-BE49-F238E27FC236}">
+                <a16:creationId xmlns:a16="http://schemas.microsoft.com/office/drawing/2014/main" id="{8B6C5F34-FD79-4B98-BC93-D6514891C88C}"/>
+              </a:ext>
+            </a:extLst>
+          </p:cNvPr>
+          <p:cNvPicPr>
+            <a:picLocks noChangeAspect="1"/>
+          </p:cNvPicPr>
+          <p:nvPr/>
+        </p:nvPicPr>
+        <p:blipFill>
+          <a:blip r:embed="rId2"/>
+          <a:stretch>
+            <a:fillRect/>
+          </a:stretch>
+        </p:blipFill>
+        <p:spPr>
+          <a:xfrm>
+            <a:off x="0" y="250049"/>
+            <a:ext cx="12192000" cy="6357902"/>
+          </a:xfrm>
+          <a:prstGeom prst="rect">
+            <a:avLst/>
+          </a:prstGeom>
+        </p:spPr>
+      </p:pic>
+    </p:spTree>
+    <p:extLst>
+      <p:ext uri="{BB962C8B-B14F-4D97-AF65-F5344CB8AC3E}">
+        <p14:creationId xmlns:p14="http://schemas.microsoft.com/office/powerpoint/2010/main" val="833527568"/>
+      </p:ext>
+    </p:extLst>
+  </p:cSld>
+  <p:clrMapOvr>
+    <a:masterClrMapping/>
+  </p:clrMapOvr>
+</p:sld>
+</file>
+
+<file path=ppt/slides/slide8.xml><?xml version="1.0" encoding="utf-8"?>
+<p:sld xmlns:a="http://schemas.openxmlformats.org/drawingml/2006/main" xmlns:r="http://schemas.openxmlformats.org/officeDocument/2006/relationships" xmlns:p="http://schemas.openxmlformats.org/presentationml/2006/main">
+  <p:cSld>
+    <p:spTree>
+      <p:nvGrpSpPr>
+        <p:cNvPr id="1" name=""/>
+        <p:cNvGrpSpPr/>
+        <p:nvPr/>
+      </p:nvGrpSpPr>
+      <p:grpSpPr>
+        <a:xfrm>
+          <a:off x="0" y="0"/>
+          <a:ext cx="0" cy="0"/>
+          <a:chOff x="0" y="0"/>
+          <a:chExt cx="0" cy="0"/>
+        </a:xfrm>
+      </p:grpSpPr>
+      <p:pic>
+        <p:nvPicPr>
+          <p:cNvPr id="3" name="Imagen 2">
+            <a:extLst>
+              <a:ext uri="{FF2B5EF4-FFF2-40B4-BE49-F238E27FC236}">
+                <a16:creationId xmlns:a16="http://schemas.microsoft.com/office/drawing/2014/main" id="{A35F2800-A7C7-4487-8080-6634C6E02FA3}"/>
+              </a:ext>
+            </a:extLst>
+          </p:cNvPr>
+          <p:cNvPicPr>
+            <a:picLocks noChangeAspect="1"/>
+          </p:cNvPicPr>
+          <p:nvPr/>
+        </p:nvPicPr>
+        <p:blipFill>
+          <a:blip r:embed="rId2"/>
+          <a:stretch>
+            <a:fillRect/>
+          </a:stretch>
+        </p:blipFill>
+        <p:spPr>
+          <a:xfrm>
+            <a:off x="0" y="298621"/>
+            <a:ext cx="12192000" cy="6260757"/>
+          </a:xfrm>
+          <a:prstGeom prst="rect">
+            <a:avLst/>
+          </a:prstGeom>
+        </p:spPr>
+      </p:pic>
+    </p:spTree>
+    <p:extLst>
+      <p:ext uri="{BB962C8B-B14F-4D97-AF65-F5344CB8AC3E}">
+        <p14:creationId xmlns:p14="http://schemas.microsoft.com/office/powerpoint/2010/main" val="2856627429"/>
+      </p:ext>
+    </p:extLst>
+  </p:cSld>
+  <p:clrMapOvr>
+    <a:masterClrMapping/>
+  </p:clrMapOvr>
+</p:sld>
+</file>
+
+<file path=ppt/slides/slide9.xml><?xml version="1.0" encoding="utf-8"?>
+<p:sld xmlns:a="http://schemas.openxmlformats.org/drawingml/2006/main" xmlns:r="http://schemas.openxmlformats.org/officeDocument/2006/relationships" xmlns:p="http://schemas.openxmlformats.org/presentationml/2006/main">
+  <p:cSld>
+    <p:spTree>
+      <p:nvGrpSpPr>
+        <p:cNvPr id="1" name=""/>
+        <p:cNvGrpSpPr/>
+        <p:nvPr/>
+      </p:nvGrpSpPr>
+      <p:grpSpPr>
+        <a:xfrm>
+          <a:off x="0" y="0"/>
+          <a:ext cx="0" cy="0"/>
+          <a:chOff x="0" y="0"/>
+          <a:chExt cx="0" cy="0"/>
+        </a:xfrm>
+      </p:grpSpPr>
+      <p:pic>
+        <p:nvPicPr>
+          <p:cNvPr id="3" name="Imagen 2">
+            <a:extLst>
+              <a:ext uri="{FF2B5EF4-FFF2-40B4-BE49-F238E27FC236}">
+                <a16:creationId xmlns:a16="http://schemas.microsoft.com/office/drawing/2014/main" id="{E7C348C9-3AAE-46F0-8622-D4E17BABA5F6}"/>
+              </a:ext>
+            </a:extLst>
+          </p:cNvPr>
+          <p:cNvPicPr>
+            <a:picLocks noChangeAspect="1"/>
+          </p:cNvPicPr>
+          <p:nvPr/>
+        </p:nvPicPr>
+        <p:blipFill>
+          <a:blip r:embed="rId2"/>
+          <a:stretch>
+            <a:fillRect/>
+          </a:stretch>
+        </p:blipFill>
+        <p:spPr>
+          <a:xfrm>
+            <a:off x="0" y="832513"/>
+            <a:ext cx="12192000" cy="5747228"/>
+          </a:xfrm>
+          <a:prstGeom prst="rect">
+            <a:avLst/>
+          </a:prstGeom>
+        </p:spPr>
+      </p:pic>
+      <p:sp>
+        <p:nvSpPr>
+          <p:cNvPr id="2" name="CuadroTexto 1">
+            <a:extLst>
+              <a:ext uri="{FF2B5EF4-FFF2-40B4-BE49-F238E27FC236}">
+                <a16:creationId xmlns:a16="http://schemas.microsoft.com/office/drawing/2014/main" id="{22EC356E-B149-4FEE-A13F-2FE40DE9D1ED}"/>
+              </a:ext>
+            </a:extLst>
+          </p:cNvPr>
+          <p:cNvSpPr txBox="1"/>
+          <p:nvPr/>
+        </p:nvSpPr>
+        <p:spPr>
+          <a:xfrm>
+            <a:off x="2470245" y="409433"/>
+            <a:ext cx="2327304" cy="369332"/>
+          </a:xfrm>
+          <a:prstGeom prst="rect">
+            <a:avLst/>
+          </a:prstGeom>
+          <a:noFill/>
+        </p:spPr>
+        <p:txBody>
+          <a:bodyPr wrap="none" rtlCol="0">
+            <a:spAutoFit/>
+          </a:bodyPr>
+          <a:lstStyle/>
+          <a:p>
+            <a:r>
+              <a:rPr lang="es-AR" dirty="0"/>
+              <a:t>Eliminar  un  Personaje</a:t>
+            </a:r>
+          </a:p>
+        </p:txBody>
+      </p:sp>
+    </p:spTree>
+    <p:extLst>
+      <p:ext uri="{BB962C8B-B14F-4D97-AF65-F5344CB8AC3E}">
+        <p14:creationId xmlns:p14="http://schemas.microsoft.com/office/powerpoint/2010/main" val="341521755"/>
       </p:ext>
     </p:extLst>
   </p:cSld>

--- a/api_disney/documento_api.pptx
+++ b/api_disney/documento_api.pptx
@@ -6,37 +6,32 @@
   </p:sldMasterIdLst>
   <p:sldIdLst>
     <p:sldId id="271" r:id="rId2"/>
-    <p:sldId id="258" r:id="rId3"/>
-    <p:sldId id="259" r:id="rId4"/>
-    <p:sldId id="256" r:id="rId5"/>
-    <p:sldId id="257" r:id="rId6"/>
-    <p:sldId id="261" r:id="rId7"/>
-    <p:sldId id="260" r:id="rId8"/>
-    <p:sldId id="262" r:id="rId9"/>
-    <p:sldId id="264" r:id="rId10"/>
-    <p:sldId id="263" r:id="rId11"/>
-    <p:sldId id="280" r:id="rId12"/>
-    <p:sldId id="282" r:id="rId13"/>
-    <p:sldId id="281" r:id="rId14"/>
-    <p:sldId id="265" r:id="rId15"/>
-    <p:sldId id="267" r:id="rId16"/>
-    <p:sldId id="266" r:id="rId17"/>
-    <p:sldId id="268" r:id="rId18"/>
-    <p:sldId id="269" r:id="rId19"/>
-    <p:sldId id="270" r:id="rId20"/>
-    <p:sldId id="272" r:id="rId21"/>
-    <p:sldId id="274" r:id="rId22"/>
-    <p:sldId id="283" r:id="rId23"/>
-    <p:sldId id="284" r:id="rId24"/>
-    <p:sldId id="285" r:id="rId25"/>
-    <p:sldId id="286" r:id="rId26"/>
-    <p:sldId id="287" r:id="rId27"/>
-    <p:sldId id="275" r:id="rId28"/>
-    <p:sldId id="273" r:id="rId29"/>
-    <p:sldId id="276" r:id="rId30"/>
-    <p:sldId id="277" r:id="rId31"/>
-    <p:sldId id="279" r:id="rId32"/>
-    <p:sldId id="278" r:id="rId33"/>
+    <p:sldId id="259" r:id="rId3"/>
+    <p:sldId id="256" r:id="rId4"/>
+    <p:sldId id="257" r:id="rId5"/>
+    <p:sldId id="261" r:id="rId6"/>
+    <p:sldId id="260" r:id="rId7"/>
+    <p:sldId id="262" r:id="rId8"/>
+    <p:sldId id="264" r:id="rId9"/>
+    <p:sldId id="263" r:id="rId10"/>
+    <p:sldId id="280" r:id="rId11"/>
+    <p:sldId id="282" r:id="rId12"/>
+    <p:sldId id="281" r:id="rId13"/>
+    <p:sldId id="265" r:id="rId14"/>
+    <p:sldId id="267" r:id="rId15"/>
+    <p:sldId id="266" r:id="rId16"/>
+    <p:sldId id="268" r:id="rId17"/>
+    <p:sldId id="269" r:id="rId18"/>
+    <p:sldId id="270" r:id="rId19"/>
+    <p:sldId id="272" r:id="rId20"/>
+    <p:sldId id="274" r:id="rId21"/>
+    <p:sldId id="283" r:id="rId22"/>
+    <p:sldId id="284" r:id="rId23"/>
+    <p:sldId id="286" r:id="rId24"/>
+    <p:sldId id="287" r:id="rId25"/>
+    <p:sldId id="275" r:id="rId26"/>
+    <p:sldId id="273" r:id="rId27"/>
+    <p:sldId id="276" r:id="rId28"/>
   </p:sldIdLst>
   <p:sldSz cx="12192000" cy="6858000"/>
   <p:notesSz cx="6858000" cy="9144000"/>
@@ -292,9 +287,9 @@
           <a:p>
             <a:fld id="{DC0C6287-5AEF-4087-88FA-4E68F1491EF4}" type="datetimeFigureOut">
               <a:rPr lang="es-AR" smtClean="0"/>
-              <a:t>30/4/2022</a:t>
+              <a:t>21/5/2022</a:t>
             </a:fld>
-            <a:endParaRPr lang="es-AR"/>
+            <a:endParaRPr lang="es-AR" dirty="0"/>
           </a:p>
         </p:txBody>
       </p:sp>
@@ -319,7 +314,7 @@
           <a:bodyPr/>
           <a:lstStyle/>
           <a:p>
-            <a:endParaRPr lang="es-AR"/>
+            <a:endParaRPr lang="es-AR" dirty="0"/>
           </a:p>
         </p:txBody>
       </p:sp>
@@ -348,7 +343,7 @@
               <a:rPr lang="es-AR" smtClean="0"/>
               <a:t>‹Nº›</a:t>
             </a:fld>
-            <a:endParaRPr lang="es-AR"/>
+            <a:endParaRPr lang="es-AR" dirty="0"/>
           </a:p>
         </p:txBody>
       </p:sp>
@@ -492,9 +487,9 @@
           <a:p>
             <a:fld id="{DC0C6287-5AEF-4087-88FA-4E68F1491EF4}" type="datetimeFigureOut">
               <a:rPr lang="es-AR" smtClean="0"/>
-              <a:t>30/4/2022</a:t>
+              <a:t>21/5/2022</a:t>
             </a:fld>
-            <a:endParaRPr lang="es-AR"/>
+            <a:endParaRPr lang="es-AR" dirty="0"/>
           </a:p>
         </p:txBody>
       </p:sp>
@@ -519,7 +514,7 @@
           <a:bodyPr/>
           <a:lstStyle/>
           <a:p>
-            <a:endParaRPr lang="es-AR"/>
+            <a:endParaRPr lang="es-AR" dirty="0"/>
           </a:p>
         </p:txBody>
       </p:sp>
@@ -548,7 +543,7 @@
               <a:rPr lang="es-AR" smtClean="0"/>
               <a:t>‹Nº›</a:t>
             </a:fld>
-            <a:endParaRPr lang="es-AR"/>
+            <a:endParaRPr lang="es-AR" dirty="0"/>
           </a:p>
         </p:txBody>
       </p:sp>
@@ -702,9 +697,9 @@
           <a:p>
             <a:fld id="{DC0C6287-5AEF-4087-88FA-4E68F1491EF4}" type="datetimeFigureOut">
               <a:rPr lang="es-AR" smtClean="0"/>
-              <a:t>30/4/2022</a:t>
+              <a:t>21/5/2022</a:t>
             </a:fld>
-            <a:endParaRPr lang="es-AR"/>
+            <a:endParaRPr lang="es-AR" dirty="0"/>
           </a:p>
         </p:txBody>
       </p:sp>
@@ -729,7 +724,7 @@
           <a:bodyPr/>
           <a:lstStyle/>
           <a:p>
-            <a:endParaRPr lang="es-AR"/>
+            <a:endParaRPr lang="es-AR" dirty="0"/>
           </a:p>
         </p:txBody>
       </p:sp>
@@ -758,7 +753,7 @@
               <a:rPr lang="es-AR" smtClean="0"/>
               <a:t>‹Nº›</a:t>
             </a:fld>
-            <a:endParaRPr lang="es-AR"/>
+            <a:endParaRPr lang="es-AR" dirty="0"/>
           </a:p>
         </p:txBody>
       </p:sp>
@@ -902,9 +897,9 @@
           <a:p>
             <a:fld id="{DC0C6287-5AEF-4087-88FA-4E68F1491EF4}" type="datetimeFigureOut">
               <a:rPr lang="es-AR" smtClean="0"/>
-              <a:t>30/4/2022</a:t>
+              <a:t>21/5/2022</a:t>
             </a:fld>
-            <a:endParaRPr lang="es-AR"/>
+            <a:endParaRPr lang="es-AR" dirty="0"/>
           </a:p>
         </p:txBody>
       </p:sp>
@@ -929,7 +924,7 @@
           <a:bodyPr/>
           <a:lstStyle/>
           <a:p>
-            <a:endParaRPr lang="es-AR"/>
+            <a:endParaRPr lang="es-AR" dirty="0"/>
           </a:p>
         </p:txBody>
       </p:sp>
@@ -958,7 +953,7 @@
               <a:rPr lang="es-AR" smtClean="0"/>
               <a:t>‹Nº›</a:t>
             </a:fld>
-            <a:endParaRPr lang="es-AR"/>
+            <a:endParaRPr lang="es-AR" dirty="0"/>
           </a:p>
         </p:txBody>
       </p:sp>
@@ -1178,9 +1173,9 @@
           <a:p>
             <a:fld id="{DC0C6287-5AEF-4087-88FA-4E68F1491EF4}" type="datetimeFigureOut">
               <a:rPr lang="es-AR" smtClean="0"/>
-              <a:t>30/4/2022</a:t>
+              <a:t>21/5/2022</a:t>
             </a:fld>
-            <a:endParaRPr lang="es-AR"/>
+            <a:endParaRPr lang="es-AR" dirty="0"/>
           </a:p>
         </p:txBody>
       </p:sp>
@@ -1205,7 +1200,7 @@
           <a:bodyPr/>
           <a:lstStyle/>
           <a:p>
-            <a:endParaRPr lang="es-AR"/>
+            <a:endParaRPr lang="es-AR" dirty="0"/>
           </a:p>
         </p:txBody>
       </p:sp>
@@ -1234,7 +1229,7 @@
               <a:rPr lang="es-AR" smtClean="0"/>
               <a:t>‹Nº›</a:t>
             </a:fld>
-            <a:endParaRPr lang="es-AR"/>
+            <a:endParaRPr lang="es-AR" dirty="0"/>
           </a:p>
         </p:txBody>
       </p:sp>
@@ -1446,9 +1441,9 @@
           <a:p>
             <a:fld id="{DC0C6287-5AEF-4087-88FA-4E68F1491EF4}" type="datetimeFigureOut">
               <a:rPr lang="es-AR" smtClean="0"/>
-              <a:t>30/4/2022</a:t>
+              <a:t>21/5/2022</a:t>
             </a:fld>
-            <a:endParaRPr lang="es-AR"/>
+            <a:endParaRPr lang="es-AR" dirty="0"/>
           </a:p>
         </p:txBody>
       </p:sp>
@@ -1473,7 +1468,7 @@
           <a:bodyPr/>
           <a:lstStyle/>
           <a:p>
-            <a:endParaRPr lang="es-AR"/>
+            <a:endParaRPr lang="es-AR" dirty="0"/>
           </a:p>
         </p:txBody>
       </p:sp>
@@ -1502,7 +1497,7 @@
               <a:rPr lang="es-AR" smtClean="0"/>
               <a:t>‹Nº›</a:t>
             </a:fld>
-            <a:endParaRPr lang="es-AR"/>
+            <a:endParaRPr lang="es-AR" dirty="0"/>
           </a:p>
         </p:txBody>
       </p:sp>
@@ -1861,9 +1856,9 @@
           <a:p>
             <a:fld id="{DC0C6287-5AEF-4087-88FA-4E68F1491EF4}" type="datetimeFigureOut">
               <a:rPr lang="es-AR" smtClean="0"/>
-              <a:t>30/4/2022</a:t>
+              <a:t>21/5/2022</a:t>
             </a:fld>
-            <a:endParaRPr lang="es-AR"/>
+            <a:endParaRPr lang="es-AR" dirty="0"/>
           </a:p>
         </p:txBody>
       </p:sp>
@@ -1888,7 +1883,7 @@
           <a:bodyPr/>
           <a:lstStyle/>
           <a:p>
-            <a:endParaRPr lang="es-AR"/>
+            <a:endParaRPr lang="es-AR" dirty="0"/>
           </a:p>
         </p:txBody>
       </p:sp>
@@ -1917,7 +1912,7 @@
               <a:rPr lang="es-AR" smtClean="0"/>
               <a:t>‹Nº›</a:t>
             </a:fld>
-            <a:endParaRPr lang="es-AR"/>
+            <a:endParaRPr lang="es-AR" dirty="0"/>
           </a:p>
         </p:txBody>
       </p:sp>
@@ -2003,9 +1998,9 @@
           <a:p>
             <a:fld id="{DC0C6287-5AEF-4087-88FA-4E68F1491EF4}" type="datetimeFigureOut">
               <a:rPr lang="es-AR" smtClean="0"/>
-              <a:t>30/4/2022</a:t>
+              <a:t>21/5/2022</a:t>
             </a:fld>
-            <a:endParaRPr lang="es-AR"/>
+            <a:endParaRPr lang="es-AR" dirty="0"/>
           </a:p>
         </p:txBody>
       </p:sp>
@@ -2030,7 +2025,7 @@
           <a:bodyPr/>
           <a:lstStyle/>
           <a:p>
-            <a:endParaRPr lang="es-AR"/>
+            <a:endParaRPr lang="es-AR" dirty="0"/>
           </a:p>
         </p:txBody>
       </p:sp>
@@ -2059,7 +2054,7 @@
               <a:rPr lang="es-AR" smtClean="0"/>
               <a:t>‹Nº›</a:t>
             </a:fld>
-            <a:endParaRPr lang="es-AR"/>
+            <a:endParaRPr lang="es-AR" dirty="0"/>
           </a:p>
         </p:txBody>
       </p:sp>
@@ -2116,9 +2111,9 @@
           <a:p>
             <a:fld id="{DC0C6287-5AEF-4087-88FA-4E68F1491EF4}" type="datetimeFigureOut">
               <a:rPr lang="es-AR" smtClean="0"/>
-              <a:t>30/4/2022</a:t>
+              <a:t>21/5/2022</a:t>
             </a:fld>
-            <a:endParaRPr lang="es-AR"/>
+            <a:endParaRPr lang="es-AR" dirty="0"/>
           </a:p>
         </p:txBody>
       </p:sp>
@@ -2143,7 +2138,7 @@
           <a:bodyPr/>
           <a:lstStyle/>
           <a:p>
-            <a:endParaRPr lang="es-AR"/>
+            <a:endParaRPr lang="es-AR" dirty="0"/>
           </a:p>
         </p:txBody>
       </p:sp>
@@ -2172,7 +2167,7 @@
               <a:rPr lang="es-AR" smtClean="0"/>
               <a:t>‹Nº›</a:t>
             </a:fld>
-            <a:endParaRPr lang="es-AR"/>
+            <a:endParaRPr lang="es-AR" dirty="0"/>
           </a:p>
         </p:txBody>
       </p:sp>
@@ -2429,9 +2424,9 @@
           <a:p>
             <a:fld id="{DC0C6287-5AEF-4087-88FA-4E68F1491EF4}" type="datetimeFigureOut">
               <a:rPr lang="es-AR" smtClean="0"/>
-              <a:t>30/4/2022</a:t>
+              <a:t>21/5/2022</a:t>
             </a:fld>
-            <a:endParaRPr lang="es-AR"/>
+            <a:endParaRPr lang="es-AR" dirty="0"/>
           </a:p>
         </p:txBody>
       </p:sp>
@@ -2456,7 +2451,7 @@
           <a:bodyPr/>
           <a:lstStyle/>
           <a:p>
-            <a:endParaRPr lang="es-AR"/>
+            <a:endParaRPr lang="es-AR" dirty="0"/>
           </a:p>
         </p:txBody>
       </p:sp>
@@ -2485,7 +2480,7 @@
               <a:rPr lang="es-AR" smtClean="0"/>
               <a:t>‹Nº›</a:t>
             </a:fld>
-            <a:endParaRPr lang="es-AR"/>
+            <a:endParaRPr lang="es-AR" dirty="0"/>
           </a:p>
         </p:txBody>
       </p:sp>
@@ -2620,7 +2615,7 @@
             </a:lvl9pPr>
           </a:lstStyle>
           <a:p>
-            <a:endParaRPr lang="es-AR"/>
+            <a:endParaRPr lang="es-AR" dirty="0"/>
           </a:p>
         </p:txBody>
       </p:sp>
@@ -2718,9 +2713,9 @@
           <a:p>
             <a:fld id="{DC0C6287-5AEF-4087-88FA-4E68F1491EF4}" type="datetimeFigureOut">
               <a:rPr lang="es-AR" smtClean="0"/>
-              <a:t>30/4/2022</a:t>
+              <a:t>21/5/2022</a:t>
             </a:fld>
-            <a:endParaRPr lang="es-AR"/>
+            <a:endParaRPr lang="es-AR" dirty="0"/>
           </a:p>
         </p:txBody>
       </p:sp>
@@ -2745,7 +2740,7 @@
           <a:bodyPr/>
           <a:lstStyle/>
           <a:p>
-            <a:endParaRPr lang="es-AR"/>
+            <a:endParaRPr lang="es-AR" dirty="0"/>
           </a:p>
         </p:txBody>
       </p:sp>
@@ -2774,7 +2769,7 @@
               <a:rPr lang="es-AR" smtClean="0"/>
               <a:t>‹Nº›</a:t>
             </a:fld>
-            <a:endParaRPr lang="es-AR"/>
+            <a:endParaRPr lang="es-AR" dirty="0"/>
           </a:p>
         </p:txBody>
       </p:sp>
@@ -2961,9 +2956,9 @@
           <a:p>
             <a:fld id="{DC0C6287-5AEF-4087-88FA-4E68F1491EF4}" type="datetimeFigureOut">
               <a:rPr lang="es-AR" smtClean="0"/>
-              <a:t>30/4/2022</a:t>
+              <a:t>21/5/2022</a:t>
             </a:fld>
-            <a:endParaRPr lang="es-AR"/>
+            <a:endParaRPr lang="es-AR" dirty="0"/>
           </a:p>
         </p:txBody>
       </p:sp>
@@ -3006,7 +3001,7 @@
             </a:lvl1pPr>
           </a:lstStyle>
           <a:p>
-            <a:endParaRPr lang="es-AR"/>
+            <a:endParaRPr lang="es-AR" dirty="0"/>
           </a:p>
         </p:txBody>
       </p:sp>
@@ -3053,7 +3048,7 @@
               <a:rPr lang="es-AR" smtClean="0"/>
               <a:t>‹Nº›</a:t>
             </a:fld>
-            <a:endParaRPr lang="es-AR"/>
+            <a:endParaRPr lang="es-AR" dirty="0"/>
           </a:p>
         </p:txBody>
       </p:sp>
@@ -3393,7 +3388,7 @@
         <p:spPr>
           <a:xfrm>
             <a:off x="1194770" y="3126401"/>
-            <a:ext cx="8679976" cy="1477328"/>
+            <a:ext cx="8679976" cy="1754326"/>
           </a:xfrm>
           <a:prstGeom prst="rect">
             <a:avLst/>
@@ -3466,7 +3461,7 @@
                 </a:solidFill>
                 <a:latin typeface="Consolas" panose="020B0609020204030204" pitchFamily="49" charset="0"/>
               </a:rPr>
-              <a:t>Herramientas  utilizadas  : Node.js, Express ,Sequellize,Postgres , </a:t>
+              <a:t>Herramientas  utilizadas  : Node.js, Express ,Sequellize,Postgres ,NodeMailes.js </a:t>
             </a:r>
             <a:endParaRPr lang="es-AR" b="0" dirty="0">
               <a:solidFill>
@@ -3596,6 +3591,2334 @@
 </file>
 
 <file path=ppt/slides/slide10.xml><?xml version="1.0" encoding="utf-8"?>
+<p:sld xmlns:a="http://schemas.openxmlformats.org/drawingml/2006/main" xmlns:r="http://schemas.openxmlformats.org/officeDocument/2006/relationships" xmlns:p="http://schemas.openxmlformats.org/presentationml/2006/main">
+  <p:cSld>
+    <p:spTree>
+      <p:nvGrpSpPr>
+        <p:cNvPr id="1" name=""/>
+        <p:cNvGrpSpPr/>
+        <p:nvPr/>
+      </p:nvGrpSpPr>
+      <p:grpSpPr>
+        <a:xfrm>
+          <a:off x="0" y="0"/>
+          <a:ext cx="0" cy="0"/>
+          <a:chOff x="0" y="0"/>
+          <a:chExt cx="0" cy="0"/>
+        </a:xfrm>
+      </p:grpSpPr>
+      <p:sp>
+        <p:nvSpPr>
+          <p:cNvPr id="6" name="CuadroTexto 5">
+            <a:extLst>
+              <a:ext uri="{FF2B5EF4-FFF2-40B4-BE49-F238E27FC236}">
+                <a16:creationId xmlns:a16="http://schemas.microsoft.com/office/drawing/2014/main" id="{C4FF6931-9397-42F9-8C47-964B315B90C1}"/>
+              </a:ext>
+            </a:extLst>
+          </p:cNvPr>
+          <p:cNvSpPr txBox="1"/>
+          <p:nvPr/>
+        </p:nvSpPr>
+        <p:spPr>
+          <a:xfrm>
+            <a:off x="1733266" y="245660"/>
+            <a:ext cx="2758640" cy="369332"/>
+          </a:xfrm>
+          <a:prstGeom prst="rect">
+            <a:avLst/>
+          </a:prstGeom>
+          <a:noFill/>
+        </p:spPr>
+        <p:txBody>
+          <a:bodyPr wrap="none" rtlCol="0">
+            <a:spAutoFit/>
+          </a:bodyPr>
+          <a:lstStyle/>
+          <a:p>
+            <a:r>
+              <a:rPr lang="es-AR" dirty="0"/>
+              <a:t>Búsqueda Query por name </a:t>
+            </a:r>
+          </a:p>
+        </p:txBody>
+      </p:sp>
+      <p:pic>
+        <p:nvPicPr>
+          <p:cNvPr id="3" name="Imagen 2">
+            <a:extLst>
+              <a:ext uri="{FF2B5EF4-FFF2-40B4-BE49-F238E27FC236}">
+                <a16:creationId xmlns:a16="http://schemas.microsoft.com/office/drawing/2014/main" id="{01F0548B-D965-4428-97A7-8FE07ED342AE}"/>
+              </a:ext>
+            </a:extLst>
+          </p:cNvPr>
+          <p:cNvPicPr>
+            <a:picLocks noChangeAspect="1"/>
+          </p:cNvPicPr>
+          <p:nvPr/>
+        </p:nvPicPr>
+        <p:blipFill>
+          <a:blip r:embed="rId2"/>
+          <a:stretch>
+            <a:fillRect/>
+          </a:stretch>
+        </p:blipFill>
+        <p:spPr>
+          <a:xfrm>
+            <a:off x="709426" y="731520"/>
+            <a:ext cx="11290315" cy="5641984"/>
+          </a:xfrm>
+          <a:prstGeom prst="rect">
+            <a:avLst/>
+          </a:prstGeom>
+        </p:spPr>
+      </p:pic>
+    </p:spTree>
+    <p:extLst>
+      <p:ext uri="{BB962C8B-B14F-4D97-AF65-F5344CB8AC3E}">
+        <p14:creationId xmlns:p14="http://schemas.microsoft.com/office/powerpoint/2010/main" val="3151866564"/>
+      </p:ext>
+    </p:extLst>
+  </p:cSld>
+  <p:clrMapOvr>
+    <a:masterClrMapping/>
+  </p:clrMapOvr>
+</p:sld>
+</file>
+
+<file path=ppt/slides/slide11.xml><?xml version="1.0" encoding="utf-8"?>
+<p:sld xmlns:a="http://schemas.openxmlformats.org/drawingml/2006/main" xmlns:r="http://schemas.openxmlformats.org/officeDocument/2006/relationships" xmlns:p="http://schemas.openxmlformats.org/presentationml/2006/main">
+  <p:cSld>
+    <p:spTree>
+      <p:nvGrpSpPr>
+        <p:cNvPr id="1" name=""/>
+        <p:cNvGrpSpPr/>
+        <p:nvPr/>
+      </p:nvGrpSpPr>
+      <p:grpSpPr>
+        <a:xfrm>
+          <a:off x="0" y="0"/>
+          <a:ext cx="0" cy="0"/>
+          <a:chOff x="0" y="0"/>
+          <a:chExt cx="0" cy="0"/>
+        </a:xfrm>
+      </p:grpSpPr>
+      <p:sp>
+        <p:nvSpPr>
+          <p:cNvPr id="6" name="CuadroTexto 5">
+            <a:extLst>
+              <a:ext uri="{FF2B5EF4-FFF2-40B4-BE49-F238E27FC236}">
+                <a16:creationId xmlns:a16="http://schemas.microsoft.com/office/drawing/2014/main" id="{A60F2732-2D4D-43EF-A1CA-4273FBD7D64D}"/>
+              </a:ext>
+            </a:extLst>
+          </p:cNvPr>
+          <p:cNvSpPr txBox="1"/>
+          <p:nvPr/>
+        </p:nvSpPr>
+        <p:spPr>
+          <a:xfrm>
+            <a:off x="1924334" y="464024"/>
+            <a:ext cx="2696123" cy="369332"/>
+          </a:xfrm>
+          <a:prstGeom prst="rect">
+            <a:avLst/>
+          </a:prstGeom>
+          <a:noFill/>
+        </p:spPr>
+        <p:txBody>
+          <a:bodyPr wrap="none" rtlCol="0">
+            <a:spAutoFit/>
+          </a:bodyPr>
+          <a:lstStyle/>
+          <a:p>
+            <a:r>
+              <a:rPr lang="es-AR" dirty="0"/>
+              <a:t>Búsqueda Query  por edad</a:t>
+            </a:r>
+          </a:p>
+        </p:txBody>
+      </p:sp>
+      <p:pic>
+        <p:nvPicPr>
+          <p:cNvPr id="3" name="Imagen 2">
+            <a:extLst>
+              <a:ext uri="{FF2B5EF4-FFF2-40B4-BE49-F238E27FC236}">
+                <a16:creationId xmlns:a16="http://schemas.microsoft.com/office/drawing/2014/main" id="{3879A4AD-8490-489E-82D4-249E2B93E483}"/>
+              </a:ext>
+            </a:extLst>
+          </p:cNvPr>
+          <p:cNvPicPr>
+            <a:picLocks noChangeAspect="1"/>
+          </p:cNvPicPr>
+          <p:nvPr/>
+        </p:nvPicPr>
+        <p:blipFill>
+          <a:blip r:embed="rId2"/>
+          <a:stretch>
+            <a:fillRect/>
+          </a:stretch>
+        </p:blipFill>
+        <p:spPr>
+          <a:xfrm>
+            <a:off x="492369" y="990600"/>
+            <a:ext cx="10789920" cy="5403376"/>
+          </a:xfrm>
+          <a:prstGeom prst="rect">
+            <a:avLst/>
+          </a:prstGeom>
+        </p:spPr>
+      </p:pic>
+    </p:spTree>
+    <p:extLst>
+      <p:ext uri="{BB962C8B-B14F-4D97-AF65-F5344CB8AC3E}">
+        <p14:creationId xmlns:p14="http://schemas.microsoft.com/office/powerpoint/2010/main" val="1175440797"/>
+      </p:ext>
+    </p:extLst>
+  </p:cSld>
+  <p:clrMapOvr>
+    <a:masterClrMapping/>
+  </p:clrMapOvr>
+</p:sld>
+</file>
+
+<file path=ppt/slides/slide12.xml><?xml version="1.0" encoding="utf-8"?>
+<p:sld xmlns:a="http://schemas.openxmlformats.org/drawingml/2006/main" xmlns:r="http://schemas.openxmlformats.org/officeDocument/2006/relationships" xmlns:p="http://schemas.openxmlformats.org/presentationml/2006/main">
+  <p:cSld>
+    <p:spTree>
+      <p:nvGrpSpPr>
+        <p:cNvPr id="1" name=""/>
+        <p:cNvGrpSpPr/>
+        <p:nvPr/>
+      </p:nvGrpSpPr>
+      <p:grpSpPr>
+        <a:xfrm>
+          <a:off x="0" y="0"/>
+          <a:ext cx="0" cy="0"/>
+          <a:chOff x="0" y="0"/>
+          <a:chExt cx="0" cy="0"/>
+        </a:xfrm>
+      </p:grpSpPr>
+      <p:sp>
+        <p:nvSpPr>
+          <p:cNvPr id="4" name="CuadroTexto 3">
+            <a:extLst>
+              <a:ext uri="{FF2B5EF4-FFF2-40B4-BE49-F238E27FC236}">
+                <a16:creationId xmlns:a16="http://schemas.microsoft.com/office/drawing/2014/main" id="{65266C76-0D01-4861-A5B5-306DFDA2ED08}"/>
+              </a:ext>
+            </a:extLst>
+          </p:cNvPr>
+          <p:cNvSpPr txBox="1"/>
+          <p:nvPr/>
+        </p:nvSpPr>
+        <p:spPr>
+          <a:xfrm>
+            <a:off x="3347691" y="142147"/>
+            <a:ext cx="3852465" cy="369332"/>
+          </a:xfrm>
+          <a:prstGeom prst="rect">
+            <a:avLst/>
+          </a:prstGeom>
+          <a:noFill/>
+        </p:spPr>
+        <p:txBody>
+          <a:bodyPr wrap="none" rtlCol="0">
+            <a:spAutoFit/>
+          </a:bodyPr>
+          <a:lstStyle/>
+          <a:p>
+            <a:r>
+              <a:rPr lang="es-AR" dirty="0"/>
+              <a:t>Búsqueda Query  por movies asociadas</a:t>
+            </a:r>
+          </a:p>
+        </p:txBody>
+      </p:sp>
+      <p:pic>
+        <p:nvPicPr>
+          <p:cNvPr id="3" name="Imagen 2">
+            <a:extLst>
+              <a:ext uri="{FF2B5EF4-FFF2-40B4-BE49-F238E27FC236}">
+                <a16:creationId xmlns:a16="http://schemas.microsoft.com/office/drawing/2014/main" id="{9C7FC4E1-6D0B-49BC-B367-708343AB2244}"/>
+              </a:ext>
+            </a:extLst>
+          </p:cNvPr>
+          <p:cNvPicPr>
+            <a:picLocks noChangeAspect="1"/>
+          </p:cNvPicPr>
+          <p:nvPr/>
+        </p:nvPicPr>
+        <p:blipFill>
+          <a:blip r:embed="rId2"/>
+          <a:stretch>
+            <a:fillRect/>
+          </a:stretch>
+        </p:blipFill>
+        <p:spPr>
+          <a:xfrm>
+            <a:off x="433753" y="511479"/>
+            <a:ext cx="11094720" cy="3657600"/>
+          </a:xfrm>
+          <a:prstGeom prst="rect">
+            <a:avLst/>
+          </a:prstGeom>
+        </p:spPr>
+      </p:pic>
+      <p:pic>
+        <p:nvPicPr>
+          <p:cNvPr id="6" name="Imagen 5">
+            <a:extLst>
+              <a:ext uri="{FF2B5EF4-FFF2-40B4-BE49-F238E27FC236}">
+                <a16:creationId xmlns:a16="http://schemas.microsoft.com/office/drawing/2014/main" id="{4B8B5E6E-631B-442C-AD07-B9630F65D5DA}"/>
+              </a:ext>
+            </a:extLst>
+          </p:cNvPr>
+          <p:cNvPicPr>
+            <a:picLocks noChangeAspect="1"/>
+          </p:cNvPicPr>
+          <p:nvPr/>
+        </p:nvPicPr>
+        <p:blipFill>
+          <a:blip r:embed="rId3"/>
+          <a:stretch>
+            <a:fillRect/>
+          </a:stretch>
+        </p:blipFill>
+        <p:spPr>
+          <a:xfrm>
+            <a:off x="89095" y="3924886"/>
+            <a:ext cx="11784037" cy="2790966"/>
+          </a:xfrm>
+          <a:prstGeom prst="rect">
+            <a:avLst/>
+          </a:prstGeom>
+        </p:spPr>
+      </p:pic>
+    </p:spTree>
+    <p:extLst>
+      <p:ext uri="{BB962C8B-B14F-4D97-AF65-F5344CB8AC3E}">
+        <p14:creationId xmlns:p14="http://schemas.microsoft.com/office/powerpoint/2010/main" val="1357264417"/>
+      </p:ext>
+    </p:extLst>
+  </p:cSld>
+  <p:clrMapOvr>
+    <a:masterClrMapping/>
+  </p:clrMapOvr>
+</p:sld>
+</file>
+
+<file path=ppt/slides/slide13.xml><?xml version="1.0" encoding="utf-8"?>
+<p:sld xmlns:a="http://schemas.openxmlformats.org/drawingml/2006/main" xmlns:r="http://schemas.openxmlformats.org/officeDocument/2006/relationships" xmlns:p="http://schemas.openxmlformats.org/presentationml/2006/main">
+  <p:cSld>
+    <p:spTree>
+      <p:nvGrpSpPr>
+        <p:cNvPr id="1" name=""/>
+        <p:cNvGrpSpPr/>
+        <p:nvPr/>
+      </p:nvGrpSpPr>
+      <p:grpSpPr>
+        <a:xfrm>
+          <a:off x="0" y="0"/>
+          <a:ext cx="0" cy="0"/>
+          <a:chOff x="0" y="0"/>
+          <a:chExt cx="0" cy="0"/>
+        </a:xfrm>
+      </p:grpSpPr>
+      <p:pic>
+        <p:nvPicPr>
+          <p:cNvPr id="4" name="Imagen 3">
+            <a:extLst>
+              <a:ext uri="{FF2B5EF4-FFF2-40B4-BE49-F238E27FC236}">
+                <a16:creationId xmlns:a16="http://schemas.microsoft.com/office/drawing/2014/main" id="{F9FC7372-CD2A-4345-B102-C67CB735AB1F}"/>
+              </a:ext>
+            </a:extLst>
+          </p:cNvPr>
+          <p:cNvPicPr>
+            <a:picLocks noChangeAspect="1"/>
+          </p:cNvPicPr>
+          <p:nvPr/>
+        </p:nvPicPr>
+        <p:blipFill>
+          <a:blip r:embed="rId2"/>
+          <a:stretch>
+            <a:fillRect/>
+          </a:stretch>
+        </p:blipFill>
+        <p:spPr>
+          <a:xfrm>
+            <a:off x="163772" y="647700"/>
+            <a:ext cx="11546006" cy="6210300"/>
+          </a:xfrm>
+          <a:prstGeom prst="rect">
+            <a:avLst/>
+          </a:prstGeom>
+        </p:spPr>
+      </p:pic>
+      <p:sp>
+        <p:nvSpPr>
+          <p:cNvPr id="5" name="CuadroTexto 4">
+            <a:extLst>
+              <a:ext uri="{FF2B5EF4-FFF2-40B4-BE49-F238E27FC236}">
+                <a16:creationId xmlns:a16="http://schemas.microsoft.com/office/drawing/2014/main" id="{B39CC40E-52D2-4B80-A5EE-AF8EA3DFD574}"/>
+              </a:ext>
+            </a:extLst>
+          </p:cNvPr>
+          <p:cNvSpPr txBox="1"/>
+          <p:nvPr/>
+        </p:nvSpPr>
+        <p:spPr>
+          <a:xfrm>
+            <a:off x="5000557" y="122830"/>
+            <a:ext cx="936218" cy="369332"/>
+          </a:xfrm>
+          <a:prstGeom prst="rect">
+            <a:avLst/>
+          </a:prstGeom>
+          <a:noFill/>
+        </p:spPr>
+        <p:txBody>
+          <a:bodyPr wrap="none" rtlCol="0">
+            <a:spAutoFit/>
+          </a:bodyPr>
+          <a:lstStyle/>
+          <a:p>
+            <a:r>
+              <a:rPr lang="es-AR" dirty="0"/>
+              <a:t>MOVIES</a:t>
+            </a:r>
+          </a:p>
+        </p:txBody>
+      </p:sp>
+      <p:sp>
+        <p:nvSpPr>
+          <p:cNvPr id="6" name="CuadroTexto 5">
+            <a:extLst>
+              <a:ext uri="{FF2B5EF4-FFF2-40B4-BE49-F238E27FC236}">
+                <a16:creationId xmlns:a16="http://schemas.microsoft.com/office/drawing/2014/main" id="{206FEE21-E23E-40E2-B71F-3948CB686B39}"/>
+              </a:ext>
+            </a:extLst>
+          </p:cNvPr>
+          <p:cNvSpPr txBox="1"/>
+          <p:nvPr/>
+        </p:nvSpPr>
+        <p:spPr>
+          <a:xfrm>
+            <a:off x="1201002" y="385265"/>
+            <a:ext cx="850939" cy="369332"/>
+          </a:xfrm>
+          <a:prstGeom prst="rect">
+            <a:avLst/>
+          </a:prstGeom>
+          <a:noFill/>
+        </p:spPr>
+        <p:txBody>
+          <a:bodyPr wrap="none" rtlCol="0">
+            <a:spAutoFit/>
+          </a:bodyPr>
+          <a:lstStyle/>
+          <a:p>
+            <a:r>
+              <a:rPr lang="es-AR" dirty="0"/>
+              <a:t>Listado</a:t>
+            </a:r>
+          </a:p>
+        </p:txBody>
+      </p:sp>
+    </p:spTree>
+    <p:extLst>
+      <p:ext uri="{BB962C8B-B14F-4D97-AF65-F5344CB8AC3E}">
+        <p14:creationId xmlns:p14="http://schemas.microsoft.com/office/powerpoint/2010/main" val="1217248115"/>
+      </p:ext>
+    </p:extLst>
+  </p:cSld>
+  <p:clrMapOvr>
+    <a:masterClrMapping/>
+  </p:clrMapOvr>
+</p:sld>
+</file>
+
+<file path=ppt/slides/slide14.xml><?xml version="1.0" encoding="utf-8"?>
+<p:sld xmlns:a="http://schemas.openxmlformats.org/drawingml/2006/main" xmlns:r="http://schemas.openxmlformats.org/officeDocument/2006/relationships" xmlns:p="http://schemas.openxmlformats.org/presentationml/2006/main">
+  <p:cSld>
+    <p:bg>
+      <p:bgPr>
+        <a:solidFill>
+          <a:schemeClr val="bg1"/>
+        </a:solidFill>
+        <a:effectLst/>
+      </p:bgPr>
+    </p:bg>
+    <p:spTree>
+      <p:nvGrpSpPr>
+        <p:cNvPr id="1" name=""/>
+        <p:cNvGrpSpPr/>
+        <p:nvPr/>
+      </p:nvGrpSpPr>
+      <p:grpSpPr>
+        <a:xfrm>
+          <a:off x="0" y="0"/>
+          <a:ext cx="0" cy="0"/>
+          <a:chOff x="0" y="0"/>
+          <a:chExt cx="0" cy="0"/>
+        </a:xfrm>
+      </p:grpSpPr>
+      <p:pic>
+        <p:nvPicPr>
+          <p:cNvPr id="3" name="Imagen 2">
+            <a:extLst>
+              <a:ext uri="{FF2B5EF4-FFF2-40B4-BE49-F238E27FC236}">
+                <a16:creationId xmlns:a16="http://schemas.microsoft.com/office/drawing/2014/main" id="{88F00899-B36D-4B26-B183-F1FFD9168CAF}"/>
+              </a:ext>
+            </a:extLst>
+          </p:cNvPr>
+          <p:cNvPicPr>
+            <a:picLocks noChangeAspect="1"/>
+          </p:cNvPicPr>
+          <p:nvPr/>
+        </p:nvPicPr>
+        <p:blipFill>
+          <a:blip r:embed="rId2"/>
+          <a:stretch>
+            <a:fillRect/>
+          </a:stretch>
+        </p:blipFill>
+        <p:spPr>
+          <a:xfrm>
+            <a:off x="900752" y="998308"/>
+            <a:ext cx="9833753" cy="5571067"/>
+          </a:xfrm>
+          <a:prstGeom prst="rect">
+            <a:avLst/>
+          </a:prstGeom>
+        </p:spPr>
+      </p:pic>
+      <p:sp>
+        <p:nvSpPr>
+          <p:cNvPr id="4" name="CuadroTexto 3">
+            <a:extLst>
+              <a:ext uri="{FF2B5EF4-FFF2-40B4-BE49-F238E27FC236}">
+                <a16:creationId xmlns:a16="http://schemas.microsoft.com/office/drawing/2014/main" id="{705F2ACD-0C38-4103-9343-37C4E976661F}"/>
+              </a:ext>
+            </a:extLst>
+          </p:cNvPr>
+          <p:cNvSpPr txBox="1"/>
+          <p:nvPr/>
+        </p:nvSpPr>
+        <p:spPr>
+          <a:xfrm>
+            <a:off x="3002507" y="382137"/>
+            <a:ext cx="2051524" cy="369332"/>
+          </a:xfrm>
+          <a:prstGeom prst="rect">
+            <a:avLst/>
+          </a:prstGeom>
+          <a:noFill/>
+        </p:spPr>
+        <p:txBody>
+          <a:bodyPr wrap="none" rtlCol="0">
+            <a:spAutoFit/>
+          </a:bodyPr>
+          <a:lstStyle/>
+          <a:p>
+            <a:r>
+              <a:rPr lang="es-AR" dirty="0"/>
+              <a:t>Detalle de Películas </a:t>
+            </a:r>
+          </a:p>
+        </p:txBody>
+      </p:sp>
+    </p:spTree>
+    <p:extLst>
+      <p:ext uri="{BB962C8B-B14F-4D97-AF65-F5344CB8AC3E}">
+        <p14:creationId xmlns:p14="http://schemas.microsoft.com/office/powerpoint/2010/main" val="3162153395"/>
+      </p:ext>
+    </p:extLst>
+  </p:cSld>
+  <p:clrMapOvr>
+    <a:masterClrMapping/>
+  </p:clrMapOvr>
+</p:sld>
+</file>
+
+<file path=ppt/slides/slide15.xml><?xml version="1.0" encoding="utf-8"?>
+<p:sld xmlns:a="http://schemas.openxmlformats.org/drawingml/2006/main" xmlns:r="http://schemas.openxmlformats.org/officeDocument/2006/relationships" xmlns:p="http://schemas.openxmlformats.org/presentationml/2006/main">
+  <p:cSld>
+    <p:spTree>
+      <p:nvGrpSpPr>
+        <p:cNvPr id="1" name=""/>
+        <p:cNvGrpSpPr/>
+        <p:nvPr/>
+      </p:nvGrpSpPr>
+      <p:grpSpPr>
+        <a:xfrm>
+          <a:off x="0" y="0"/>
+          <a:ext cx="0" cy="0"/>
+          <a:chOff x="0" y="0"/>
+          <a:chExt cx="0" cy="0"/>
+        </a:xfrm>
+      </p:grpSpPr>
+      <p:pic>
+        <p:nvPicPr>
+          <p:cNvPr id="3" name="Imagen 2">
+            <a:extLst>
+              <a:ext uri="{FF2B5EF4-FFF2-40B4-BE49-F238E27FC236}">
+                <a16:creationId xmlns:a16="http://schemas.microsoft.com/office/drawing/2014/main" id="{F6A7AD8F-A615-45F9-B89A-7517B4AA5538}"/>
+              </a:ext>
+            </a:extLst>
+          </p:cNvPr>
+          <p:cNvPicPr>
+            <a:picLocks noChangeAspect="1"/>
+          </p:cNvPicPr>
+          <p:nvPr/>
+        </p:nvPicPr>
+        <p:blipFill>
+          <a:blip r:embed="rId2"/>
+          <a:stretch>
+            <a:fillRect/>
+          </a:stretch>
+        </p:blipFill>
+        <p:spPr>
+          <a:xfrm>
+            <a:off x="585574" y="1047750"/>
+            <a:ext cx="10420350" cy="5810250"/>
+          </a:xfrm>
+          <a:prstGeom prst="rect">
+            <a:avLst/>
+          </a:prstGeom>
+        </p:spPr>
+      </p:pic>
+      <p:sp>
+        <p:nvSpPr>
+          <p:cNvPr id="4" name="CuadroTexto 3">
+            <a:extLst>
+              <a:ext uri="{FF2B5EF4-FFF2-40B4-BE49-F238E27FC236}">
+                <a16:creationId xmlns:a16="http://schemas.microsoft.com/office/drawing/2014/main" id="{A3CA2E2D-89F9-4B94-A27A-871068BEE70D}"/>
+              </a:ext>
+            </a:extLst>
+          </p:cNvPr>
+          <p:cNvSpPr txBox="1"/>
+          <p:nvPr/>
+        </p:nvSpPr>
+        <p:spPr>
+          <a:xfrm>
+            <a:off x="1255594" y="464024"/>
+            <a:ext cx="1922706" cy="369332"/>
+          </a:xfrm>
+          <a:prstGeom prst="rect">
+            <a:avLst/>
+          </a:prstGeom>
+          <a:noFill/>
+        </p:spPr>
+        <p:txBody>
+          <a:bodyPr wrap="none" rtlCol="0">
+            <a:spAutoFit/>
+          </a:bodyPr>
+          <a:lstStyle/>
+          <a:p>
+            <a:r>
+              <a:rPr lang="es-AR" dirty="0"/>
+              <a:t>Crear una  Película</a:t>
+            </a:r>
+          </a:p>
+        </p:txBody>
+      </p:sp>
+    </p:spTree>
+    <p:extLst>
+      <p:ext uri="{BB962C8B-B14F-4D97-AF65-F5344CB8AC3E}">
+        <p14:creationId xmlns:p14="http://schemas.microsoft.com/office/powerpoint/2010/main" val="3589268831"/>
+      </p:ext>
+    </p:extLst>
+  </p:cSld>
+  <p:clrMapOvr>
+    <a:masterClrMapping/>
+  </p:clrMapOvr>
+</p:sld>
+</file>
+
+<file path=ppt/slides/slide16.xml><?xml version="1.0" encoding="utf-8"?>
+<p:sld xmlns:a="http://schemas.openxmlformats.org/drawingml/2006/main" xmlns:r="http://schemas.openxmlformats.org/officeDocument/2006/relationships" xmlns:p="http://schemas.openxmlformats.org/presentationml/2006/main">
+  <p:cSld>
+    <p:spTree>
+      <p:nvGrpSpPr>
+        <p:cNvPr id="1" name=""/>
+        <p:cNvGrpSpPr/>
+        <p:nvPr/>
+      </p:nvGrpSpPr>
+      <p:grpSpPr>
+        <a:xfrm>
+          <a:off x="0" y="0"/>
+          <a:ext cx="0" cy="0"/>
+          <a:chOff x="0" y="0"/>
+          <a:chExt cx="0" cy="0"/>
+        </a:xfrm>
+      </p:grpSpPr>
+      <p:pic>
+        <p:nvPicPr>
+          <p:cNvPr id="3" name="Imagen 2">
+            <a:extLst>
+              <a:ext uri="{FF2B5EF4-FFF2-40B4-BE49-F238E27FC236}">
+                <a16:creationId xmlns:a16="http://schemas.microsoft.com/office/drawing/2014/main" id="{B9F9CE88-0A86-4335-B495-983F81944F7D}"/>
+              </a:ext>
+            </a:extLst>
+          </p:cNvPr>
+          <p:cNvPicPr>
+            <a:picLocks noChangeAspect="1"/>
+          </p:cNvPicPr>
+          <p:nvPr/>
+        </p:nvPicPr>
+        <p:blipFill>
+          <a:blip r:embed="rId2"/>
+          <a:stretch>
+            <a:fillRect/>
+          </a:stretch>
+        </p:blipFill>
+        <p:spPr>
+          <a:xfrm>
+            <a:off x="0" y="404446"/>
+            <a:ext cx="12192000" cy="6049108"/>
+          </a:xfrm>
+          <a:prstGeom prst="rect">
+            <a:avLst/>
+          </a:prstGeom>
+        </p:spPr>
+      </p:pic>
+    </p:spTree>
+    <p:extLst>
+      <p:ext uri="{BB962C8B-B14F-4D97-AF65-F5344CB8AC3E}">
+        <p14:creationId xmlns:p14="http://schemas.microsoft.com/office/powerpoint/2010/main" val="375852098"/>
+      </p:ext>
+    </p:extLst>
+  </p:cSld>
+  <p:clrMapOvr>
+    <a:masterClrMapping/>
+  </p:clrMapOvr>
+</p:sld>
+</file>
+
+<file path=ppt/slides/slide17.xml><?xml version="1.0" encoding="utf-8"?>
+<p:sld xmlns:a="http://schemas.openxmlformats.org/drawingml/2006/main" xmlns:r="http://schemas.openxmlformats.org/officeDocument/2006/relationships" xmlns:p="http://schemas.openxmlformats.org/presentationml/2006/main">
+  <p:cSld>
+    <p:spTree>
+      <p:nvGrpSpPr>
+        <p:cNvPr id="1" name=""/>
+        <p:cNvGrpSpPr/>
+        <p:nvPr/>
+      </p:nvGrpSpPr>
+      <p:grpSpPr>
+        <a:xfrm>
+          <a:off x="0" y="0"/>
+          <a:ext cx="0" cy="0"/>
+          <a:chOff x="0" y="0"/>
+          <a:chExt cx="0" cy="0"/>
+        </a:xfrm>
+      </p:grpSpPr>
+      <p:pic>
+        <p:nvPicPr>
+          <p:cNvPr id="3" name="Imagen 2">
+            <a:extLst>
+              <a:ext uri="{FF2B5EF4-FFF2-40B4-BE49-F238E27FC236}">
+                <a16:creationId xmlns:a16="http://schemas.microsoft.com/office/drawing/2014/main" id="{BCE33589-B3D1-40EF-9699-457AB1E7C464}"/>
+              </a:ext>
+            </a:extLst>
+          </p:cNvPr>
+          <p:cNvPicPr>
+            <a:picLocks noChangeAspect="1"/>
+          </p:cNvPicPr>
+          <p:nvPr/>
+        </p:nvPicPr>
+        <p:blipFill>
+          <a:blip r:embed="rId2"/>
+          <a:stretch>
+            <a:fillRect/>
+          </a:stretch>
+        </p:blipFill>
+        <p:spPr>
+          <a:xfrm>
+            <a:off x="619125" y="947737"/>
+            <a:ext cx="10953750" cy="4962525"/>
+          </a:xfrm>
+          <a:prstGeom prst="rect">
+            <a:avLst/>
+          </a:prstGeom>
+        </p:spPr>
+      </p:pic>
+    </p:spTree>
+    <p:extLst>
+      <p:ext uri="{BB962C8B-B14F-4D97-AF65-F5344CB8AC3E}">
+        <p14:creationId xmlns:p14="http://schemas.microsoft.com/office/powerpoint/2010/main" val="3305716933"/>
+      </p:ext>
+    </p:extLst>
+  </p:cSld>
+  <p:clrMapOvr>
+    <a:masterClrMapping/>
+  </p:clrMapOvr>
+</p:sld>
+</file>
+
+<file path=ppt/slides/slide18.xml><?xml version="1.0" encoding="utf-8"?>
+<p:sld xmlns:a="http://schemas.openxmlformats.org/drawingml/2006/main" xmlns:r="http://schemas.openxmlformats.org/officeDocument/2006/relationships" xmlns:p="http://schemas.openxmlformats.org/presentationml/2006/main">
+  <p:cSld>
+    <p:spTree>
+      <p:nvGrpSpPr>
+        <p:cNvPr id="1" name=""/>
+        <p:cNvGrpSpPr/>
+        <p:nvPr/>
+      </p:nvGrpSpPr>
+      <p:grpSpPr>
+        <a:xfrm>
+          <a:off x="0" y="0"/>
+          <a:ext cx="0" cy="0"/>
+          <a:chOff x="0" y="0"/>
+          <a:chExt cx="0" cy="0"/>
+        </a:xfrm>
+      </p:grpSpPr>
+      <p:pic>
+        <p:nvPicPr>
+          <p:cNvPr id="3" name="Imagen 2">
+            <a:extLst>
+              <a:ext uri="{FF2B5EF4-FFF2-40B4-BE49-F238E27FC236}">
+                <a16:creationId xmlns:a16="http://schemas.microsoft.com/office/drawing/2014/main" id="{4D51A6D0-1261-43E7-A38D-87FE202C736C}"/>
+              </a:ext>
+            </a:extLst>
+          </p:cNvPr>
+          <p:cNvPicPr>
+            <a:picLocks noChangeAspect="1"/>
+          </p:cNvPicPr>
+          <p:nvPr/>
+        </p:nvPicPr>
+        <p:blipFill>
+          <a:blip r:embed="rId2"/>
+          <a:stretch>
+            <a:fillRect/>
+          </a:stretch>
+        </p:blipFill>
+        <p:spPr>
+          <a:xfrm>
+            <a:off x="175218" y="349653"/>
+            <a:ext cx="6235851" cy="3512663"/>
+          </a:xfrm>
+          <a:prstGeom prst="rect">
+            <a:avLst/>
+          </a:prstGeom>
+        </p:spPr>
+      </p:pic>
+      <p:pic>
+        <p:nvPicPr>
+          <p:cNvPr id="5" name="Imagen 4">
+            <a:extLst>
+              <a:ext uri="{FF2B5EF4-FFF2-40B4-BE49-F238E27FC236}">
+                <a16:creationId xmlns:a16="http://schemas.microsoft.com/office/drawing/2014/main" id="{14A7B427-DB1A-4B97-8603-E9F60C27ADB3}"/>
+              </a:ext>
+            </a:extLst>
+          </p:cNvPr>
+          <p:cNvPicPr>
+            <a:picLocks noChangeAspect="1"/>
+          </p:cNvPicPr>
+          <p:nvPr/>
+        </p:nvPicPr>
+        <p:blipFill>
+          <a:blip r:embed="rId3"/>
+          <a:stretch>
+            <a:fillRect/>
+          </a:stretch>
+        </p:blipFill>
+        <p:spPr>
+          <a:xfrm>
+            <a:off x="3854546" y="3277771"/>
+            <a:ext cx="8005543" cy="3387383"/>
+          </a:xfrm>
+          <a:prstGeom prst="rect">
+            <a:avLst/>
+          </a:prstGeom>
+        </p:spPr>
+      </p:pic>
+      <p:sp>
+        <p:nvSpPr>
+          <p:cNvPr id="6" name="CuadroTexto 5">
+            <a:extLst>
+              <a:ext uri="{FF2B5EF4-FFF2-40B4-BE49-F238E27FC236}">
+                <a16:creationId xmlns:a16="http://schemas.microsoft.com/office/drawing/2014/main" id="{5BACF026-C2F9-4387-94ED-8E28F6736EA0}"/>
+              </a:ext>
+            </a:extLst>
+          </p:cNvPr>
+          <p:cNvSpPr txBox="1"/>
+          <p:nvPr/>
+        </p:nvSpPr>
+        <p:spPr>
+          <a:xfrm>
+            <a:off x="7629099" y="982639"/>
+            <a:ext cx="2266839" cy="369332"/>
+          </a:xfrm>
+          <a:prstGeom prst="rect">
+            <a:avLst/>
+          </a:prstGeom>
+          <a:noFill/>
+        </p:spPr>
+        <p:txBody>
+          <a:bodyPr wrap="none" rtlCol="0">
+            <a:spAutoFit/>
+          </a:bodyPr>
+          <a:lstStyle/>
+          <a:p>
+            <a:r>
+              <a:rPr lang="es-AR" dirty="0"/>
+              <a:t>Modificar una Película</a:t>
+            </a:r>
+          </a:p>
+        </p:txBody>
+      </p:sp>
+    </p:spTree>
+    <p:extLst>
+      <p:ext uri="{BB962C8B-B14F-4D97-AF65-F5344CB8AC3E}">
+        <p14:creationId xmlns:p14="http://schemas.microsoft.com/office/powerpoint/2010/main" val="4003482248"/>
+      </p:ext>
+    </p:extLst>
+  </p:cSld>
+  <p:clrMapOvr>
+    <a:masterClrMapping/>
+  </p:clrMapOvr>
+</p:sld>
+</file>
+
+<file path=ppt/slides/slide19.xml><?xml version="1.0" encoding="utf-8"?>
+<p:sld xmlns:a="http://schemas.openxmlformats.org/drawingml/2006/main" xmlns:r="http://schemas.openxmlformats.org/officeDocument/2006/relationships" xmlns:p="http://schemas.openxmlformats.org/presentationml/2006/main">
+  <p:cSld>
+    <p:spTree>
+      <p:nvGrpSpPr>
+        <p:cNvPr id="1" name=""/>
+        <p:cNvGrpSpPr/>
+        <p:nvPr/>
+      </p:nvGrpSpPr>
+      <p:grpSpPr>
+        <a:xfrm>
+          <a:off x="0" y="0"/>
+          <a:ext cx="0" cy="0"/>
+          <a:chOff x="0" y="0"/>
+          <a:chExt cx="0" cy="0"/>
+        </a:xfrm>
+      </p:grpSpPr>
+      <p:pic>
+        <p:nvPicPr>
+          <p:cNvPr id="3" name="Imagen 2">
+            <a:extLst>
+              <a:ext uri="{FF2B5EF4-FFF2-40B4-BE49-F238E27FC236}">
+                <a16:creationId xmlns:a16="http://schemas.microsoft.com/office/drawing/2014/main" id="{81CE5C37-8485-4384-92DA-A99E19C7F5E7}"/>
+              </a:ext>
+            </a:extLst>
+          </p:cNvPr>
+          <p:cNvPicPr>
+            <a:picLocks noChangeAspect="1"/>
+          </p:cNvPicPr>
+          <p:nvPr/>
+        </p:nvPicPr>
+        <p:blipFill>
+          <a:blip r:embed="rId2"/>
+          <a:stretch>
+            <a:fillRect/>
+          </a:stretch>
+        </p:blipFill>
+        <p:spPr>
+          <a:xfrm>
+            <a:off x="322385" y="1038225"/>
+            <a:ext cx="11125200" cy="5819775"/>
+          </a:xfrm>
+          <a:prstGeom prst="rect">
+            <a:avLst/>
+          </a:prstGeom>
+        </p:spPr>
+      </p:pic>
+      <p:sp>
+        <p:nvSpPr>
+          <p:cNvPr id="4" name="CuadroTexto 3">
+            <a:extLst>
+              <a:ext uri="{FF2B5EF4-FFF2-40B4-BE49-F238E27FC236}">
+                <a16:creationId xmlns:a16="http://schemas.microsoft.com/office/drawing/2014/main" id="{46B819AE-39A4-4B09-86B1-CDA65F230F10}"/>
+              </a:ext>
+            </a:extLst>
+          </p:cNvPr>
+          <p:cNvSpPr txBox="1"/>
+          <p:nvPr/>
+        </p:nvSpPr>
+        <p:spPr>
+          <a:xfrm>
+            <a:off x="1419367" y="450376"/>
+            <a:ext cx="1956241" cy="369332"/>
+          </a:xfrm>
+          <a:prstGeom prst="rect">
+            <a:avLst/>
+          </a:prstGeom>
+          <a:noFill/>
+        </p:spPr>
+        <p:txBody>
+          <a:bodyPr wrap="none" rtlCol="0">
+            <a:spAutoFit/>
+          </a:bodyPr>
+          <a:lstStyle/>
+          <a:p>
+            <a:r>
+              <a:rPr lang="es-AR" dirty="0"/>
+              <a:t>Borrar una Película</a:t>
+            </a:r>
+          </a:p>
+        </p:txBody>
+      </p:sp>
+    </p:spTree>
+    <p:extLst>
+      <p:ext uri="{BB962C8B-B14F-4D97-AF65-F5344CB8AC3E}">
+        <p14:creationId xmlns:p14="http://schemas.microsoft.com/office/powerpoint/2010/main" val="2931248226"/>
+      </p:ext>
+    </p:extLst>
+  </p:cSld>
+  <p:clrMapOvr>
+    <a:masterClrMapping/>
+  </p:clrMapOvr>
+</p:sld>
+</file>
+
+<file path=ppt/slides/slide2.xml><?xml version="1.0" encoding="utf-8"?>
+<p:sld xmlns:a="http://schemas.openxmlformats.org/drawingml/2006/main" xmlns:r="http://schemas.openxmlformats.org/officeDocument/2006/relationships" xmlns:p="http://schemas.openxmlformats.org/presentationml/2006/main">
+  <p:cSld>
+    <p:spTree>
+      <p:nvGrpSpPr>
+        <p:cNvPr id="1" name=""/>
+        <p:cNvGrpSpPr/>
+        <p:nvPr/>
+      </p:nvGrpSpPr>
+      <p:grpSpPr>
+        <a:xfrm>
+          <a:off x="0" y="0"/>
+          <a:ext cx="0" cy="0"/>
+          <a:chOff x="0" y="0"/>
+          <a:chExt cx="0" cy="0"/>
+        </a:xfrm>
+      </p:grpSpPr>
+      <p:pic>
+        <p:nvPicPr>
+          <p:cNvPr id="3" name="Imagen 2">
+            <a:extLst>
+              <a:ext uri="{FF2B5EF4-FFF2-40B4-BE49-F238E27FC236}">
+                <a16:creationId xmlns:a16="http://schemas.microsoft.com/office/drawing/2014/main" id="{867B6689-C8AB-45F7-B98F-479063B06584}"/>
+              </a:ext>
+            </a:extLst>
+          </p:cNvPr>
+          <p:cNvPicPr>
+            <a:picLocks noChangeAspect="1"/>
+          </p:cNvPicPr>
+          <p:nvPr/>
+        </p:nvPicPr>
+        <p:blipFill>
+          <a:blip r:embed="rId2"/>
+          <a:stretch>
+            <a:fillRect/>
+          </a:stretch>
+        </p:blipFill>
+        <p:spPr>
+          <a:xfrm>
+            <a:off x="0" y="1378424"/>
+            <a:ext cx="12192000" cy="5311334"/>
+          </a:xfrm>
+          <a:prstGeom prst="rect">
+            <a:avLst/>
+          </a:prstGeom>
+        </p:spPr>
+      </p:pic>
+      <p:pic>
+        <p:nvPicPr>
+          <p:cNvPr id="4" name="Imagen 3">
+            <a:extLst>
+              <a:ext uri="{FF2B5EF4-FFF2-40B4-BE49-F238E27FC236}">
+                <a16:creationId xmlns:a16="http://schemas.microsoft.com/office/drawing/2014/main" id="{EE37B398-CAB8-4294-9BD1-845C771A56BB}"/>
+              </a:ext>
+            </a:extLst>
+          </p:cNvPr>
+          <p:cNvPicPr>
+            <a:picLocks noChangeAspect="1"/>
+          </p:cNvPicPr>
+          <p:nvPr/>
+        </p:nvPicPr>
+        <p:blipFill>
+          <a:blip r:embed="rId3"/>
+          <a:stretch>
+            <a:fillRect/>
+          </a:stretch>
+        </p:blipFill>
+        <p:spPr>
+          <a:xfrm>
+            <a:off x="2835108" y="168242"/>
+            <a:ext cx="4916820" cy="981075"/>
+          </a:xfrm>
+          <a:prstGeom prst="rect">
+            <a:avLst/>
+          </a:prstGeom>
+        </p:spPr>
+      </p:pic>
+    </p:spTree>
+    <p:extLst>
+      <p:ext uri="{BB962C8B-B14F-4D97-AF65-F5344CB8AC3E}">
+        <p14:creationId xmlns:p14="http://schemas.microsoft.com/office/powerpoint/2010/main" val="3562083218"/>
+      </p:ext>
+    </p:extLst>
+  </p:cSld>
+  <p:clrMapOvr>
+    <a:masterClrMapping/>
+  </p:clrMapOvr>
+</p:sld>
+</file>
+
+<file path=ppt/slides/slide20.xml><?xml version="1.0" encoding="utf-8"?>
+<p:sld xmlns:a="http://schemas.openxmlformats.org/drawingml/2006/main" xmlns:r="http://schemas.openxmlformats.org/officeDocument/2006/relationships" xmlns:p="http://schemas.openxmlformats.org/presentationml/2006/main">
+  <p:cSld>
+    <p:spTree>
+      <p:nvGrpSpPr>
+        <p:cNvPr id="1" name=""/>
+        <p:cNvGrpSpPr/>
+        <p:nvPr/>
+      </p:nvGrpSpPr>
+      <p:grpSpPr>
+        <a:xfrm>
+          <a:off x="0" y="0"/>
+          <a:ext cx="0" cy="0"/>
+          <a:chOff x="0" y="0"/>
+          <a:chExt cx="0" cy="0"/>
+        </a:xfrm>
+      </p:grpSpPr>
+      <p:pic>
+        <p:nvPicPr>
+          <p:cNvPr id="3" name="Imagen 2">
+            <a:extLst>
+              <a:ext uri="{FF2B5EF4-FFF2-40B4-BE49-F238E27FC236}">
+                <a16:creationId xmlns:a16="http://schemas.microsoft.com/office/drawing/2014/main" id="{C12AF54F-BFEB-421A-AFA0-AD3D4CA8E95C}"/>
+              </a:ext>
+            </a:extLst>
+          </p:cNvPr>
+          <p:cNvPicPr>
+            <a:picLocks noChangeAspect="1"/>
+          </p:cNvPicPr>
+          <p:nvPr/>
+        </p:nvPicPr>
+        <p:blipFill>
+          <a:blip r:embed="rId2"/>
+          <a:stretch>
+            <a:fillRect/>
+          </a:stretch>
+        </p:blipFill>
+        <p:spPr>
+          <a:xfrm>
+            <a:off x="1019175" y="1866900"/>
+            <a:ext cx="10153650" cy="3124200"/>
+          </a:xfrm>
+          <a:prstGeom prst="rect">
+            <a:avLst/>
+          </a:prstGeom>
+        </p:spPr>
+      </p:pic>
+    </p:spTree>
+    <p:extLst>
+      <p:ext uri="{BB962C8B-B14F-4D97-AF65-F5344CB8AC3E}">
+        <p14:creationId xmlns:p14="http://schemas.microsoft.com/office/powerpoint/2010/main" val="2399242745"/>
+      </p:ext>
+    </p:extLst>
+  </p:cSld>
+  <p:clrMapOvr>
+    <a:masterClrMapping/>
+  </p:clrMapOvr>
+</p:sld>
+</file>
+
+<file path=ppt/slides/slide21.xml><?xml version="1.0" encoding="utf-8"?>
+<p:sld xmlns:a="http://schemas.openxmlformats.org/drawingml/2006/main" xmlns:r="http://schemas.openxmlformats.org/officeDocument/2006/relationships" xmlns:p="http://schemas.openxmlformats.org/presentationml/2006/main">
+  <p:cSld>
+    <p:spTree>
+      <p:nvGrpSpPr>
+        <p:cNvPr id="1" name=""/>
+        <p:cNvGrpSpPr/>
+        <p:nvPr/>
+      </p:nvGrpSpPr>
+      <p:grpSpPr>
+        <a:xfrm>
+          <a:off x="0" y="0"/>
+          <a:ext cx="0" cy="0"/>
+          <a:chOff x="0" y="0"/>
+          <a:chExt cx="0" cy="0"/>
+        </a:xfrm>
+      </p:grpSpPr>
+      <p:sp>
+        <p:nvSpPr>
+          <p:cNvPr id="4" name="CuadroTexto 3">
+            <a:extLst>
+              <a:ext uri="{FF2B5EF4-FFF2-40B4-BE49-F238E27FC236}">
+                <a16:creationId xmlns:a16="http://schemas.microsoft.com/office/drawing/2014/main" id="{DF8945D5-40CF-4CDA-8551-A608C27F2669}"/>
+              </a:ext>
+            </a:extLst>
+          </p:cNvPr>
+          <p:cNvSpPr txBox="1"/>
+          <p:nvPr/>
+        </p:nvSpPr>
+        <p:spPr>
+          <a:xfrm>
+            <a:off x="1241946" y="409433"/>
+            <a:ext cx="3987823" cy="369332"/>
+          </a:xfrm>
+          <a:prstGeom prst="rect">
+            <a:avLst/>
+          </a:prstGeom>
+          <a:noFill/>
+        </p:spPr>
+        <p:txBody>
+          <a:bodyPr wrap="none" rtlCol="0">
+            <a:spAutoFit/>
+          </a:bodyPr>
+          <a:lstStyle/>
+          <a:p>
+            <a:r>
+              <a:rPr lang="es-AR" dirty="0"/>
+              <a:t>Buscar por Query una  película por titulo</a:t>
+            </a:r>
+          </a:p>
+        </p:txBody>
+      </p:sp>
+      <p:pic>
+        <p:nvPicPr>
+          <p:cNvPr id="3" name="Imagen 2">
+            <a:extLst>
+              <a:ext uri="{FF2B5EF4-FFF2-40B4-BE49-F238E27FC236}">
+                <a16:creationId xmlns:a16="http://schemas.microsoft.com/office/drawing/2014/main" id="{BC5F9363-75C8-4A57-99CA-1A3AE8F24F0F}"/>
+              </a:ext>
+            </a:extLst>
+          </p:cNvPr>
+          <p:cNvPicPr>
+            <a:picLocks noChangeAspect="1"/>
+          </p:cNvPicPr>
+          <p:nvPr/>
+        </p:nvPicPr>
+        <p:blipFill>
+          <a:blip r:embed="rId2"/>
+          <a:stretch>
+            <a:fillRect/>
+          </a:stretch>
+        </p:blipFill>
+        <p:spPr>
+          <a:xfrm>
+            <a:off x="518615" y="971550"/>
+            <a:ext cx="11327642" cy="5674910"/>
+          </a:xfrm>
+          <a:prstGeom prst="rect">
+            <a:avLst/>
+          </a:prstGeom>
+        </p:spPr>
+      </p:pic>
+    </p:spTree>
+    <p:extLst>
+      <p:ext uri="{BB962C8B-B14F-4D97-AF65-F5344CB8AC3E}">
+        <p14:creationId xmlns:p14="http://schemas.microsoft.com/office/powerpoint/2010/main" val="179736163"/>
+      </p:ext>
+    </p:extLst>
+  </p:cSld>
+  <p:clrMapOvr>
+    <a:masterClrMapping/>
+  </p:clrMapOvr>
+</p:sld>
+</file>
+
+<file path=ppt/slides/slide22.xml><?xml version="1.0" encoding="utf-8"?>
+<p:sld xmlns:a="http://schemas.openxmlformats.org/drawingml/2006/main" xmlns:r="http://schemas.openxmlformats.org/officeDocument/2006/relationships" xmlns:p="http://schemas.openxmlformats.org/presentationml/2006/main">
+  <p:cSld>
+    <p:spTree>
+      <p:nvGrpSpPr>
+        <p:cNvPr id="1" name=""/>
+        <p:cNvGrpSpPr/>
+        <p:nvPr/>
+      </p:nvGrpSpPr>
+      <p:grpSpPr>
+        <a:xfrm>
+          <a:off x="0" y="0"/>
+          <a:ext cx="0" cy="0"/>
+          <a:chOff x="0" y="0"/>
+          <a:chExt cx="0" cy="0"/>
+        </a:xfrm>
+      </p:grpSpPr>
+      <p:sp>
+        <p:nvSpPr>
+          <p:cNvPr id="6" name="CuadroTexto 5">
+            <a:extLst>
+              <a:ext uri="{FF2B5EF4-FFF2-40B4-BE49-F238E27FC236}">
+                <a16:creationId xmlns:a16="http://schemas.microsoft.com/office/drawing/2014/main" id="{5605DA39-FDF8-4C44-BCBC-47006E9B4706}"/>
+              </a:ext>
+            </a:extLst>
+          </p:cNvPr>
+          <p:cNvSpPr txBox="1"/>
+          <p:nvPr/>
+        </p:nvSpPr>
+        <p:spPr>
+          <a:xfrm>
+            <a:off x="1310185" y="409433"/>
+            <a:ext cx="4195379" cy="369332"/>
+          </a:xfrm>
+          <a:prstGeom prst="rect">
+            <a:avLst/>
+          </a:prstGeom>
+          <a:noFill/>
+        </p:spPr>
+        <p:txBody>
+          <a:bodyPr wrap="none" rtlCol="0">
+            <a:spAutoFit/>
+          </a:bodyPr>
+          <a:lstStyle/>
+          <a:p>
+            <a:r>
+              <a:rPr lang="es-AR" dirty="0"/>
+              <a:t>Buscar por Query una  película por genero </a:t>
+            </a:r>
+          </a:p>
+        </p:txBody>
+      </p:sp>
+      <p:pic>
+        <p:nvPicPr>
+          <p:cNvPr id="3" name="Imagen 2">
+            <a:extLst>
+              <a:ext uri="{FF2B5EF4-FFF2-40B4-BE49-F238E27FC236}">
+                <a16:creationId xmlns:a16="http://schemas.microsoft.com/office/drawing/2014/main" id="{D0AA576B-2A3E-4F71-AE29-5EBCF01D80AF}"/>
+              </a:ext>
+            </a:extLst>
+          </p:cNvPr>
+          <p:cNvPicPr>
+            <a:picLocks noChangeAspect="1"/>
+          </p:cNvPicPr>
+          <p:nvPr/>
+        </p:nvPicPr>
+        <p:blipFill>
+          <a:blip r:embed="rId2"/>
+          <a:stretch>
+            <a:fillRect/>
+          </a:stretch>
+        </p:blipFill>
+        <p:spPr>
+          <a:xfrm>
+            <a:off x="395785" y="1038224"/>
+            <a:ext cx="11409528" cy="5567291"/>
+          </a:xfrm>
+          <a:prstGeom prst="rect">
+            <a:avLst/>
+          </a:prstGeom>
+        </p:spPr>
+      </p:pic>
+    </p:spTree>
+    <p:extLst>
+      <p:ext uri="{BB962C8B-B14F-4D97-AF65-F5344CB8AC3E}">
+        <p14:creationId xmlns:p14="http://schemas.microsoft.com/office/powerpoint/2010/main" val="331663225"/>
+      </p:ext>
+    </p:extLst>
+  </p:cSld>
+  <p:clrMapOvr>
+    <a:masterClrMapping/>
+  </p:clrMapOvr>
+</p:sld>
+</file>
+
+<file path=ppt/slides/slide23.xml><?xml version="1.0" encoding="utf-8"?>
+<p:sld xmlns:a="http://schemas.openxmlformats.org/drawingml/2006/main" xmlns:r="http://schemas.openxmlformats.org/officeDocument/2006/relationships" xmlns:p="http://schemas.openxmlformats.org/presentationml/2006/main">
+  <p:cSld>
+    <p:spTree>
+      <p:nvGrpSpPr>
+        <p:cNvPr id="1" name=""/>
+        <p:cNvGrpSpPr/>
+        <p:nvPr/>
+      </p:nvGrpSpPr>
+      <p:grpSpPr>
+        <a:xfrm>
+          <a:off x="0" y="0"/>
+          <a:ext cx="0" cy="0"/>
+          <a:chOff x="0" y="0"/>
+          <a:chExt cx="0" cy="0"/>
+        </a:xfrm>
+      </p:grpSpPr>
+      <p:sp>
+        <p:nvSpPr>
+          <p:cNvPr id="4" name="CuadroTexto 3">
+            <a:extLst>
+              <a:ext uri="{FF2B5EF4-FFF2-40B4-BE49-F238E27FC236}">
+                <a16:creationId xmlns:a16="http://schemas.microsoft.com/office/drawing/2014/main" id="{6A2088A7-C3E6-46D8-ADD7-D123B31CA642}"/>
+              </a:ext>
+            </a:extLst>
+          </p:cNvPr>
+          <p:cNvSpPr txBox="1"/>
+          <p:nvPr/>
+        </p:nvSpPr>
+        <p:spPr>
+          <a:xfrm>
+            <a:off x="3474720" y="267286"/>
+            <a:ext cx="5666679" cy="369332"/>
+          </a:xfrm>
+          <a:prstGeom prst="rect">
+            <a:avLst/>
+          </a:prstGeom>
+          <a:noFill/>
+        </p:spPr>
+        <p:txBody>
+          <a:bodyPr wrap="none" rtlCol="0">
+            <a:spAutoFit/>
+          </a:bodyPr>
+          <a:lstStyle/>
+          <a:p>
+            <a:r>
+              <a:rPr lang="es-AR" dirty="0"/>
+              <a:t>Filtro por Query  Ordenar  películas  Asc y Desc  por fecha  </a:t>
+            </a:r>
+          </a:p>
+        </p:txBody>
+      </p:sp>
+      <p:pic>
+        <p:nvPicPr>
+          <p:cNvPr id="3" name="Imagen 2">
+            <a:extLst>
+              <a:ext uri="{FF2B5EF4-FFF2-40B4-BE49-F238E27FC236}">
+                <a16:creationId xmlns:a16="http://schemas.microsoft.com/office/drawing/2014/main" id="{B010DD3D-ABE1-421D-86F1-2C4FC27BF30E}"/>
+              </a:ext>
+            </a:extLst>
+          </p:cNvPr>
+          <p:cNvPicPr>
+            <a:picLocks noChangeAspect="1"/>
+          </p:cNvPicPr>
+          <p:nvPr/>
+        </p:nvPicPr>
+        <p:blipFill>
+          <a:blip r:embed="rId2"/>
+          <a:stretch>
+            <a:fillRect/>
+          </a:stretch>
+        </p:blipFill>
+        <p:spPr>
+          <a:xfrm>
+            <a:off x="1061030" y="1038852"/>
+            <a:ext cx="9447746" cy="5551862"/>
+          </a:xfrm>
+          <a:prstGeom prst="rect">
+            <a:avLst/>
+          </a:prstGeom>
+        </p:spPr>
+      </p:pic>
+      <p:sp>
+        <p:nvSpPr>
+          <p:cNvPr id="5" name="CuadroTexto 4">
+            <a:extLst>
+              <a:ext uri="{FF2B5EF4-FFF2-40B4-BE49-F238E27FC236}">
+                <a16:creationId xmlns:a16="http://schemas.microsoft.com/office/drawing/2014/main" id="{80D87C1C-0BA8-4BDE-9BAD-AE2EB1CED104}"/>
+              </a:ext>
+            </a:extLst>
+          </p:cNvPr>
+          <p:cNvSpPr txBox="1"/>
+          <p:nvPr/>
+        </p:nvSpPr>
+        <p:spPr>
+          <a:xfrm>
+            <a:off x="6237027" y="5836208"/>
+            <a:ext cx="4657878" cy="369332"/>
+          </a:xfrm>
+          <a:prstGeom prst="rect">
+            <a:avLst/>
+          </a:prstGeom>
+          <a:noFill/>
+        </p:spPr>
+        <p:txBody>
+          <a:bodyPr wrap="none" rtlCol="0">
+            <a:spAutoFit/>
+          </a:bodyPr>
+          <a:lstStyle/>
+          <a:p>
+            <a:r>
+              <a:rPr lang="es-AR" dirty="0"/>
+              <a:t>Orden  normal (en sig. pagina  se aplica el filtro)</a:t>
+            </a:r>
+          </a:p>
+        </p:txBody>
+      </p:sp>
+    </p:spTree>
+    <p:extLst>
+      <p:ext uri="{BB962C8B-B14F-4D97-AF65-F5344CB8AC3E}">
+        <p14:creationId xmlns:p14="http://schemas.microsoft.com/office/powerpoint/2010/main" val="1045704317"/>
+      </p:ext>
+    </p:extLst>
+  </p:cSld>
+  <p:clrMapOvr>
+    <a:masterClrMapping/>
+  </p:clrMapOvr>
+</p:sld>
+</file>
+
+<file path=ppt/slides/slide24.xml><?xml version="1.0" encoding="utf-8"?>
+<p:sld xmlns:a="http://schemas.openxmlformats.org/drawingml/2006/main" xmlns:r="http://schemas.openxmlformats.org/officeDocument/2006/relationships" xmlns:p="http://schemas.openxmlformats.org/presentationml/2006/main">
+  <p:cSld>
+    <p:spTree>
+      <p:nvGrpSpPr>
+        <p:cNvPr id="1" name=""/>
+        <p:cNvGrpSpPr/>
+        <p:nvPr/>
+      </p:nvGrpSpPr>
+      <p:grpSpPr>
+        <a:xfrm>
+          <a:off x="0" y="0"/>
+          <a:ext cx="0" cy="0"/>
+          <a:chOff x="0" y="0"/>
+          <a:chExt cx="0" cy="0"/>
+        </a:xfrm>
+      </p:grpSpPr>
+      <p:pic>
+        <p:nvPicPr>
+          <p:cNvPr id="3" name="Imagen 2">
+            <a:extLst>
+              <a:ext uri="{FF2B5EF4-FFF2-40B4-BE49-F238E27FC236}">
+                <a16:creationId xmlns:a16="http://schemas.microsoft.com/office/drawing/2014/main" id="{5C7F3DAB-4155-4B6E-9D45-57E86CDB16E3}"/>
+              </a:ext>
+            </a:extLst>
+          </p:cNvPr>
+          <p:cNvPicPr>
+            <a:picLocks noChangeAspect="1"/>
+          </p:cNvPicPr>
+          <p:nvPr/>
+        </p:nvPicPr>
+        <p:blipFill>
+          <a:blip r:embed="rId2"/>
+          <a:stretch>
+            <a:fillRect/>
+          </a:stretch>
+        </p:blipFill>
+        <p:spPr>
+          <a:xfrm>
+            <a:off x="409433" y="300250"/>
+            <a:ext cx="11546006" cy="6196083"/>
+          </a:xfrm>
+          <a:prstGeom prst="rect">
+            <a:avLst/>
+          </a:prstGeom>
+        </p:spPr>
+      </p:pic>
+    </p:spTree>
+    <p:extLst>
+      <p:ext uri="{BB962C8B-B14F-4D97-AF65-F5344CB8AC3E}">
+        <p14:creationId xmlns:p14="http://schemas.microsoft.com/office/powerpoint/2010/main" val="3679966145"/>
+      </p:ext>
+    </p:extLst>
+  </p:cSld>
+  <p:clrMapOvr>
+    <a:masterClrMapping/>
+  </p:clrMapOvr>
+</p:sld>
+</file>
+
+<file path=ppt/slides/slide25.xml><?xml version="1.0" encoding="utf-8"?>
+<p:sld xmlns:a="http://schemas.openxmlformats.org/drawingml/2006/main" xmlns:r="http://schemas.openxmlformats.org/officeDocument/2006/relationships" xmlns:p="http://schemas.openxmlformats.org/presentationml/2006/main">
+  <p:cSld>
+    <p:spTree>
+      <p:nvGrpSpPr>
+        <p:cNvPr id="1" name=""/>
+        <p:cNvGrpSpPr/>
+        <p:nvPr/>
+      </p:nvGrpSpPr>
+      <p:grpSpPr>
+        <a:xfrm>
+          <a:off x="0" y="0"/>
+          <a:ext cx="0" cy="0"/>
+          <a:chOff x="0" y="0"/>
+          <a:chExt cx="0" cy="0"/>
+        </a:xfrm>
+      </p:grpSpPr>
+      <p:pic>
+        <p:nvPicPr>
+          <p:cNvPr id="3" name="Imagen 2">
+            <a:extLst>
+              <a:ext uri="{FF2B5EF4-FFF2-40B4-BE49-F238E27FC236}">
+                <a16:creationId xmlns:a16="http://schemas.microsoft.com/office/drawing/2014/main" id="{9F263F73-4CD7-46FC-BA7B-571C3FA07068}"/>
+              </a:ext>
+            </a:extLst>
+          </p:cNvPr>
+          <p:cNvPicPr>
+            <a:picLocks noChangeAspect="1"/>
+          </p:cNvPicPr>
+          <p:nvPr/>
+        </p:nvPicPr>
+        <p:blipFill>
+          <a:blip r:embed="rId2"/>
+          <a:stretch>
+            <a:fillRect/>
+          </a:stretch>
+        </p:blipFill>
+        <p:spPr>
+          <a:xfrm>
+            <a:off x="1271629" y="960957"/>
+            <a:ext cx="8582025" cy="5800725"/>
+          </a:xfrm>
+          <a:prstGeom prst="rect">
+            <a:avLst/>
+          </a:prstGeom>
+        </p:spPr>
+      </p:pic>
+      <p:sp>
+        <p:nvSpPr>
+          <p:cNvPr id="4" name="CuadroTexto 3">
+            <a:extLst>
+              <a:ext uri="{FF2B5EF4-FFF2-40B4-BE49-F238E27FC236}">
+                <a16:creationId xmlns:a16="http://schemas.microsoft.com/office/drawing/2014/main" id="{F48943D5-B308-4AD8-A2D6-D9AC1A4DA7FA}"/>
+              </a:ext>
+            </a:extLst>
+          </p:cNvPr>
+          <p:cNvSpPr txBox="1"/>
+          <p:nvPr/>
+        </p:nvSpPr>
+        <p:spPr>
+          <a:xfrm>
+            <a:off x="4681182" y="382137"/>
+            <a:ext cx="881460" cy="369332"/>
+          </a:xfrm>
+          <a:prstGeom prst="rect">
+            <a:avLst/>
+          </a:prstGeom>
+          <a:noFill/>
+        </p:spPr>
+        <p:txBody>
+          <a:bodyPr wrap="none" rtlCol="0">
+            <a:spAutoFit/>
+          </a:bodyPr>
+          <a:lstStyle/>
+          <a:p>
+            <a:r>
+              <a:rPr lang="es-AR" dirty="0"/>
+              <a:t>Genero</a:t>
+            </a:r>
+          </a:p>
+        </p:txBody>
+      </p:sp>
+      <p:sp>
+        <p:nvSpPr>
+          <p:cNvPr id="5" name="CuadroTexto 4">
+            <a:extLst>
+              <a:ext uri="{FF2B5EF4-FFF2-40B4-BE49-F238E27FC236}">
+                <a16:creationId xmlns:a16="http://schemas.microsoft.com/office/drawing/2014/main" id="{189F55F1-783C-47A2-B2CD-FAB2C76F5882}"/>
+              </a:ext>
+            </a:extLst>
+          </p:cNvPr>
+          <p:cNvSpPr txBox="1"/>
+          <p:nvPr/>
+        </p:nvSpPr>
+        <p:spPr>
+          <a:xfrm>
+            <a:off x="1341021" y="671547"/>
+            <a:ext cx="1994649" cy="369332"/>
+          </a:xfrm>
+          <a:prstGeom prst="rect">
+            <a:avLst/>
+          </a:prstGeom>
+          <a:noFill/>
+        </p:spPr>
+        <p:txBody>
+          <a:bodyPr wrap="none" rtlCol="0">
+            <a:spAutoFit/>
+          </a:bodyPr>
+          <a:lstStyle/>
+          <a:p>
+            <a:r>
+              <a:rPr lang="es-AR" dirty="0"/>
+              <a:t>Listado de géneros </a:t>
+            </a:r>
+          </a:p>
+        </p:txBody>
+      </p:sp>
+    </p:spTree>
+    <p:extLst>
+      <p:ext uri="{BB962C8B-B14F-4D97-AF65-F5344CB8AC3E}">
+        <p14:creationId xmlns:p14="http://schemas.microsoft.com/office/powerpoint/2010/main" val="1813820467"/>
+      </p:ext>
+    </p:extLst>
+  </p:cSld>
+  <p:clrMapOvr>
+    <a:masterClrMapping/>
+  </p:clrMapOvr>
+</p:sld>
+</file>
+
+<file path=ppt/slides/slide26.xml><?xml version="1.0" encoding="utf-8"?>
+<p:sld xmlns:a="http://schemas.openxmlformats.org/drawingml/2006/main" xmlns:r="http://schemas.openxmlformats.org/officeDocument/2006/relationships" xmlns:p="http://schemas.openxmlformats.org/presentationml/2006/main">
+  <p:cSld>
+    <p:spTree>
+      <p:nvGrpSpPr>
+        <p:cNvPr id="1" name=""/>
+        <p:cNvGrpSpPr/>
+        <p:nvPr/>
+      </p:nvGrpSpPr>
+      <p:grpSpPr>
+        <a:xfrm>
+          <a:off x="0" y="0"/>
+          <a:ext cx="0" cy="0"/>
+          <a:chOff x="0" y="0"/>
+          <a:chExt cx="0" cy="0"/>
+        </a:xfrm>
+      </p:grpSpPr>
+      <p:pic>
+        <p:nvPicPr>
+          <p:cNvPr id="3" name="Imagen 2">
+            <a:extLst>
+              <a:ext uri="{FF2B5EF4-FFF2-40B4-BE49-F238E27FC236}">
+                <a16:creationId xmlns:a16="http://schemas.microsoft.com/office/drawing/2014/main" id="{D0382B12-8EE6-47C0-94E1-A61CA4F24125}"/>
+              </a:ext>
+            </a:extLst>
+          </p:cNvPr>
+          <p:cNvPicPr>
+            <a:picLocks noChangeAspect="1"/>
+          </p:cNvPicPr>
+          <p:nvPr/>
+        </p:nvPicPr>
+        <p:blipFill>
+          <a:blip r:embed="rId2"/>
+          <a:stretch>
+            <a:fillRect/>
+          </a:stretch>
+        </p:blipFill>
+        <p:spPr>
+          <a:xfrm>
+            <a:off x="309167" y="800810"/>
+            <a:ext cx="11020425" cy="5838825"/>
+          </a:xfrm>
+          <a:prstGeom prst="rect">
+            <a:avLst/>
+          </a:prstGeom>
+        </p:spPr>
+      </p:pic>
+      <p:sp>
+        <p:nvSpPr>
+          <p:cNvPr id="5" name="CuadroTexto 4">
+            <a:extLst>
+              <a:ext uri="{FF2B5EF4-FFF2-40B4-BE49-F238E27FC236}">
+                <a16:creationId xmlns:a16="http://schemas.microsoft.com/office/drawing/2014/main" id="{4A4500BE-713C-4C93-AB07-CCD17F9DEFD9}"/>
+              </a:ext>
+            </a:extLst>
+          </p:cNvPr>
+          <p:cNvSpPr txBox="1"/>
+          <p:nvPr/>
+        </p:nvSpPr>
+        <p:spPr>
+          <a:xfrm>
+            <a:off x="1296537" y="573206"/>
+            <a:ext cx="1698863" cy="369332"/>
+          </a:xfrm>
+          <a:prstGeom prst="rect">
+            <a:avLst/>
+          </a:prstGeom>
+          <a:noFill/>
+        </p:spPr>
+        <p:txBody>
+          <a:bodyPr wrap="none" rtlCol="0">
+            <a:spAutoFit/>
+          </a:bodyPr>
+          <a:lstStyle/>
+          <a:p>
+            <a:r>
+              <a:rPr lang="es-AR" dirty="0"/>
+              <a:t>Crear un genero</a:t>
+            </a:r>
+          </a:p>
+        </p:txBody>
+      </p:sp>
+    </p:spTree>
+    <p:extLst>
+      <p:ext uri="{BB962C8B-B14F-4D97-AF65-F5344CB8AC3E}">
+        <p14:creationId xmlns:p14="http://schemas.microsoft.com/office/powerpoint/2010/main" val="3753930792"/>
+      </p:ext>
+    </p:extLst>
+  </p:cSld>
+  <p:clrMapOvr>
+    <a:masterClrMapping/>
+  </p:clrMapOvr>
+</p:sld>
+</file>
+
+<file path=ppt/slides/slide27.xml><?xml version="1.0" encoding="utf-8"?>
+<p:sld xmlns:a="http://schemas.openxmlformats.org/drawingml/2006/main" xmlns:r="http://schemas.openxmlformats.org/officeDocument/2006/relationships" xmlns:p="http://schemas.openxmlformats.org/presentationml/2006/main">
+  <p:cSld>
+    <p:spTree>
+      <p:nvGrpSpPr>
+        <p:cNvPr id="1" name=""/>
+        <p:cNvGrpSpPr/>
+        <p:nvPr/>
+      </p:nvGrpSpPr>
+      <p:grpSpPr>
+        <a:xfrm>
+          <a:off x="0" y="0"/>
+          <a:ext cx="0" cy="0"/>
+          <a:chOff x="0" y="0"/>
+          <a:chExt cx="0" cy="0"/>
+        </a:xfrm>
+      </p:grpSpPr>
+      <p:pic>
+        <p:nvPicPr>
+          <p:cNvPr id="3" name="Imagen 2">
+            <a:extLst>
+              <a:ext uri="{FF2B5EF4-FFF2-40B4-BE49-F238E27FC236}">
+                <a16:creationId xmlns:a16="http://schemas.microsoft.com/office/drawing/2014/main" id="{288372B9-EF90-466D-B65F-DFD3D51817C2}"/>
+              </a:ext>
+            </a:extLst>
+          </p:cNvPr>
+          <p:cNvPicPr>
+            <a:picLocks noChangeAspect="1"/>
+          </p:cNvPicPr>
+          <p:nvPr/>
+        </p:nvPicPr>
+        <p:blipFill>
+          <a:blip r:embed="rId2"/>
+          <a:stretch>
+            <a:fillRect/>
+          </a:stretch>
+        </p:blipFill>
+        <p:spPr>
+          <a:xfrm>
+            <a:off x="1247775" y="819150"/>
+            <a:ext cx="9696450" cy="5219700"/>
+          </a:xfrm>
+          <a:prstGeom prst="rect">
+            <a:avLst/>
+          </a:prstGeom>
+        </p:spPr>
+      </p:pic>
+    </p:spTree>
+    <p:extLst>
+      <p:ext uri="{BB962C8B-B14F-4D97-AF65-F5344CB8AC3E}">
+        <p14:creationId xmlns:p14="http://schemas.microsoft.com/office/powerpoint/2010/main" val="2445671593"/>
+      </p:ext>
+    </p:extLst>
+  </p:cSld>
+  <p:clrMapOvr>
+    <a:masterClrMapping/>
+  </p:clrMapOvr>
+</p:sld>
+</file>
+
+<file path=ppt/slides/slide3.xml><?xml version="1.0" encoding="utf-8"?>
+<p:sld xmlns:a="http://schemas.openxmlformats.org/drawingml/2006/main" xmlns:r="http://schemas.openxmlformats.org/officeDocument/2006/relationships" xmlns:p="http://schemas.openxmlformats.org/presentationml/2006/main">
+  <p:cSld>
+    <p:spTree>
+      <p:nvGrpSpPr>
+        <p:cNvPr id="1" name=""/>
+        <p:cNvGrpSpPr/>
+        <p:nvPr/>
+      </p:nvGrpSpPr>
+      <p:grpSpPr>
+        <a:xfrm>
+          <a:off x="0" y="0"/>
+          <a:ext cx="0" cy="0"/>
+          <a:chOff x="0" y="0"/>
+          <a:chExt cx="0" cy="0"/>
+        </a:xfrm>
+      </p:grpSpPr>
+      <p:pic>
+        <p:nvPicPr>
+          <p:cNvPr id="5" name="Imagen 4">
+            <a:extLst>
+              <a:ext uri="{FF2B5EF4-FFF2-40B4-BE49-F238E27FC236}">
+                <a16:creationId xmlns:a16="http://schemas.microsoft.com/office/drawing/2014/main" id="{C73E5E11-A635-4BBB-9B3B-A2E9BE8BC1FB}"/>
+              </a:ext>
+            </a:extLst>
+          </p:cNvPr>
+          <p:cNvPicPr>
+            <a:picLocks noChangeAspect="1"/>
+          </p:cNvPicPr>
+          <p:nvPr/>
+        </p:nvPicPr>
+        <p:blipFill>
+          <a:blip r:embed="rId2"/>
+          <a:stretch>
+            <a:fillRect/>
+          </a:stretch>
+        </p:blipFill>
+        <p:spPr>
+          <a:xfrm>
+            <a:off x="1585912" y="990600"/>
+            <a:ext cx="9020175" cy="4876800"/>
+          </a:xfrm>
+          <a:prstGeom prst="rect">
+            <a:avLst/>
+          </a:prstGeom>
+        </p:spPr>
+      </p:pic>
+      <p:pic>
+        <p:nvPicPr>
+          <p:cNvPr id="3" name="Imagen 2">
+            <a:extLst>
+              <a:ext uri="{FF2B5EF4-FFF2-40B4-BE49-F238E27FC236}">
+                <a16:creationId xmlns:a16="http://schemas.microsoft.com/office/drawing/2014/main" id="{444BDB4E-E29C-4C1A-BEBE-F91D3B21283E}"/>
+              </a:ext>
+            </a:extLst>
+          </p:cNvPr>
+          <p:cNvPicPr>
+            <a:picLocks noChangeAspect="1"/>
+          </p:cNvPicPr>
+          <p:nvPr/>
+        </p:nvPicPr>
+        <p:blipFill>
+          <a:blip r:embed="rId3"/>
+          <a:stretch>
+            <a:fillRect/>
+          </a:stretch>
+        </p:blipFill>
+        <p:spPr>
+          <a:xfrm>
+            <a:off x="3740837" y="129654"/>
+            <a:ext cx="4410075" cy="457200"/>
+          </a:xfrm>
+          <a:prstGeom prst="rect">
+            <a:avLst/>
+          </a:prstGeom>
+        </p:spPr>
+      </p:pic>
+      <p:sp>
+        <p:nvSpPr>
+          <p:cNvPr id="4" name="CuadroTexto 3">
+            <a:extLst>
+              <a:ext uri="{FF2B5EF4-FFF2-40B4-BE49-F238E27FC236}">
+                <a16:creationId xmlns:a16="http://schemas.microsoft.com/office/drawing/2014/main" id="{61D937DC-55C0-49B5-9BA5-97751EF6B0C4}"/>
+              </a:ext>
+            </a:extLst>
+          </p:cNvPr>
+          <p:cNvSpPr txBox="1"/>
+          <p:nvPr/>
+        </p:nvSpPr>
+        <p:spPr>
+          <a:xfrm>
+            <a:off x="791570" y="621268"/>
+            <a:ext cx="1005596" cy="369332"/>
+          </a:xfrm>
+          <a:prstGeom prst="rect">
+            <a:avLst/>
+          </a:prstGeom>
+          <a:noFill/>
+        </p:spPr>
+        <p:txBody>
+          <a:bodyPr wrap="none" rtlCol="0">
+            <a:spAutoFit/>
+          </a:bodyPr>
+          <a:lstStyle/>
+          <a:p>
+            <a:r>
+              <a:rPr lang="es-AR" dirty="0"/>
+              <a:t>Creación</a:t>
+            </a:r>
+          </a:p>
+        </p:txBody>
+      </p:sp>
+    </p:spTree>
+    <p:extLst>
+      <p:ext uri="{BB962C8B-B14F-4D97-AF65-F5344CB8AC3E}">
+        <p14:creationId xmlns:p14="http://schemas.microsoft.com/office/powerpoint/2010/main" val="3383377717"/>
+      </p:ext>
+    </p:extLst>
+  </p:cSld>
+  <p:clrMapOvr>
+    <a:masterClrMapping/>
+  </p:clrMapOvr>
+</p:sld>
+</file>
+
+<file path=ppt/slides/slide4.xml><?xml version="1.0" encoding="utf-8"?>
+<p:sld xmlns:a="http://schemas.openxmlformats.org/drawingml/2006/main" xmlns:r="http://schemas.openxmlformats.org/officeDocument/2006/relationships" xmlns:p="http://schemas.openxmlformats.org/presentationml/2006/main">
+  <p:cSld>
+    <p:spTree>
+      <p:nvGrpSpPr>
+        <p:cNvPr id="1" name=""/>
+        <p:cNvGrpSpPr/>
+        <p:nvPr/>
+      </p:nvGrpSpPr>
+      <p:grpSpPr>
+        <a:xfrm>
+          <a:off x="0" y="0"/>
+          <a:ext cx="0" cy="0"/>
+          <a:chOff x="0" y="0"/>
+          <a:chExt cx="0" cy="0"/>
+        </a:xfrm>
+      </p:grpSpPr>
+      <p:pic>
+        <p:nvPicPr>
+          <p:cNvPr id="3" name="Imagen 2">
+            <a:extLst>
+              <a:ext uri="{FF2B5EF4-FFF2-40B4-BE49-F238E27FC236}">
+                <a16:creationId xmlns:a16="http://schemas.microsoft.com/office/drawing/2014/main" id="{CD3F6D99-A85F-4026-AC29-F448880D9DF2}"/>
+              </a:ext>
+            </a:extLst>
+          </p:cNvPr>
+          <p:cNvPicPr>
+            <a:picLocks noChangeAspect="1"/>
+          </p:cNvPicPr>
+          <p:nvPr/>
+        </p:nvPicPr>
+        <p:blipFill>
+          <a:blip r:embed="rId2"/>
+          <a:stretch>
+            <a:fillRect/>
+          </a:stretch>
+        </p:blipFill>
+        <p:spPr>
+          <a:xfrm>
+            <a:off x="0" y="1146411"/>
+            <a:ext cx="12192000" cy="5289337"/>
+          </a:xfrm>
+          <a:prstGeom prst="rect">
+            <a:avLst/>
+          </a:prstGeom>
+        </p:spPr>
+      </p:pic>
+      <p:sp>
+        <p:nvSpPr>
+          <p:cNvPr id="2" name="CuadroTexto 1">
+            <a:extLst>
+              <a:ext uri="{FF2B5EF4-FFF2-40B4-BE49-F238E27FC236}">
+                <a16:creationId xmlns:a16="http://schemas.microsoft.com/office/drawing/2014/main" id="{3BB43AC5-5120-4535-97C6-3FF911A3E55D}"/>
+              </a:ext>
+            </a:extLst>
+          </p:cNvPr>
+          <p:cNvSpPr txBox="1"/>
+          <p:nvPr/>
+        </p:nvSpPr>
+        <p:spPr>
+          <a:xfrm>
+            <a:off x="1310185" y="573206"/>
+            <a:ext cx="2080057" cy="369332"/>
+          </a:xfrm>
+          <a:prstGeom prst="rect">
+            <a:avLst/>
+          </a:prstGeom>
+          <a:noFill/>
+        </p:spPr>
+        <p:txBody>
+          <a:bodyPr wrap="none" rtlCol="0">
+            <a:spAutoFit/>
+          </a:bodyPr>
+          <a:lstStyle/>
+          <a:p>
+            <a:r>
+              <a:rPr lang="es-AR" dirty="0"/>
+              <a:t>Tabla  de Personajes</a:t>
+            </a:r>
+          </a:p>
+        </p:txBody>
+      </p:sp>
+    </p:spTree>
+    <p:extLst>
+      <p:ext uri="{BB962C8B-B14F-4D97-AF65-F5344CB8AC3E}">
+        <p14:creationId xmlns:p14="http://schemas.microsoft.com/office/powerpoint/2010/main" val="1015555029"/>
+      </p:ext>
+    </p:extLst>
+  </p:cSld>
+  <p:clrMapOvr>
+    <a:masterClrMapping/>
+  </p:clrMapOvr>
+</p:sld>
+</file>
+
+<file path=ppt/slides/slide5.xml><?xml version="1.0" encoding="utf-8"?>
+<p:sld xmlns:a="http://schemas.openxmlformats.org/drawingml/2006/main" xmlns:r="http://schemas.openxmlformats.org/officeDocument/2006/relationships" xmlns:p="http://schemas.openxmlformats.org/presentationml/2006/main">
+  <p:cSld>
+    <p:spTree>
+      <p:nvGrpSpPr>
+        <p:cNvPr id="1" name=""/>
+        <p:cNvGrpSpPr/>
+        <p:nvPr/>
+      </p:nvGrpSpPr>
+      <p:grpSpPr>
+        <a:xfrm>
+          <a:off x="0" y="0"/>
+          <a:ext cx="0" cy="0"/>
+          <a:chOff x="0" y="0"/>
+          <a:chExt cx="0" cy="0"/>
+        </a:xfrm>
+      </p:grpSpPr>
+      <p:pic>
+        <p:nvPicPr>
+          <p:cNvPr id="3" name="Imagen 2">
+            <a:extLst>
+              <a:ext uri="{FF2B5EF4-FFF2-40B4-BE49-F238E27FC236}">
+                <a16:creationId xmlns:a16="http://schemas.microsoft.com/office/drawing/2014/main" id="{82B3A880-C5DC-4C19-BC2D-8D861F3DD350}"/>
+              </a:ext>
+            </a:extLst>
+          </p:cNvPr>
+          <p:cNvPicPr>
+            <a:picLocks noChangeAspect="1"/>
+          </p:cNvPicPr>
+          <p:nvPr/>
+        </p:nvPicPr>
+        <p:blipFill>
+          <a:blip r:embed="rId2"/>
+          <a:stretch>
+            <a:fillRect/>
+          </a:stretch>
+        </p:blipFill>
+        <p:spPr>
+          <a:xfrm>
+            <a:off x="0" y="1228299"/>
+            <a:ext cx="12192000" cy="5349385"/>
+          </a:xfrm>
+          <a:prstGeom prst="rect">
+            <a:avLst/>
+          </a:prstGeom>
+        </p:spPr>
+      </p:pic>
+      <p:sp>
+        <p:nvSpPr>
+          <p:cNvPr id="2" name="CuadroTexto 1">
+            <a:extLst>
+              <a:ext uri="{FF2B5EF4-FFF2-40B4-BE49-F238E27FC236}">
+                <a16:creationId xmlns:a16="http://schemas.microsoft.com/office/drawing/2014/main" id="{7A88D184-2E32-459E-977A-CB4207C17B37}"/>
+              </a:ext>
+            </a:extLst>
+          </p:cNvPr>
+          <p:cNvSpPr txBox="1"/>
+          <p:nvPr/>
+        </p:nvSpPr>
+        <p:spPr>
+          <a:xfrm>
+            <a:off x="1692322" y="504967"/>
+            <a:ext cx="2410340" cy="369332"/>
+          </a:xfrm>
+          <a:prstGeom prst="rect">
+            <a:avLst/>
+          </a:prstGeom>
+          <a:noFill/>
+        </p:spPr>
+        <p:txBody>
+          <a:bodyPr wrap="none" rtlCol="0">
+            <a:spAutoFit/>
+          </a:bodyPr>
+          <a:lstStyle/>
+          <a:p>
+            <a:r>
+              <a:rPr lang="es-AR" dirty="0"/>
+              <a:t>Modificar  un Personaje</a:t>
+            </a:r>
+          </a:p>
+        </p:txBody>
+      </p:sp>
+    </p:spTree>
+    <p:extLst>
+      <p:ext uri="{BB962C8B-B14F-4D97-AF65-F5344CB8AC3E}">
+        <p14:creationId xmlns:p14="http://schemas.microsoft.com/office/powerpoint/2010/main" val="3055839680"/>
+      </p:ext>
+    </p:extLst>
+  </p:cSld>
+  <p:clrMapOvr>
+    <a:masterClrMapping/>
+  </p:clrMapOvr>
+</p:sld>
+</file>
+
+<file path=ppt/slides/slide6.xml><?xml version="1.0" encoding="utf-8"?>
+<p:sld xmlns:a="http://schemas.openxmlformats.org/drawingml/2006/main" xmlns:r="http://schemas.openxmlformats.org/officeDocument/2006/relationships" xmlns:p="http://schemas.openxmlformats.org/presentationml/2006/main">
+  <p:cSld>
+    <p:spTree>
+      <p:nvGrpSpPr>
+        <p:cNvPr id="1" name=""/>
+        <p:cNvGrpSpPr/>
+        <p:nvPr/>
+      </p:nvGrpSpPr>
+      <p:grpSpPr>
+        <a:xfrm>
+          <a:off x="0" y="0"/>
+          <a:ext cx="0" cy="0"/>
+          <a:chOff x="0" y="0"/>
+          <a:chExt cx="0" cy="0"/>
+        </a:xfrm>
+      </p:grpSpPr>
+      <p:pic>
+        <p:nvPicPr>
+          <p:cNvPr id="3" name="Imagen 2">
+            <a:extLst>
+              <a:ext uri="{FF2B5EF4-FFF2-40B4-BE49-F238E27FC236}">
+                <a16:creationId xmlns:a16="http://schemas.microsoft.com/office/drawing/2014/main" id="{8B6C5F34-FD79-4B98-BC93-D6514891C88C}"/>
+              </a:ext>
+            </a:extLst>
+          </p:cNvPr>
+          <p:cNvPicPr>
+            <a:picLocks noChangeAspect="1"/>
+          </p:cNvPicPr>
+          <p:nvPr/>
+        </p:nvPicPr>
+        <p:blipFill>
+          <a:blip r:embed="rId2"/>
+          <a:stretch>
+            <a:fillRect/>
+          </a:stretch>
+        </p:blipFill>
+        <p:spPr>
+          <a:xfrm>
+            <a:off x="0" y="250049"/>
+            <a:ext cx="12192000" cy="6357902"/>
+          </a:xfrm>
+          <a:prstGeom prst="rect">
+            <a:avLst/>
+          </a:prstGeom>
+        </p:spPr>
+      </p:pic>
+    </p:spTree>
+    <p:extLst>
+      <p:ext uri="{BB962C8B-B14F-4D97-AF65-F5344CB8AC3E}">
+        <p14:creationId xmlns:p14="http://schemas.microsoft.com/office/powerpoint/2010/main" val="833527568"/>
+      </p:ext>
+    </p:extLst>
+  </p:cSld>
+  <p:clrMapOvr>
+    <a:masterClrMapping/>
+  </p:clrMapOvr>
+</p:sld>
+</file>
+
+<file path=ppt/slides/slide7.xml><?xml version="1.0" encoding="utf-8"?>
+<p:sld xmlns:a="http://schemas.openxmlformats.org/drawingml/2006/main" xmlns:r="http://schemas.openxmlformats.org/officeDocument/2006/relationships" xmlns:p="http://schemas.openxmlformats.org/presentationml/2006/main">
+  <p:cSld>
+    <p:spTree>
+      <p:nvGrpSpPr>
+        <p:cNvPr id="1" name=""/>
+        <p:cNvGrpSpPr/>
+        <p:nvPr/>
+      </p:nvGrpSpPr>
+      <p:grpSpPr>
+        <a:xfrm>
+          <a:off x="0" y="0"/>
+          <a:ext cx="0" cy="0"/>
+          <a:chOff x="0" y="0"/>
+          <a:chExt cx="0" cy="0"/>
+        </a:xfrm>
+      </p:grpSpPr>
+      <p:pic>
+        <p:nvPicPr>
+          <p:cNvPr id="3" name="Imagen 2">
+            <a:extLst>
+              <a:ext uri="{FF2B5EF4-FFF2-40B4-BE49-F238E27FC236}">
+                <a16:creationId xmlns:a16="http://schemas.microsoft.com/office/drawing/2014/main" id="{A35F2800-A7C7-4487-8080-6634C6E02FA3}"/>
+              </a:ext>
+            </a:extLst>
+          </p:cNvPr>
+          <p:cNvPicPr>
+            <a:picLocks noChangeAspect="1"/>
+          </p:cNvPicPr>
+          <p:nvPr/>
+        </p:nvPicPr>
+        <p:blipFill>
+          <a:blip r:embed="rId2"/>
+          <a:stretch>
+            <a:fillRect/>
+          </a:stretch>
+        </p:blipFill>
+        <p:spPr>
+          <a:xfrm>
+            <a:off x="0" y="298621"/>
+            <a:ext cx="12192000" cy="6260757"/>
+          </a:xfrm>
+          <a:prstGeom prst="rect">
+            <a:avLst/>
+          </a:prstGeom>
+        </p:spPr>
+      </p:pic>
+    </p:spTree>
+    <p:extLst>
+      <p:ext uri="{BB962C8B-B14F-4D97-AF65-F5344CB8AC3E}">
+        <p14:creationId xmlns:p14="http://schemas.microsoft.com/office/powerpoint/2010/main" val="2856627429"/>
+      </p:ext>
+    </p:extLst>
+  </p:cSld>
+  <p:clrMapOvr>
+    <a:masterClrMapping/>
+  </p:clrMapOvr>
+</p:sld>
+</file>
+
+<file path=ppt/slides/slide8.xml><?xml version="1.0" encoding="utf-8"?>
+<p:sld xmlns:a="http://schemas.openxmlformats.org/drawingml/2006/main" xmlns:r="http://schemas.openxmlformats.org/officeDocument/2006/relationships" xmlns:p="http://schemas.openxmlformats.org/presentationml/2006/main">
+  <p:cSld>
+    <p:spTree>
+      <p:nvGrpSpPr>
+        <p:cNvPr id="1" name=""/>
+        <p:cNvGrpSpPr/>
+        <p:nvPr/>
+      </p:nvGrpSpPr>
+      <p:grpSpPr>
+        <a:xfrm>
+          <a:off x="0" y="0"/>
+          <a:ext cx="0" cy="0"/>
+          <a:chOff x="0" y="0"/>
+          <a:chExt cx="0" cy="0"/>
+        </a:xfrm>
+      </p:grpSpPr>
+      <p:pic>
+        <p:nvPicPr>
+          <p:cNvPr id="3" name="Imagen 2">
+            <a:extLst>
+              <a:ext uri="{FF2B5EF4-FFF2-40B4-BE49-F238E27FC236}">
+                <a16:creationId xmlns:a16="http://schemas.microsoft.com/office/drawing/2014/main" id="{E7C348C9-3AAE-46F0-8622-D4E17BABA5F6}"/>
+              </a:ext>
+            </a:extLst>
+          </p:cNvPr>
+          <p:cNvPicPr>
+            <a:picLocks noChangeAspect="1"/>
+          </p:cNvPicPr>
+          <p:nvPr/>
+        </p:nvPicPr>
+        <p:blipFill>
+          <a:blip r:embed="rId2"/>
+          <a:stretch>
+            <a:fillRect/>
+          </a:stretch>
+        </p:blipFill>
+        <p:spPr>
+          <a:xfrm>
+            <a:off x="0" y="832513"/>
+            <a:ext cx="12192000" cy="5747228"/>
+          </a:xfrm>
+          <a:prstGeom prst="rect">
+            <a:avLst/>
+          </a:prstGeom>
+        </p:spPr>
+      </p:pic>
+      <p:sp>
+        <p:nvSpPr>
+          <p:cNvPr id="2" name="CuadroTexto 1">
+            <a:extLst>
+              <a:ext uri="{FF2B5EF4-FFF2-40B4-BE49-F238E27FC236}">
+                <a16:creationId xmlns:a16="http://schemas.microsoft.com/office/drawing/2014/main" id="{22EC356E-B149-4FEE-A13F-2FE40DE9D1ED}"/>
+              </a:ext>
+            </a:extLst>
+          </p:cNvPr>
+          <p:cNvSpPr txBox="1"/>
+          <p:nvPr/>
+        </p:nvSpPr>
+        <p:spPr>
+          <a:xfrm>
+            <a:off x="2470245" y="409433"/>
+            <a:ext cx="2327304" cy="369332"/>
+          </a:xfrm>
+          <a:prstGeom prst="rect">
+            <a:avLst/>
+          </a:prstGeom>
+          <a:noFill/>
+        </p:spPr>
+        <p:txBody>
+          <a:bodyPr wrap="none" rtlCol="0">
+            <a:spAutoFit/>
+          </a:bodyPr>
+          <a:lstStyle/>
+          <a:p>
+            <a:r>
+              <a:rPr lang="es-AR" dirty="0"/>
+              <a:t>Eliminar  un  Personaje</a:t>
+            </a:r>
+          </a:p>
+        </p:txBody>
+      </p:sp>
+    </p:spTree>
+    <p:extLst>
+      <p:ext uri="{BB962C8B-B14F-4D97-AF65-F5344CB8AC3E}">
+        <p14:creationId xmlns:p14="http://schemas.microsoft.com/office/powerpoint/2010/main" val="341521755"/>
+      </p:ext>
+    </p:extLst>
+  </p:cSld>
+  <p:clrMapOvr>
+    <a:masterClrMapping/>
+  </p:clrMapOvr>
+</p:sld>
+</file>
+
+<file path=ppt/slides/slide9.xml><?xml version="1.0" encoding="utf-8"?>
 <p:sld xmlns:a="http://schemas.openxmlformats.org/drawingml/2006/main" xmlns:r="http://schemas.openxmlformats.org/officeDocument/2006/relationships" xmlns:p="http://schemas.openxmlformats.org/presentationml/2006/main">
   <p:cSld>
     <p:bg>
@@ -3860,7 +6183,7 @@
           <a:lstStyle/>
           <a:p>
             <a:pPr algn="ctr"/>
-            <a:endParaRPr lang="en-US"/>
+            <a:endParaRPr lang="en-US" dirty="0"/>
           </a:p>
         </p:txBody>
       </p:sp>
@@ -3925,7 +6248,7 @@
           <a:lstStyle/>
           <a:p>
             <a:pPr algn="ctr"/>
-            <a:endParaRPr lang="en-US"/>
+            <a:endParaRPr lang="en-US" dirty="0"/>
           </a:p>
         </p:txBody>
       </p:sp>
@@ -4100,7 +6423,7 @@
           <a:lstStyle/>
           <a:p>
             <a:pPr algn="ctr"/>
-            <a:endParaRPr lang="en-US"/>
+            <a:endParaRPr lang="en-US" dirty="0"/>
           </a:p>
         </p:txBody>
       </p:sp>
@@ -4198,7 +6521,7 @@
           <a:lstStyle/>
           <a:p>
             <a:pPr algn="ctr"/>
-            <a:endParaRPr lang="en-US"/>
+            <a:endParaRPr lang="en-US" dirty="0"/>
           </a:p>
         </p:txBody>
       </p:sp>
@@ -4206,2564 +6529,6 @@
     <p:extLst>
       <p:ext uri="{BB962C8B-B14F-4D97-AF65-F5344CB8AC3E}">
         <p14:creationId xmlns:p14="http://schemas.microsoft.com/office/powerpoint/2010/main" val="857157449"/>
-      </p:ext>
-    </p:extLst>
-  </p:cSld>
-  <p:clrMapOvr>
-    <a:masterClrMapping/>
-  </p:clrMapOvr>
-</p:sld>
-</file>
-
-<file path=ppt/slides/slide11.xml><?xml version="1.0" encoding="utf-8"?>
-<p:sld xmlns:a="http://schemas.openxmlformats.org/drawingml/2006/main" xmlns:r="http://schemas.openxmlformats.org/officeDocument/2006/relationships" xmlns:p="http://schemas.openxmlformats.org/presentationml/2006/main">
-  <p:cSld>
-    <p:spTree>
-      <p:nvGrpSpPr>
-        <p:cNvPr id="1" name=""/>
-        <p:cNvGrpSpPr/>
-        <p:nvPr/>
-      </p:nvGrpSpPr>
-      <p:grpSpPr>
-        <a:xfrm>
-          <a:off x="0" y="0"/>
-          <a:ext cx="0" cy="0"/>
-          <a:chOff x="0" y="0"/>
-          <a:chExt cx="0" cy="0"/>
-        </a:xfrm>
-      </p:grpSpPr>
-      <p:pic>
-        <p:nvPicPr>
-          <p:cNvPr id="5" name="Imagen 4">
-            <a:extLst>
-              <a:ext uri="{FF2B5EF4-FFF2-40B4-BE49-F238E27FC236}">
-                <a16:creationId xmlns:a16="http://schemas.microsoft.com/office/drawing/2014/main" id="{ACC1FF91-156D-49A1-BCBA-49885A0D5585}"/>
-              </a:ext>
-            </a:extLst>
-          </p:cNvPr>
-          <p:cNvPicPr>
-            <a:picLocks noChangeAspect="1"/>
-          </p:cNvPicPr>
-          <p:nvPr/>
-        </p:nvPicPr>
-        <p:blipFill>
-          <a:blip r:embed="rId2"/>
-          <a:stretch>
-            <a:fillRect/>
-          </a:stretch>
-        </p:blipFill>
-        <p:spPr>
-          <a:xfrm>
-            <a:off x="1362075" y="742950"/>
-            <a:ext cx="9467850" cy="5587512"/>
-          </a:xfrm>
-          <a:prstGeom prst="rect">
-            <a:avLst/>
-          </a:prstGeom>
-        </p:spPr>
-      </p:pic>
-      <p:sp>
-        <p:nvSpPr>
-          <p:cNvPr id="6" name="CuadroTexto 5">
-            <a:extLst>
-              <a:ext uri="{FF2B5EF4-FFF2-40B4-BE49-F238E27FC236}">
-                <a16:creationId xmlns:a16="http://schemas.microsoft.com/office/drawing/2014/main" id="{C4FF6931-9397-42F9-8C47-964B315B90C1}"/>
-              </a:ext>
-            </a:extLst>
-          </p:cNvPr>
-          <p:cNvSpPr txBox="1"/>
-          <p:nvPr/>
-        </p:nvSpPr>
-        <p:spPr>
-          <a:xfrm>
-            <a:off x="1733266" y="245660"/>
-            <a:ext cx="2127505" cy="369332"/>
-          </a:xfrm>
-          <a:prstGeom prst="rect">
-            <a:avLst/>
-          </a:prstGeom>
-          <a:noFill/>
-        </p:spPr>
-        <p:txBody>
-          <a:bodyPr wrap="none" rtlCol="0">
-            <a:spAutoFit/>
-          </a:bodyPr>
-          <a:lstStyle/>
-          <a:p>
-            <a:r>
-              <a:rPr lang="es-AR" dirty="0"/>
-              <a:t>Búsqueda por name </a:t>
-            </a:r>
-          </a:p>
-        </p:txBody>
-      </p:sp>
-    </p:spTree>
-    <p:extLst>
-      <p:ext uri="{BB962C8B-B14F-4D97-AF65-F5344CB8AC3E}">
-        <p14:creationId xmlns:p14="http://schemas.microsoft.com/office/powerpoint/2010/main" val="3151866564"/>
-      </p:ext>
-    </p:extLst>
-  </p:cSld>
-  <p:clrMapOvr>
-    <a:masterClrMapping/>
-  </p:clrMapOvr>
-</p:sld>
-</file>
-
-<file path=ppt/slides/slide12.xml><?xml version="1.0" encoding="utf-8"?>
-<p:sld xmlns:a="http://schemas.openxmlformats.org/drawingml/2006/main" xmlns:r="http://schemas.openxmlformats.org/officeDocument/2006/relationships" xmlns:p="http://schemas.openxmlformats.org/presentationml/2006/main">
-  <p:cSld>
-    <p:spTree>
-      <p:nvGrpSpPr>
-        <p:cNvPr id="1" name=""/>
-        <p:cNvGrpSpPr/>
-        <p:nvPr/>
-      </p:nvGrpSpPr>
-      <p:grpSpPr>
-        <a:xfrm>
-          <a:off x="0" y="0"/>
-          <a:ext cx="0" cy="0"/>
-          <a:chOff x="0" y="0"/>
-          <a:chExt cx="0" cy="0"/>
-        </a:xfrm>
-      </p:grpSpPr>
-      <p:pic>
-        <p:nvPicPr>
-          <p:cNvPr id="5" name="Imagen 4">
-            <a:extLst>
-              <a:ext uri="{FF2B5EF4-FFF2-40B4-BE49-F238E27FC236}">
-                <a16:creationId xmlns:a16="http://schemas.microsoft.com/office/drawing/2014/main" id="{57721148-0FEA-4B5A-B8A1-66AFB7DD01C8}"/>
-              </a:ext>
-            </a:extLst>
-          </p:cNvPr>
-          <p:cNvPicPr>
-            <a:picLocks noChangeAspect="1"/>
-          </p:cNvPicPr>
-          <p:nvPr/>
-        </p:nvPicPr>
-        <p:blipFill>
-          <a:blip r:embed="rId2"/>
-          <a:stretch>
-            <a:fillRect/>
-          </a:stretch>
-        </p:blipFill>
-        <p:spPr>
-          <a:xfrm>
-            <a:off x="1652587" y="976312"/>
-            <a:ext cx="8886825" cy="4905375"/>
-          </a:xfrm>
-          <a:prstGeom prst="rect">
-            <a:avLst/>
-          </a:prstGeom>
-        </p:spPr>
-      </p:pic>
-      <p:sp>
-        <p:nvSpPr>
-          <p:cNvPr id="6" name="CuadroTexto 5">
-            <a:extLst>
-              <a:ext uri="{FF2B5EF4-FFF2-40B4-BE49-F238E27FC236}">
-                <a16:creationId xmlns:a16="http://schemas.microsoft.com/office/drawing/2014/main" id="{A60F2732-2D4D-43EF-A1CA-4273FBD7D64D}"/>
-              </a:ext>
-            </a:extLst>
-          </p:cNvPr>
-          <p:cNvSpPr txBox="1"/>
-          <p:nvPr/>
-        </p:nvSpPr>
-        <p:spPr>
-          <a:xfrm>
-            <a:off x="1924334" y="464024"/>
-            <a:ext cx="2064989" cy="369332"/>
-          </a:xfrm>
-          <a:prstGeom prst="rect">
-            <a:avLst/>
-          </a:prstGeom>
-          <a:noFill/>
-        </p:spPr>
-        <p:txBody>
-          <a:bodyPr wrap="none" rtlCol="0">
-            <a:spAutoFit/>
-          </a:bodyPr>
-          <a:lstStyle/>
-          <a:p>
-            <a:r>
-              <a:rPr lang="es-AR" dirty="0"/>
-              <a:t>Búsqueda  por edad</a:t>
-            </a:r>
-          </a:p>
-        </p:txBody>
-      </p:sp>
-    </p:spTree>
-    <p:extLst>
-      <p:ext uri="{BB962C8B-B14F-4D97-AF65-F5344CB8AC3E}">
-        <p14:creationId xmlns:p14="http://schemas.microsoft.com/office/powerpoint/2010/main" val="1175440797"/>
-      </p:ext>
-    </p:extLst>
-  </p:cSld>
-  <p:clrMapOvr>
-    <a:masterClrMapping/>
-  </p:clrMapOvr>
-</p:sld>
-</file>
-
-<file path=ppt/slides/slide13.xml><?xml version="1.0" encoding="utf-8"?>
-<p:sld xmlns:a="http://schemas.openxmlformats.org/drawingml/2006/main" xmlns:r="http://schemas.openxmlformats.org/officeDocument/2006/relationships" xmlns:p="http://schemas.openxmlformats.org/presentationml/2006/main">
-  <p:cSld>
-    <p:spTree>
-      <p:nvGrpSpPr>
-        <p:cNvPr id="1" name=""/>
-        <p:cNvGrpSpPr/>
-        <p:nvPr/>
-      </p:nvGrpSpPr>
-      <p:grpSpPr>
-        <a:xfrm>
-          <a:off x="0" y="0"/>
-          <a:ext cx="0" cy="0"/>
-          <a:chOff x="0" y="0"/>
-          <a:chExt cx="0" cy="0"/>
-        </a:xfrm>
-      </p:grpSpPr>
-      <p:pic>
-        <p:nvPicPr>
-          <p:cNvPr id="3" name="Imagen 2">
-            <a:extLst>
-              <a:ext uri="{FF2B5EF4-FFF2-40B4-BE49-F238E27FC236}">
-                <a16:creationId xmlns:a16="http://schemas.microsoft.com/office/drawing/2014/main" id="{70D3784F-37A0-4657-9371-152F32B57896}"/>
-              </a:ext>
-            </a:extLst>
-          </p:cNvPr>
-          <p:cNvPicPr>
-            <a:picLocks noChangeAspect="1"/>
-          </p:cNvPicPr>
-          <p:nvPr/>
-        </p:nvPicPr>
-        <p:blipFill>
-          <a:blip r:embed="rId2"/>
-          <a:stretch>
-            <a:fillRect/>
-          </a:stretch>
-        </p:blipFill>
-        <p:spPr>
-          <a:xfrm>
-            <a:off x="731520" y="995362"/>
-            <a:ext cx="10277256" cy="5475776"/>
-          </a:xfrm>
-          <a:prstGeom prst="rect">
-            <a:avLst/>
-          </a:prstGeom>
-        </p:spPr>
-      </p:pic>
-      <p:sp>
-        <p:nvSpPr>
-          <p:cNvPr id="4" name="CuadroTexto 3">
-            <a:extLst>
-              <a:ext uri="{FF2B5EF4-FFF2-40B4-BE49-F238E27FC236}">
-                <a16:creationId xmlns:a16="http://schemas.microsoft.com/office/drawing/2014/main" id="{65266C76-0D01-4861-A5B5-306DFDA2ED08}"/>
-              </a:ext>
-            </a:extLst>
-          </p:cNvPr>
-          <p:cNvSpPr txBox="1"/>
-          <p:nvPr/>
-        </p:nvSpPr>
-        <p:spPr>
-          <a:xfrm>
-            <a:off x="2756848" y="409433"/>
-            <a:ext cx="2179443" cy="369332"/>
-          </a:xfrm>
-          <a:prstGeom prst="rect">
-            <a:avLst/>
-          </a:prstGeom>
-          <a:noFill/>
-        </p:spPr>
-        <p:txBody>
-          <a:bodyPr wrap="none" rtlCol="0">
-            <a:spAutoFit/>
-          </a:bodyPr>
-          <a:lstStyle/>
-          <a:p>
-            <a:r>
-              <a:rPr lang="es-AR" dirty="0"/>
-              <a:t>Búsqueda por </a:t>
-            </a:r>
-            <a:r>
-              <a:rPr lang="es-AR" dirty="0" err="1"/>
-              <a:t>weight</a:t>
-            </a:r>
-            <a:endParaRPr lang="es-AR" dirty="0"/>
-          </a:p>
-        </p:txBody>
-      </p:sp>
-    </p:spTree>
-    <p:extLst>
-      <p:ext uri="{BB962C8B-B14F-4D97-AF65-F5344CB8AC3E}">
-        <p14:creationId xmlns:p14="http://schemas.microsoft.com/office/powerpoint/2010/main" val="1357264417"/>
-      </p:ext>
-    </p:extLst>
-  </p:cSld>
-  <p:clrMapOvr>
-    <a:masterClrMapping/>
-  </p:clrMapOvr>
-</p:sld>
-</file>
-
-<file path=ppt/slides/slide14.xml><?xml version="1.0" encoding="utf-8"?>
-<p:sld xmlns:a="http://schemas.openxmlformats.org/drawingml/2006/main" xmlns:r="http://schemas.openxmlformats.org/officeDocument/2006/relationships" xmlns:p="http://schemas.openxmlformats.org/presentationml/2006/main">
-  <p:cSld>
-    <p:spTree>
-      <p:nvGrpSpPr>
-        <p:cNvPr id="1" name=""/>
-        <p:cNvGrpSpPr/>
-        <p:nvPr/>
-      </p:nvGrpSpPr>
-      <p:grpSpPr>
-        <a:xfrm>
-          <a:off x="0" y="0"/>
-          <a:ext cx="0" cy="0"/>
-          <a:chOff x="0" y="0"/>
-          <a:chExt cx="0" cy="0"/>
-        </a:xfrm>
-      </p:grpSpPr>
-      <p:pic>
-        <p:nvPicPr>
-          <p:cNvPr id="4" name="Imagen 3">
-            <a:extLst>
-              <a:ext uri="{FF2B5EF4-FFF2-40B4-BE49-F238E27FC236}">
-                <a16:creationId xmlns:a16="http://schemas.microsoft.com/office/drawing/2014/main" id="{F9FC7372-CD2A-4345-B102-C67CB735AB1F}"/>
-              </a:ext>
-            </a:extLst>
-          </p:cNvPr>
-          <p:cNvPicPr>
-            <a:picLocks noChangeAspect="1"/>
-          </p:cNvPicPr>
-          <p:nvPr/>
-        </p:nvPicPr>
-        <p:blipFill>
-          <a:blip r:embed="rId2"/>
-          <a:stretch>
-            <a:fillRect/>
-          </a:stretch>
-        </p:blipFill>
-        <p:spPr>
-          <a:xfrm>
-            <a:off x="163772" y="647700"/>
-            <a:ext cx="11546006" cy="6210300"/>
-          </a:xfrm>
-          <a:prstGeom prst="rect">
-            <a:avLst/>
-          </a:prstGeom>
-        </p:spPr>
-      </p:pic>
-      <p:sp>
-        <p:nvSpPr>
-          <p:cNvPr id="5" name="CuadroTexto 4">
-            <a:extLst>
-              <a:ext uri="{FF2B5EF4-FFF2-40B4-BE49-F238E27FC236}">
-                <a16:creationId xmlns:a16="http://schemas.microsoft.com/office/drawing/2014/main" id="{B39CC40E-52D2-4B80-A5EE-AF8EA3DFD574}"/>
-              </a:ext>
-            </a:extLst>
-          </p:cNvPr>
-          <p:cNvSpPr txBox="1"/>
-          <p:nvPr/>
-        </p:nvSpPr>
-        <p:spPr>
-          <a:xfrm>
-            <a:off x="5000557" y="122830"/>
-            <a:ext cx="936218" cy="369332"/>
-          </a:xfrm>
-          <a:prstGeom prst="rect">
-            <a:avLst/>
-          </a:prstGeom>
-          <a:noFill/>
-        </p:spPr>
-        <p:txBody>
-          <a:bodyPr wrap="none" rtlCol="0">
-            <a:spAutoFit/>
-          </a:bodyPr>
-          <a:lstStyle/>
-          <a:p>
-            <a:r>
-              <a:rPr lang="es-AR" dirty="0"/>
-              <a:t>MOVIES</a:t>
-            </a:r>
-          </a:p>
-        </p:txBody>
-      </p:sp>
-      <p:sp>
-        <p:nvSpPr>
-          <p:cNvPr id="6" name="CuadroTexto 5">
-            <a:extLst>
-              <a:ext uri="{FF2B5EF4-FFF2-40B4-BE49-F238E27FC236}">
-                <a16:creationId xmlns:a16="http://schemas.microsoft.com/office/drawing/2014/main" id="{206FEE21-E23E-40E2-B71F-3948CB686B39}"/>
-              </a:ext>
-            </a:extLst>
-          </p:cNvPr>
-          <p:cNvSpPr txBox="1"/>
-          <p:nvPr/>
-        </p:nvSpPr>
-        <p:spPr>
-          <a:xfrm>
-            <a:off x="1201002" y="385265"/>
-            <a:ext cx="850939" cy="369332"/>
-          </a:xfrm>
-          <a:prstGeom prst="rect">
-            <a:avLst/>
-          </a:prstGeom>
-          <a:noFill/>
-        </p:spPr>
-        <p:txBody>
-          <a:bodyPr wrap="none" rtlCol="0">
-            <a:spAutoFit/>
-          </a:bodyPr>
-          <a:lstStyle/>
-          <a:p>
-            <a:r>
-              <a:rPr lang="es-AR" dirty="0"/>
-              <a:t>Listado</a:t>
-            </a:r>
-          </a:p>
-        </p:txBody>
-      </p:sp>
-    </p:spTree>
-    <p:extLst>
-      <p:ext uri="{BB962C8B-B14F-4D97-AF65-F5344CB8AC3E}">
-        <p14:creationId xmlns:p14="http://schemas.microsoft.com/office/powerpoint/2010/main" val="1217248115"/>
-      </p:ext>
-    </p:extLst>
-  </p:cSld>
-  <p:clrMapOvr>
-    <a:masterClrMapping/>
-  </p:clrMapOvr>
-</p:sld>
-</file>
-
-<file path=ppt/slides/slide15.xml><?xml version="1.0" encoding="utf-8"?>
-<p:sld xmlns:a="http://schemas.openxmlformats.org/drawingml/2006/main" xmlns:r="http://schemas.openxmlformats.org/officeDocument/2006/relationships" xmlns:p="http://schemas.openxmlformats.org/presentationml/2006/main">
-  <p:cSld>
-    <p:bg>
-      <p:bgPr>
-        <a:solidFill>
-          <a:schemeClr val="bg1"/>
-        </a:solidFill>
-        <a:effectLst/>
-      </p:bgPr>
-    </p:bg>
-    <p:spTree>
-      <p:nvGrpSpPr>
-        <p:cNvPr id="1" name=""/>
-        <p:cNvGrpSpPr/>
-        <p:nvPr/>
-      </p:nvGrpSpPr>
-      <p:grpSpPr>
-        <a:xfrm>
-          <a:off x="0" y="0"/>
-          <a:ext cx="0" cy="0"/>
-          <a:chOff x="0" y="0"/>
-          <a:chExt cx="0" cy="0"/>
-        </a:xfrm>
-      </p:grpSpPr>
-      <p:pic>
-        <p:nvPicPr>
-          <p:cNvPr id="3" name="Imagen 2">
-            <a:extLst>
-              <a:ext uri="{FF2B5EF4-FFF2-40B4-BE49-F238E27FC236}">
-                <a16:creationId xmlns:a16="http://schemas.microsoft.com/office/drawing/2014/main" id="{88F00899-B36D-4B26-B183-F1FFD9168CAF}"/>
-              </a:ext>
-            </a:extLst>
-          </p:cNvPr>
-          <p:cNvPicPr>
-            <a:picLocks noChangeAspect="1"/>
-          </p:cNvPicPr>
-          <p:nvPr/>
-        </p:nvPicPr>
-        <p:blipFill>
-          <a:blip r:embed="rId2"/>
-          <a:stretch>
-            <a:fillRect/>
-          </a:stretch>
-        </p:blipFill>
-        <p:spPr>
-          <a:xfrm>
-            <a:off x="900752" y="998308"/>
-            <a:ext cx="9833753" cy="5571067"/>
-          </a:xfrm>
-          <a:prstGeom prst="rect">
-            <a:avLst/>
-          </a:prstGeom>
-        </p:spPr>
-      </p:pic>
-      <p:sp>
-        <p:nvSpPr>
-          <p:cNvPr id="4" name="CuadroTexto 3">
-            <a:extLst>
-              <a:ext uri="{FF2B5EF4-FFF2-40B4-BE49-F238E27FC236}">
-                <a16:creationId xmlns:a16="http://schemas.microsoft.com/office/drawing/2014/main" id="{705F2ACD-0C38-4103-9343-37C4E976661F}"/>
-              </a:ext>
-            </a:extLst>
-          </p:cNvPr>
-          <p:cNvSpPr txBox="1"/>
-          <p:nvPr/>
-        </p:nvSpPr>
-        <p:spPr>
-          <a:xfrm>
-            <a:off x="3002507" y="382137"/>
-            <a:ext cx="2051524" cy="369332"/>
-          </a:xfrm>
-          <a:prstGeom prst="rect">
-            <a:avLst/>
-          </a:prstGeom>
-          <a:noFill/>
-        </p:spPr>
-        <p:txBody>
-          <a:bodyPr wrap="none" rtlCol="0">
-            <a:spAutoFit/>
-          </a:bodyPr>
-          <a:lstStyle/>
-          <a:p>
-            <a:r>
-              <a:rPr lang="es-AR" dirty="0"/>
-              <a:t>Detalle de Películas </a:t>
-            </a:r>
-          </a:p>
-        </p:txBody>
-      </p:sp>
-    </p:spTree>
-    <p:extLst>
-      <p:ext uri="{BB962C8B-B14F-4D97-AF65-F5344CB8AC3E}">
-        <p14:creationId xmlns:p14="http://schemas.microsoft.com/office/powerpoint/2010/main" val="3162153395"/>
-      </p:ext>
-    </p:extLst>
-  </p:cSld>
-  <p:clrMapOvr>
-    <a:masterClrMapping/>
-  </p:clrMapOvr>
-</p:sld>
-</file>
-
-<file path=ppt/slides/slide16.xml><?xml version="1.0" encoding="utf-8"?>
-<p:sld xmlns:a="http://schemas.openxmlformats.org/drawingml/2006/main" xmlns:r="http://schemas.openxmlformats.org/officeDocument/2006/relationships" xmlns:p="http://schemas.openxmlformats.org/presentationml/2006/main">
-  <p:cSld>
-    <p:spTree>
-      <p:nvGrpSpPr>
-        <p:cNvPr id="1" name=""/>
-        <p:cNvGrpSpPr/>
-        <p:nvPr/>
-      </p:nvGrpSpPr>
-      <p:grpSpPr>
-        <a:xfrm>
-          <a:off x="0" y="0"/>
-          <a:ext cx="0" cy="0"/>
-          <a:chOff x="0" y="0"/>
-          <a:chExt cx="0" cy="0"/>
-        </a:xfrm>
-      </p:grpSpPr>
-      <p:pic>
-        <p:nvPicPr>
-          <p:cNvPr id="3" name="Imagen 2">
-            <a:extLst>
-              <a:ext uri="{FF2B5EF4-FFF2-40B4-BE49-F238E27FC236}">
-                <a16:creationId xmlns:a16="http://schemas.microsoft.com/office/drawing/2014/main" id="{F6A7AD8F-A615-45F9-B89A-7517B4AA5538}"/>
-              </a:ext>
-            </a:extLst>
-          </p:cNvPr>
-          <p:cNvPicPr>
-            <a:picLocks noChangeAspect="1"/>
-          </p:cNvPicPr>
-          <p:nvPr/>
-        </p:nvPicPr>
-        <p:blipFill>
-          <a:blip r:embed="rId2"/>
-          <a:stretch>
-            <a:fillRect/>
-          </a:stretch>
-        </p:blipFill>
-        <p:spPr>
-          <a:xfrm>
-            <a:off x="585574" y="1047750"/>
-            <a:ext cx="10420350" cy="5810250"/>
-          </a:xfrm>
-          <a:prstGeom prst="rect">
-            <a:avLst/>
-          </a:prstGeom>
-        </p:spPr>
-      </p:pic>
-      <p:sp>
-        <p:nvSpPr>
-          <p:cNvPr id="4" name="CuadroTexto 3">
-            <a:extLst>
-              <a:ext uri="{FF2B5EF4-FFF2-40B4-BE49-F238E27FC236}">
-                <a16:creationId xmlns:a16="http://schemas.microsoft.com/office/drawing/2014/main" id="{A3CA2E2D-89F9-4B94-A27A-871068BEE70D}"/>
-              </a:ext>
-            </a:extLst>
-          </p:cNvPr>
-          <p:cNvSpPr txBox="1"/>
-          <p:nvPr/>
-        </p:nvSpPr>
-        <p:spPr>
-          <a:xfrm>
-            <a:off x="1255594" y="464024"/>
-            <a:ext cx="1922706" cy="369332"/>
-          </a:xfrm>
-          <a:prstGeom prst="rect">
-            <a:avLst/>
-          </a:prstGeom>
-          <a:noFill/>
-        </p:spPr>
-        <p:txBody>
-          <a:bodyPr wrap="none" rtlCol="0">
-            <a:spAutoFit/>
-          </a:bodyPr>
-          <a:lstStyle/>
-          <a:p>
-            <a:r>
-              <a:rPr lang="es-AR" dirty="0"/>
-              <a:t>Crear una  </a:t>
-            </a:r>
-            <a:r>
-              <a:rPr lang="es-AR" dirty="0" err="1"/>
-              <a:t>Pelicula</a:t>
-            </a:r>
-            <a:endParaRPr lang="es-AR" dirty="0"/>
-          </a:p>
-        </p:txBody>
-      </p:sp>
-    </p:spTree>
-    <p:extLst>
-      <p:ext uri="{BB962C8B-B14F-4D97-AF65-F5344CB8AC3E}">
-        <p14:creationId xmlns:p14="http://schemas.microsoft.com/office/powerpoint/2010/main" val="3589268831"/>
-      </p:ext>
-    </p:extLst>
-  </p:cSld>
-  <p:clrMapOvr>
-    <a:masterClrMapping/>
-  </p:clrMapOvr>
-</p:sld>
-</file>
-
-<file path=ppt/slides/slide17.xml><?xml version="1.0" encoding="utf-8"?>
-<p:sld xmlns:a="http://schemas.openxmlformats.org/drawingml/2006/main" xmlns:r="http://schemas.openxmlformats.org/officeDocument/2006/relationships" xmlns:p="http://schemas.openxmlformats.org/presentationml/2006/main">
-  <p:cSld>
-    <p:spTree>
-      <p:nvGrpSpPr>
-        <p:cNvPr id="1" name=""/>
-        <p:cNvGrpSpPr/>
-        <p:nvPr/>
-      </p:nvGrpSpPr>
-      <p:grpSpPr>
-        <a:xfrm>
-          <a:off x="0" y="0"/>
-          <a:ext cx="0" cy="0"/>
-          <a:chOff x="0" y="0"/>
-          <a:chExt cx="0" cy="0"/>
-        </a:xfrm>
-      </p:grpSpPr>
-      <p:pic>
-        <p:nvPicPr>
-          <p:cNvPr id="3" name="Imagen 2">
-            <a:extLst>
-              <a:ext uri="{FF2B5EF4-FFF2-40B4-BE49-F238E27FC236}">
-                <a16:creationId xmlns:a16="http://schemas.microsoft.com/office/drawing/2014/main" id="{B9F9CE88-0A86-4335-B495-983F81944F7D}"/>
-              </a:ext>
-            </a:extLst>
-          </p:cNvPr>
-          <p:cNvPicPr>
-            <a:picLocks noChangeAspect="1"/>
-          </p:cNvPicPr>
-          <p:nvPr/>
-        </p:nvPicPr>
-        <p:blipFill>
-          <a:blip r:embed="rId2"/>
-          <a:stretch>
-            <a:fillRect/>
-          </a:stretch>
-        </p:blipFill>
-        <p:spPr>
-          <a:xfrm>
-            <a:off x="0" y="404446"/>
-            <a:ext cx="12192000" cy="6049108"/>
-          </a:xfrm>
-          <a:prstGeom prst="rect">
-            <a:avLst/>
-          </a:prstGeom>
-        </p:spPr>
-      </p:pic>
-    </p:spTree>
-    <p:extLst>
-      <p:ext uri="{BB962C8B-B14F-4D97-AF65-F5344CB8AC3E}">
-        <p14:creationId xmlns:p14="http://schemas.microsoft.com/office/powerpoint/2010/main" val="375852098"/>
-      </p:ext>
-    </p:extLst>
-  </p:cSld>
-  <p:clrMapOvr>
-    <a:masterClrMapping/>
-  </p:clrMapOvr>
-</p:sld>
-</file>
-
-<file path=ppt/slides/slide18.xml><?xml version="1.0" encoding="utf-8"?>
-<p:sld xmlns:a="http://schemas.openxmlformats.org/drawingml/2006/main" xmlns:r="http://schemas.openxmlformats.org/officeDocument/2006/relationships" xmlns:p="http://schemas.openxmlformats.org/presentationml/2006/main">
-  <p:cSld>
-    <p:spTree>
-      <p:nvGrpSpPr>
-        <p:cNvPr id="1" name=""/>
-        <p:cNvGrpSpPr/>
-        <p:nvPr/>
-      </p:nvGrpSpPr>
-      <p:grpSpPr>
-        <a:xfrm>
-          <a:off x="0" y="0"/>
-          <a:ext cx="0" cy="0"/>
-          <a:chOff x="0" y="0"/>
-          <a:chExt cx="0" cy="0"/>
-        </a:xfrm>
-      </p:grpSpPr>
-      <p:pic>
-        <p:nvPicPr>
-          <p:cNvPr id="3" name="Imagen 2">
-            <a:extLst>
-              <a:ext uri="{FF2B5EF4-FFF2-40B4-BE49-F238E27FC236}">
-                <a16:creationId xmlns:a16="http://schemas.microsoft.com/office/drawing/2014/main" id="{BCE33589-B3D1-40EF-9699-457AB1E7C464}"/>
-              </a:ext>
-            </a:extLst>
-          </p:cNvPr>
-          <p:cNvPicPr>
-            <a:picLocks noChangeAspect="1"/>
-          </p:cNvPicPr>
-          <p:nvPr/>
-        </p:nvPicPr>
-        <p:blipFill>
-          <a:blip r:embed="rId2"/>
-          <a:stretch>
-            <a:fillRect/>
-          </a:stretch>
-        </p:blipFill>
-        <p:spPr>
-          <a:xfrm>
-            <a:off x="619125" y="947737"/>
-            <a:ext cx="10953750" cy="4962525"/>
-          </a:xfrm>
-          <a:prstGeom prst="rect">
-            <a:avLst/>
-          </a:prstGeom>
-        </p:spPr>
-      </p:pic>
-    </p:spTree>
-    <p:extLst>
-      <p:ext uri="{BB962C8B-B14F-4D97-AF65-F5344CB8AC3E}">
-        <p14:creationId xmlns:p14="http://schemas.microsoft.com/office/powerpoint/2010/main" val="3305716933"/>
-      </p:ext>
-    </p:extLst>
-  </p:cSld>
-  <p:clrMapOvr>
-    <a:masterClrMapping/>
-  </p:clrMapOvr>
-</p:sld>
-</file>
-
-<file path=ppt/slides/slide19.xml><?xml version="1.0" encoding="utf-8"?>
-<p:sld xmlns:a="http://schemas.openxmlformats.org/drawingml/2006/main" xmlns:r="http://schemas.openxmlformats.org/officeDocument/2006/relationships" xmlns:p="http://schemas.openxmlformats.org/presentationml/2006/main">
-  <p:cSld>
-    <p:spTree>
-      <p:nvGrpSpPr>
-        <p:cNvPr id="1" name=""/>
-        <p:cNvGrpSpPr/>
-        <p:nvPr/>
-      </p:nvGrpSpPr>
-      <p:grpSpPr>
-        <a:xfrm>
-          <a:off x="0" y="0"/>
-          <a:ext cx="0" cy="0"/>
-          <a:chOff x="0" y="0"/>
-          <a:chExt cx="0" cy="0"/>
-        </a:xfrm>
-      </p:grpSpPr>
-      <p:pic>
-        <p:nvPicPr>
-          <p:cNvPr id="3" name="Imagen 2">
-            <a:extLst>
-              <a:ext uri="{FF2B5EF4-FFF2-40B4-BE49-F238E27FC236}">
-                <a16:creationId xmlns:a16="http://schemas.microsoft.com/office/drawing/2014/main" id="{4D51A6D0-1261-43E7-A38D-87FE202C736C}"/>
-              </a:ext>
-            </a:extLst>
-          </p:cNvPr>
-          <p:cNvPicPr>
-            <a:picLocks noChangeAspect="1"/>
-          </p:cNvPicPr>
-          <p:nvPr/>
-        </p:nvPicPr>
-        <p:blipFill>
-          <a:blip r:embed="rId2"/>
-          <a:stretch>
-            <a:fillRect/>
-          </a:stretch>
-        </p:blipFill>
-        <p:spPr>
-          <a:xfrm>
-            <a:off x="175218" y="349653"/>
-            <a:ext cx="6235851" cy="3512663"/>
-          </a:xfrm>
-          <a:prstGeom prst="rect">
-            <a:avLst/>
-          </a:prstGeom>
-        </p:spPr>
-      </p:pic>
-      <p:pic>
-        <p:nvPicPr>
-          <p:cNvPr id="5" name="Imagen 4">
-            <a:extLst>
-              <a:ext uri="{FF2B5EF4-FFF2-40B4-BE49-F238E27FC236}">
-                <a16:creationId xmlns:a16="http://schemas.microsoft.com/office/drawing/2014/main" id="{14A7B427-DB1A-4B97-8603-E9F60C27ADB3}"/>
-              </a:ext>
-            </a:extLst>
-          </p:cNvPr>
-          <p:cNvPicPr>
-            <a:picLocks noChangeAspect="1"/>
-          </p:cNvPicPr>
-          <p:nvPr/>
-        </p:nvPicPr>
-        <p:blipFill>
-          <a:blip r:embed="rId3"/>
-          <a:stretch>
-            <a:fillRect/>
-          </a:stretch>
-        </p:blipFill>
-        <p:spPr>
-          <a:xfrm>
-            <a:off x="3854546" y="3277771"/>
-            <a:ext cx="8005543" cy="3387383"/>
-          </a:xfrm>
-          <a:prstGeom prst="rect">
-            <a:avLst/>
-          </a:prstGeom>
-        </p:spPr>
-      </p:pic>
-      <p:sp>
-        <p:nvSpPr>
-          <p:cNvPr id="6" name="CuadroTexto 5">
-            <a:extLst>
-              <a:ext uri="{FF2B5EF4-FFF2-40B4-BE49-F238E27FC236}">
-                <a16:creationId xmlns:a16="http://schemas.microsoft.com/office/drawing/2014/main" id="{5BACF026-C2F9-4387-94ED-8E28F6736EA0}"/>
-              </a:ext>
-            </a:extLst>
-          </p:cNvPr>
-          <p:cNvSpPr txBox="1"/>
-          <p:nvPr/>
-        </p:nvSpPr>
-        <p:spPr>
-          <a:xfrm>
-            <a:off x="7629099" y="982639"/>
-            <a:ext cx="2266839" cy="369332"/>
-          </a:xfrm>
-          <a:prstGeom prst="rect">
-            <a:avLst/>
-          </a:prstGeom>
-          <a:noFill/>
-        </p:spPr>
-        <p:txBody>
-          <a:bodyPr wrap="none" rtlCol="0">
-            <a:spAutoFit/>
-          </a:bodyPr>
-          <a:lstStyle/>
-          <a:p>
-            <a:r>
-              <a:rPr lang="es-AR" dirty="0"/>
-              <a:t>Modificar una </a:t>
-            </a:r>
-            <a:r>
-              <a:rPr lang="es-AR" dirty="0" err="1"/>
-              <a:t>Pelicula</a:t>
-            </a:r>
-            <a:endParaRPr lang="es-AR" dirty="0"/>
-          </a:p>
-        </p:txBody>
-      </p:sp>
-    </p:spTree>
-    <p:extLst>
-      <p:ext uri="{BB962C8B-B14F-4D97-AF65-F5344CB8AC3E}">
-        <p14:creationId xmlns:p14="http://schemas.microsoft.com/office/powerpoint/2010/main" val="4003482248"/>
-      </p:ext>
-    </p:extLst>
-  </p:cSld>
-  <p:clrMapOvr>
-    <a:masterClrMapping/>
-  </p:clrMapOvr>
-</p:sld>
-</file>
-
-<file path=ppt/slides/slide2.xml><?xml version="1.0" encoding="utf-8"?>
-<p:sld xmlns:a="http://schemas.openxmlformats.org/drawingml/2006/main" xmlns:r="http://schemas.openxmlformats.org/officeDocument/2006/relationships" xmlns:p="http://schemas.openxmlformats.org/presentationml/2006/main">
-  <p:cSld>
-    <p:spTree>
-      <p:nvGrpSpPr>
-        <p:cNvPr id="1" name=""/>
-        <p:cNvGrpSpPr/>
-        <p:nvPr/>
-      </p:nvGrpSpPr>
-      <p:grpSpPr>
-        <a:xfrm>
-          <a:off x="0" y="0"/>
-          <a:ext cx="0" cy="0"/>
-          <a:chOff x="0" y="0"/>
-          <a:chExt cx="0" cy="0"/>
-        </a:xfrm>
-      </p:grpSpPr>
-      <p:pic>
-        <p:nvPicPr>
-          <p:cNvPr id="3" name="Imagen 2">
-            <a:extLst>
-              <a:ext uri="{FF2B5EF4-FFF2-40B4-BE49-F238E27FC236}">
-                <a16:creationId xmlns:a16="http://schemas.microsoft.com/office/drawing/2014/main" id="{81CFFF85-C78C-4C2F-932C-6A6F7001D6E7}"/>
-              </a:ext>
-            </a:extLst>
-          </p:cNvPr>
-          <p:cNvPicPr>
-            <a:picLocks noChangeAspect="1"/>
-          </p:cNvPicPr>
-          <p:nvPr/>
-        </p:nvPicPr>
-        <p:blipFill>
-          <a:blip r:embed="rId2"/>
-          <a:stretch>
-            <a:fillRect/>
-          </a:stretch>
-        </p:blipFill>
-        <p:spPr>
-          <a:xfrm>
-            <a:off x="0" y="1132764"/>
-            <a:ext cx="12192000" cy="5601845"/>
-          </a:xfrm>
-          <a:prstGeom prst="rect">
-            <a:avLst/>
-          </a:prstGeom>
-        </p:spPr>
-      </p:pic>
-      <p:sp>
-        <p:nvSpPr>
-          <p:cNvPr id="2" name="CuadroTexto 1">
-            <a:extLst>
-              <a:ext uri="{FF2B5EF4-FFF2-40B4-BE49-F238E27FC236}">
-                <a16:creationId xmlns:a16="http://schemas.microsoft.com/office/drawing/2014/main" id="{2E1B3842-8FBE-45B8-8D2E-657992BBA12E}"/>
-              </a:ext>
-            </a:extLst>
-          </p:cNvPr>
-          <p:cNvSpPr txBox="1"/>
-          <p:nvPr/>
-        </p:nvSpPr>
-        <p:spPr>
-          <a:xfrm>
-            <a:off x="4462818" y="123391"/>
-            <a:ext cx="2552132" cy="584775"/>
-          </a:xfrm>
-          <a:prstGeom prst="rect">
-            <a:avLst/>
-          </a:prstGeom>
-          <a:noFill/>
-        </p:spPr>
-        <p:txBody>
-          <a:bodyPr wrap="square" rtlCol="0">
-            <a:spAutoFit/>
-          </a:bodyPr>
-          <a:lstStyle/>
-          <a:p>
-            <a:r>
-              <a:rPr lang="es-AR" sz="3200" dirty="0"/>
-              <a:t>Personajes  </a:t>
-            </a:r>
-          </a:p>
-        </p:txBody>
-      </p:sp>
-      <p:pic>
-        <p:nvPicPr>
-          <p:cNvPr id="6" name="Imagen 5">
-            <a:extLst>
-              <a:ext uri="{FF2B5EF4-FFF2-40B4-BE49-F238E27FC236}">
-                <a16:creationId xmlns:a16="http://schemas.microsoft.com/office/drawing/2014/main" id="{6E393518-08E6-4791-8ED6-54CD4905C4D7}"/>
-              </a:ext>
-            </a:extLst>
-          </p:cNvPr>
-          <p:cNvPicPr>
-            <a:picLocks noChangeAspect="1"/>
-          </p:cNvPicPr>
-          <p:nvPr/>
-        </p:nvPicPr>
-        <p:blipFill>
-          <a:blip r:embed="rId3"/>
-          <a:stretch>
-            <a:fillRect/>
-          </a:stretch>
-        </p:blipFill>
-        <p:spPr>
-          <a:xfrm>
-            <a:off x="453432" y="708166"/>
-            <a:ext cx="1895475" cy="447675"/>
-          </a:xfrm>
-          <a:prstGeom prst="rect">
-            <a:avLst/>
-          </a:prstGeom>
-        </p:spPr>
-      </p:pic>
-    </p:spTree>
-    <p:extLst>
-      <p:ext uri="{BB962C8B-B14F-4D97-AF65-F5344CB8AC3E}">
-        <p14:creationId xmlns:p14="http://schemas.microsoft.com/office/powerpoint/2010/main" val="839380534"/>
-      </p:ext>
-    </p:extLst>
-  </p:cSld>
-  <p:clrMapOvr>
-    <a:masterClrMapping/>
-  </p:clrMapOvr>
-</p:sld>
-</file>
-
-<file path=ppt/slides/slide20.xml><?xml version="1.0" encoding="utf-8"?>
-<p:sld xmlns:a="http://schemas.openxmlformats.org/drawingml/2006/main" xmlns:r="http://schemas.openxmlformats.org/officeDocument/2006/relationships" xmlns:p="http://schemas.openxmlformats.org/presentationml/2006/main">
-  <p:cSld>
-    <p:spTree>
-      <p:nvGrpSpPr>
-        <p:cNvPr id="1" name=""/>
-        <p:cNvGrpSpPr/>
-        <p:nvPr/>
-      </p:nvGrpSpPr>
-      <p:grpSpPr>
-        <a:xfrm>
-          <a:off x="0" y="0"/>
-          <a:ext cx="0" cy="0"/>
-          <a:chOff x="0" y="0"/>
-          <a:chExt cx="0" cy="0"/>
-        </a:xfrm>
-      </p:grpSpPr>
-      <p:pic>
-        <p:nvPicPr>
-          <p:cNvPr id="3" name="Imagen 2">
-            <a:extLst>
-              <a:ext uri="{FF2B5EF4-FFF2-40B4-BE49-F238E27FC236}">
-                <a16:creationId xmlns:a16="http://schemas.microsoft.com/office/drawing/2014/main" id="{81CE5C37-8485-4384-92DA-A99E19C7F5E7}"/>
-              </a:ext>
-            </a:extLst>
-          </p:cNvPr>
-          <p:cNvPicPr>
-            <a:picLocks noChangeAspect="1"/>
-          </p:cNvPicPr>
-          <p:nvPr/>
-        </p:nvPicPr>
-        <p:blipFill>
-          <a:blip r:embed="rId2"/>
-          <a:stretch>
-            <a:fillRect/>
-          </a:stretch>
-        </p:blipFill>
-        <p:spPr>
-          <a:xfrm>
-            <a:off x="322385" y="1038225"/>
-            <a:ext cx="11125200" cy="5819775"/>
-          </a:xfrm>
-          <a:prstGeom prst="rect">
-            <a:avLst/>
-          </a:prstGeom>
-        </p:spPr>
-      </p:pic>
-      <p:sp>
-        <p:nvSpPr>
-          <p:cNvPr id="4" name="CuadroTexto 3">
-            <a:extLst>
-              <a:ext uri="{FF2B5EF4-FFF2-40B4-BE49-F238E27FC236}">
-                <a16:creationId xmlns:a16="http://schemas.microsoft.com/office/drawing/2014/main" id="{46B819AE-39A4-4B09-86B1-CDA65F230F10}"/>
-              </a:ext>
-            </a:extLst>
-          </p:cNvPr>
-          <p:cNvSpPr txBox="1"/>
-          <p:nvPr/>
-        </p:nvSpPr>
-        <p:spPr>
-          <a:xfrm>
-            <a:off x="1419367" y="450376"/>
-            <a:ext cx="1956241" cy="369332"/>
-          </a:xfrm>
-          <a:prstGeom prst="rect">
-            <a:avLst/>
-          </a:prstGeom>
-          <a:noFill/>
-        </p:spPr>
-        <p:txBody>
-          <a:bodyPr wrap="none" rtlCol="0">
-            <a:spAutoFit/>
-          </a:bodyPr>
-          <a:lstStyle/>
-          <a:p>
-            <a:r>
-              <a:rPr lang="es-AR" dirty="0"/>
-              <a:t>Borrar una </a:t>
-            </a:r>
-            <a:r>
-              <a:rPr lang="es-AR" dirty="0" err="1"/>
-              <a:t>Pelicula</a:t>
-            </a:r>
-            <a:endParaRPr lang="es-AR" dirty="0"/>
-          </a:p>
-        </p:txBody>
-      </p:sp>
-    </p:spTree>
-    <p:extLst>
-      <p:ext uri="{BB962C8B-B14F-4D97-AF65-F5344CB8AC3E}">
-        <p14:creationId xmlns:p14="http://schemas.microsoft.com/office/powerpoint/2010/main" val="2931248226"/>
-      </p:ext>
-    </p:extLst>
-  </p:cSld>
-  <p:clrMapOvr>
-    <a:masterClrMapping/>
-  </p:clrMapOvr>
-</p:sld>
-</file>
-
-<file path=ppt/slides/slide21.xml><?xml version="1.0" encoding="utf-8"?>
-<p:sld xmlns:a="http://schemas.openxmlformats.org/drawingml/2006/main" xmlns:r="http://schemas.openxmlformats.org/officeDocument/2006/relationships" xmlns:p="http://schemas.openxmlformats.org/presentationml/2006/main">
-  <p:cSld>
-    <p:spTree>
-      <p:nvGrpSpPr>
-        <p:cNvPr id="1" name=""/>
-        <p:cNvGrpSpPr/>
-        <p:nvPr/>
-      </p:nvGrpSpPr>
-      <p:grpSpPr>
-        <a:xfrm>
-          <a:off x="0" y="0"/>
-          <a:ext cx="0" cy="0"/>
-          <a:chOff x="0" y="0"/>
-          <a:chExt cx="0" cy="0"/>
-        </a:xfrm>
-      </p:grpSpPr>
-      <p:pic>
-        <p:nvPicPr>
-          <p:cNvPr id="3" name="Imagen 2">
-            <a:extLst>
-              <a:ext uri="{FF2B5EF4-FFF2-40B4-BE49-F238E27FC236}">
-                <a16:creationId xmlns:a16="http://schemas.microsoft.com/office/drawing/2014/main" id="{C12AF54F-BFEB-421A-AFA0-AD3D4CA8E95C}"/>
-              </a:ext>
-            </a:extLst>
-          </p:cNvPr>
-          <p:cNvPicPr>
-            <a:picLocks noChangeAspect="1"/>
-          </p:cNvPicPr>
-          <p:nvPr/>
-        </p:nvPicPr>
-        <p:blipFill>
-          <a:blip r:embed="rId2"/>
-          <a:stretch>
-            <a:fillRect/>
-          </a:stretch>
-        </p:blipFill>
-        <p:spPr>
-          <a:xfrm>
-            <a:off x="1019175" y="1866900"/>
-            <a:ext cx="10153650" cy="3124200"/>
-          </a:xfrm>
-          <a:prstGeom prst="rect">
-            <a:avLst/>
-          </a:prstGeom>
-        </p:spPr>
-      </p:pic>
-    </p:spTree>
-    <p:extLst>
-      <p:ext uri="{BB962C8B-B14F-4D97-AF65-F5344CB8AC3E}">
-        <p14:creationId xmlns:p14="http://schemas.microsoft.com/office/powerpoint/2010/main" val="2399242745"/>
-      </p:ext>
-    </p:extLst>
-  </p:cSld>
-  <p:clrMapOvr>
-    <a:masterClrMapping/>
-  </p:clrMapOvr>
-</p:sld>
-</file>
-
-<file path=ppt/slides/slide22.xml><?xml version="1.0" encoding="utf-8"?>
-<p:sld xmlns:a="http://schemas.openxmlformats.org/drawingml/2006/main" xmlns:r="http://schemas.openxmlformats.org/officeDocument/2006/relationships" xmlns:p="http://schemas.openxmlformats.org/presentationml/2006/main">
-  <p:cSld>
-    <p:spTree>
-      <p:nvGrpSpPr>
-        <p:cNvPr id="1" name=""/>
-        <p:cNvGrpSpPr/>
-        <p:nvPr/>
-      </p:nvGrpSpPr>
-      <p:grpSpPr>
-        <a:xfrm>
-          <a:off x="0" y="0"/>
-          <a:ext cx="0" cy="0"/>
-          <a:chOff x="0" y="0"/>
-          <a:chExt cx="0" cy="0"/>
-        </a:xfrm>
-      </p:grpSpPr>
-      <p:pic>
-        <p:nvPicPr>
-          <p:cNvPr id="3" name="Imagen 2">
-            <a:extLst>
-              <a:ext uri="{FF2B5EF4-FFF2-40B4-BE49-F238E27FC236}">
-                <a16:creationId xmlns:a16="http://schemas.microsoft.com/office/drawing/2014/main" id="{4B1BB0E4-68D1-465B-BB6A-D4F13F8315A9}"/>
-              </a:ext>
-            </a:extLst>
-          </p:cNvPr>
-          <p:cNvPicPr>
-            <a:picLocks noChangeAspect="1"/>
-          </p:cNvPicPr>
-          <p:nvPr/>
-        </p:nvPicPr>
-        <p:blipFill>
-          <a:blip r:embed="rId2"/>
-          <a:stretch>
-            <a:fillRect/>
-          </a:stretch>
-        </p:blipFill>
-        <p:spPr>
-          <a:xfrm>
-            <a:off x="815926" y="947737"/>
-            <a:ext cx="10325685" cy="5368657"/>
-          </a:xfrm>
-          <a:prstGeom prst="rect">
-            <a:avLst/>
-          </a:prstGeom>
-        </p:spPr>
-      </p:pic>
-      <p:sp>
-        <p:nvSpPr>
-          <p:cNvPr id="4" name="CuadroTexto 3">
-            <a:extLst>
-              <a:ext uri="{FF2B5EF4-FFF2-40B4-BE49-F238E27FC236}">
-                <a16:creationId xmlns:a16="http://schemas.microsoft.com/office/drawing/2014/main" id="{DF8945D5-40CF-4CDA-8551-A608C27F2669}"/>
-              </a:ext>
-            </a:extLst>
-          </p:cNvPr>
-          <p:cNvSpPr txBox="1"/>
-          <p:nvPr/>
-        </p:nvSpPr>
-        <p:spPr>
-          <a:xfrm>
-            <a:off x="1241946" y="409433"/>
-            <a:ext cx="2979983" cy="369332"/>
-          </a:xfrm>
-          <a:prstGeom prst="rect">
-            <a:avLst/>
-          </a:prstGeom>
-          <a:noFill/>
-        </p:spPr>
-        <p:txBody>
-          <a:bodyPr wrap="none" rtlCol="0">
-            <a:spAutoFit/>
-          </a:bodyPr>
-          <a:lstStyle/>
-          <a:p>
-            <a:r>
-              <a:rPr lang="es-AR" dirty="0"/>
-              <a:t>Buscar una  película por titulo</a:t>
-            </a:r>
-          </a:p>
-        </p:txBody>
-      </p:sp>
-    </p:spTree>
-    <p:extLst>
-      <p:ext uri="{BB962C8B-B14F-4D97-AF65-F5344CB8AC3E}">
-        <p14:creationId xmlns:p14="http://schemas.microsoft.com/office/powerpoint/2010/main" val="179736163"/>
-      </p:ext>
-    </p:extLst>
-  </p:cSld>
-  <p:clrMapOvr>
-    <a:masterClrMapping/>
-  </p:clrMapOvr>
-</p:sld>
-</file>
-
-<file path=ppt/slides/slide23.xml><?xml version="1.0" encoding="utf-8"?>
-<p:sld xmlns:a="http://schemas.openxmlformats.org/drawingml/2006/main" xmlns:r="http://schemas.openxmlformats.org/officeDocument/2006/relationships" xmlns:p="http://schemas.openxmlformats.org/presentationml/2006/main">
-  <p:cSld>
-    <p:spTree>
-      <p:nvGrpSpPr>
-        <p:cNvPr id="1" name=""/>
-        <p:cNvGrpSpPr/>
-        <p:nvPr/>
-      </p:nvGrpSpPr>
-      <p:grpSpPr>
-        <a:xfrm>
-          <a:off x="0" y="0"/>
-          <a:ext cx="0" cy="0"/>
-          <a:chOff x="0" y="0"/>
-          <a:chExt cx="0" cy="0"/>
-        </a:xfrm>
-      </p:grpSpPr>
-      <p:pic>
-        <p:nvPicPr>
-          <p:cNvPr id="3" name="Imagen 2">
-            <a:extLst>
-              <a:ext uri="{FF2B5EF4-FFF2-40B4-BE49-F238E27FC236}">
-                <a16:creationId xmlns:a16="http://schemas.microsoft.com/office/drawing/2014/main" id="{0A0D0DFA-B58E-41F5-9A17-600E72FEA882}"/>
-              </a:ext>
-            </a:extLst>
-          </p:cNvPr>
-          <p:cNvPicPr>
-            <a:picLocks noChangeAspect="1"/>
-          </p:cNvPicPr>
-          <p:nvPr/>
-        </p:nvPicPr>
-        <p:blipFill>
-          <a:blip r:embed="rId2"/>
-          <a:stretch>
-            <a:fillRect/>
-          </a:stretch>
-        </p:blipFill>
-        <p:spPr>
-          <a:xfrm>
-            <a:off x="492370" y="815927"/>
-            <a:ext cx="10747717" cy="5570806"/>
-          </a:xfrm>
-          <a:prstGeom prst="rect">
-            <a:avLst/>
-          </a:prstGeom>
-        </p:spPr>
-      </p:pic>
-      <p:sp>
-        <p:nvSpPr>
-          <p:cNvPr id="6" name="CuadroTexto 5">
-            <a:extLst>
-              <a:ext uri="{FF2B5EF4-FFF2-40B4-BE49-F238E27FC236}">
-                <a16:creationId xmlns:a16="http://schemas.microsoft.com/office/drawing/2014/main" id="{5605DA39-FDF8-4C44-BCBC-47006E9B4706}"/>
-              </a:ext>
-            </a:extLst>
-          </p:cNvPr>
-          <p:cNvSpPr txBox="1"/>
-          <p:nvPr/>
-        </p:nvSpPr>
-        <p:spPr>
-          <a:xfrm>
-            <a:off x="1310185" y="409433"/>
-            <a:ext cx="3187539" cy="369332"/>
-          </a:xfrm>
-          <a:prstGeom prst="rect">
-            <a:avLst/>
-          </a:prstGeom>
-          <a:noFill/>
-        </p:spPr>
-        <p:txBody>
-          <a:bodyPr wrap="none" rtlCol="0">
-            <a:spAutoFit/>
-          </a:bodyPr>
-          <a:lstStyle/>
-          <a:p>
-            <a:r>
-              <a:rPr lang="es-AR" dirty="0"/>
-              <a:t>Buscar una  película por genero </a:t>
-            </a:r>
-          </a:p>
-        </p:txBody>
-      </p:sp>
-    </p:spTree>
-    <p:extLst>
-      <p:ext uri="{BB962C8B-B14F-4D97-AF65-F5344CB8AC3E}">
-        <p14:creationId xmlns:p14="http://schemas.microsoft.com/office/powerpoint/2010/main" val="331663225"/>
-      </p:ext>
-    </p:extLst>
-  </p:cSld>
-  <p:clrMapOvr>
-    <a:masterClrMapping/>
-  </p:clrMapOvr>
-</p:sld>
-</file>
-
-<file path=ppt/slides/slide24.xml><?xml version="1.0" encoding="utf-8"?>
-<p:sld xmlns:a="http://schemas.openxmlformats.org/drawingml/2006/main" xmlns:r="http://schemas.openxmlformats.org/officeDocument/2006/relationships" xmlns:p="http://schemas.openxmlformats.org/presentationml/2006/main">
-  <p:cSld>
-    <p:spTree>
-      <p:nvGrpSpPr>
-        <p:cNvPr id="1" name=""/>
-        <p:cNvGrpSpPr/>
-        <p:nvPr/>
-      </p:nvGrpSpPr>
-      <p:grpSpPr>
-        <a:xfrm>
-          <a:off x="0" y="0"/>
-          <a:ext cx="0" cy="0"/>
-          <a:chOff x="0" y="0"/>
-          <a:chExt cx="0" cy="0"/>
-        </a:xfrm>
-      </p:grpSpPr>
-      <p:pic>
-        <p:nvPicPr>
-          <p:cNvPr id="2" name="Imagen 1">
-            <a:extLst>
-              <a:ext uri="{FF2B5EF4-FFF2-40B4-BE49-F238E27FC236}">
-                <a16:creationId xmlns:a16="http://schemas.microsoft.com/office/drawing/2014/main" id="{6271F381-49B1-413C-A117-978FD4832FC8}"/>
-              </a:ext>
-            </a:extLst>
-          </p:cNvPr>
-          <p:cNvPicPr>
-            <a:picLocks noChangeAspect="1"/>
-          </p:cNvPicPr>
-          <p:nvPr/>
-        </p:nvPicPr>
-        <p:blipFill>
-          <a:blip r:embed="rId2"/>
-          <a:stretch>
-            <a:fillRect/>
-          </a:stretch>
-        </p:blipFill>
-        <p:spPr>
-          <a:xfrm>
-            <a:off x="886265" y="970671"/>
-            <a:ext cx="10269415" cy="5092503"/>
-          </a:xfrm>
-          <a:prstGeom prst="rect">
-            <a:avLst/>
-          </a:prstGeom>
-        </p:spPr>
-      </p:pic>
-    </p:spTree>
-    <p:extLst>
-      <p:ext uri="{BB962C8B-B14F-4D97-AF65-F5344CB8AC3E}">
-        <p14:creationId xmlns:p14="http://schemas.microsoft.com/office/powerpoint/2010/main" val="2826176009"/>
-      </p:ext>
-    </p:extLst>
-  </p:cSld>
-  <p:clrMapOvr>
-    <a:masterClrMapping/>
-  </p:clrMapOvr>
-</p:sld>
-</file>
-
-<file path=ppt/slides/slide25.xml><?xml version="1.0" encoding="utf-8"?>
-<p:sld xmlns:a="http://schemas.openxmlformats.org/drawingml/2006/main" xmlns:r="http://schemas.openxmlformats.org/officeDocument/2006/relationships" xmlns:p="http://schemas.openxmlformats.org/presentationml/2006/main">
-  <p:cSld>
-    <p:spTree>
-      <p:nvGrpSpPr>
-        <p:cNvPr id="1" name=""/>
-        <p:cNvGrpSpPr/>
-        <p:nvPr/>
-      </p:nvGrpSpPr>
-      <p:grpSpPr>
-        <a:xfrm>
-          <a:off x="0" y="0"/>
-          <a:ext cx="0" cy="0"/>
-          <a:chOff x="0" y="0"/>
-          <a:chExt cx="0" cy="0"/>
-        </a:xfrm>
-      </p:grpSpPr>
-      <p:pic>
-        <p:nvPicPr>
-          <p:cNvPr id="3" name="Imagen 2">
-            <a:extLst>
-              <a:ext uri="{FF2B5EF4-FFF2-40B4-BE49-F238E27FC236}">
-                <a16:creationId xmlns:a16="http://schemas.microsoft.com/office/drawing/2014/main" id="{B2678C87-4744-42CE-9ACA-DAE627120C26}"/>
-              </a:ext>
-            </a:extLst>
-          </p:cNvPr>
-          <p:cNvPicPr>
-            <a:picLocks noChangeAspect="1"/>
-          </p:cNvPicPr>
-          <p:nvPr/>
-        </p:nvPicPr>
-        <p:blipFill>
-          <a:blip r:embed="rId2"/>
-          <a:stretch>
-            <a:fillRect/>
-          </a:stretch>
-        </p:blipFill>
-        <p:spPr>
-          <a:xfrm>
-            <a:off x="4762" y="1185862"/>
-            <a:ext cx="12182475" cy="4486275"/>
-          </a:xfrm>
-          <a:prstGeom prst="rect">
-            <a:avLst/>
-          </a:prstGeom>
-        </p:spPr>
-      </p:pic>
-      <p:sp>
-        <p:nvSpPr>
-          <p:cNvPr id="4" name="CuadroTexto 3">
-            <a:extLst>
-              <a:ext uri="{FF2B5EF4-FFF2-40B4-BE49-F238E27FC236}">
-                <a16:creationId xmlns:a16="http://schemas.microsoft.com/office/drawing/2014/main" id="{6A2088A7-C3E6-46D8-ADD7-D123B31CA642}"/>
-              </a:ext>
-            </a:extLst>
-          </p:cNvPr>
-          <p:cNvSpPr txBox="1"/>
-          <p:nvPr/>
-        </p:nvSpPr>
-        <p:spPr>
-          <a:xfrm>
-            <a:off x="5092505" y="506437"/>
-            <a:ext cx="1764778" cy="369332"/>
-          </a:xfrm>
-          <a:prstGeom prst="rect">
-            <a:avLst/>
-          </a:prstGeom>
-          <a:noFill/>
-        </p:spPr>
-        <p:txBody>
-          <a:bodyPr wrap="none" rtlCol="0">
-            <a:spAutoFit/>
-          </a:bodyPr>
-          <a:lstStyle/>
-          <a:p>
-            <a:r>
-              <a:rPr lang="es-AR" dirty="0"/>
-              <a:t>Filtro por  orden </a:t>
-            </a:r>
-          </a:p>
-        </p:txBody>
-      </p:sp>
-    </p:spTree>
-    <p:extLst>
-      <p:ext uri="{BB962C8B-B14F-4D97-AF65-F5344CB8AC3E}">
-        <p14:creationId xmlns:p14="http://schemas.microsoft.com/office/powerpoint/2010/main" val="1045704317"/>
-      </p:ext>
-    </p:extLst>
-  </p:cSld>
-  <p:clrMapOvr>
-    <a:masterClrMapping/>
-  </p:clrMapOvr>
-</p:sld>
-</file>
-
-<file path=ppt/slides/slide26.xml><?xml version="1.0" encoding="utf-8"?>
-<p:sld xmlns:a="http://schemas.openxmlformats.org/drawingml/2006/main" xmlns:r="http://schemas.openxmlformats.org/officeDocument/2006/relationships" xmlns:p="http://schemas.openxmlformats.org/presentationml/2006/main">
-  <p:cSld>
-    <p:spTree>
-      <p:nvGrpSpPr>
-        <p:cNvPr id="1" name=""/>
-        <p:cNvGrpSpPr/>
-        <p:nvPr/>
-      </p:nvGrpSpPr>
-      <p:grpSpPr>
-        <a:xfrm>
-          <a:off x="0" y="0"/>
-          <a:ext cx="0" cy="0"/>
-          <a:chOff x="0" y="0"/>
-          <a:chExt cx="0" cy="0"/>
-        </a:xfrm>
-      </p:grpSpPr>
-      <p:pic>
-        <p:nvPicPr>
-          <p:cNvPr id="5" name="Imagen 4">
-            <a:extLst>
-              <a:ext uri="{FF2B5EF4-FFF2-40B4-BE49-F238E27FC236}">
-                <a16:creationId xmlns:a16="http://schemas.microsoft.com/office/drawing/2014/main" id="{63FF3E3E-E829-4634-9600-BDF1079384BC}"/>
-              </a:ext>
-            </a:extLst>
-          </p:cNvPr>
-          <p:cNvPicPr>
-            <a:picLocks noChangeAspect="1"/>
-          </p:cNvPicPr>
-          <p:nvPr/>
-        </p:nvPicPr>
-        <p:blipFill>
-          <a:blip r:embed="rId2"/>
-          <a:stretch>
-            <a:fillRect/>
-          </a:stretch>
-        </p:blipFill>
-        <p:spPr>
-          <a:xfrm>
-            <a:off x="844062" y="562708"/>
-            <a:ext cx="10747716" cy="5781821"/>
-          </a:xfrm>
-          <a:prstGeom prst="rect">
-            <a:avLst/>
-          </a:prstGeom>
-        </p:spPr>
-      </p:pic>
-    </p:spTree>
-    <p:extLst>
-      <p:ext uri="{BB962C8B-B14F-4D97-AF65-F5344CB8AC3E}">
-        <p14:creationId xmlns:p14="http://schemas.microsoft.com/office/powerpoint/2010/main" val="3679966145"/>
-      </p:ext>
-    </p:extLst>
-  </p:cSld>
-  <p:clrMapOvr>
-    <a:masterClrMapping/>
-  </p:clrMapOvr>
-</p:sld>
-</file>
-
-<file path=ppt/slides/slide27.xml><?xml version="1.0" encoding="utf-8"?>
-<p:sld xmlns:a="http://schemas.openxmlformats.org/drawingml/2006/main" xmlns:r="http://schemas.openxmlformats.org/officeDocument/2006/relationships" xmlns:p="http://schemas.openxmlformats.org/presentationml/2006/main">
-  <p:cSld>
-    <p:spTree>
-      <p:nvGrpSpPr>
-        <p:cNvPr id="1" name=""/>
-        <p:cNvGrpSpPr/>
-        <p:nvPr/>
-      </p:nvGrpSpPr>
-      <p:grpSpPr>
-        <a:xfrm>
-          <a:off x="0" y="0"/>
-          <a:ext cx="0" cy="0"/>
-          <a:chOff x="0" y="0"/>
-          <a:chExt cx="0" cy="0"/>
-        </a:xfrm>
-      </p:grpSpPr>
-      <p:pic>
-        <p:nvPicPr>
-          <p:cNvPr id="3" name="Imagen 2">
-            <a:extLst>
-              <a:ext uri="{FF2B5EF4-FFF2-40B4-BE49-F238E27FC236}">
-                <a16:creationId xmlns:a16="http://schemas.microsoft.com/office/drawing/2014/main" id="{9F263F73-4CD7-46FC-BA7B-571C3FA07068}"/>
-              </a:ext>
-            </a:extLst>
-          </p:cNvPr>
-          <p:cNvPicPr>
-            <a:picLocks noChangeAspect="1"/>
-          </p:cNvPicPr>
-          <p:nvPr/>
-        </p:nvPicPr>
-        <p:blipFill>
-          <a:blip r:embed="rId2"/>
-          <a:stretch>
-            <a:fillRect/>
-          </a:stretch>
-        </p:blipFill>
-        <p:spPr>
-          <a:xfrm>
-            <a:off x="1271629" y="960957"/>
-            <a:ext cx="8582025" cy="5800725"/>
-          </a:xfrm>
-          <a:prstGeom prst="rect">
-            <a:avLst/>
-          </a:prstGeom>
-        </p:spPr>
-      </p:pic>
-      <p:sp>
-        <p:nvSpPr>
-          <p:cNvPr id="4" name="CuadroTexto 3">
-            <a:extLst>
-              <a:ext uri="{FF2B5EF4-FFF2-40B4-BE49-F238E27FC236}">
-                <a16:creationId xmlns:a16="http://schemas.microsoft.com/office/drawing/2014/main" id="{F48943D5-B308-4AD8-A2D6-D9AC1A4DA7FA}"/>
-              </a:ext>
-            </a:extLst>
-          </p:cNvPr>
-          <p:cNvSpPr txBox="1"/>
-          <p:nvPr/>
-        </p:nvSpPr>
-        <p:spPr>
-          <a:xfrm>
-            <a:off x="4681182" y="382137"/>
-            <a:ext cx="881460" cy="369332"/>
-          </a:xfrm>
-          <a:prstGeom prst="rect">
-            <a:avLst/>
-          </a:prstGeom>
-          <a:noFill/>
-        </p:spPr>
-        <p:txBody>
-          <a:bodyPr wrap="none" rtlCol="0">
-            <a:spAutoFit/>
-          </a:bodyPr>
-          <a:lstStyle/>
-          <a:p>
-            <a:r>
-              <a:rPr lang="es-AR" dirty="0"/>
-              <a:t>Genero</a:t>
-            </a:r>
-          </a:p>
-        </p:txBody>
-      </p:sp>
-      <p:sp>
-        <p:nvSpPr>
-          <p:cNvPr id="5" name="CuadroTexto 4">
-            <a:extLst>
-              <a:ext uri="{FF2B5EF4-FFF2-40B4-BE49-F238E27FC236}">
-                <a16:creationId xmlns:a16="http://schemas.microsoft.com/office/drawing/2014/main" id="{189F55F1-783C-47A2-B2CD-FAB2C76F5882}"/>
-              </a:ext>
-            </a:extLst>
-          </p:cNvPr>
-          <p:cNvSpPr txBox="1"/>
-          <p:nvPr/>
-        </p:nvSpPr>
-        <p:spPr>
-          <a:xfrm>
-            <a:off x="1341021" y="671547"/>
-            <a:ext cx="1994649" cy="369332"/>
-          </a:xfrm>
-          <a:prstGeom prst="rect">
-            <a:avLst/>
-          </a:prstGeom>
-          <a:noFill/>
-        </p:spPr>
-        <p:txBody>
-          <a:bodyPr wrap="none" rtlCol="0">
-            <a:spAutoFit/>
-          </a:bodyPr>
-          <a:lstStyle/>
-          <a:p>
-            <a:r>
-              <a:rPr lang="es-AR" dirty="0"/>
-              <a:t>Listado de géneros </a:t>
-            </a:r>
-          </a:p>
-        </p:txBody>
-      </p:sp>
-    </p:spTree>
-    <p:extLst>
-      <p:ext uri="{BB962C8B-B14F-4D97-AF65-F5344CB8AC3E}">
-        <p14:creationId xmlns:p14="http://schemas.microsoft.com/office/powerpoint/2010/main" val="1813820467"/>
-      </p:ext>
-    </p:extLst>
-  </p:cSld>
-  <p:clrMapOvr>
-    <a:masterClrMapping/>
-  </p:clrMapOvr>
-</p:sld>
-</file>
-
-<file path=ppt/slides/slide28.xml><?xml version="1.0" encoding="utf-8"?>
-<p:sld xmlns:a="http://schemas.openxmlformats.org/drawingml/2006/main" xmlns:r="http://schemas.openxmlformats.org/officeDocument/2006/relationships" xmlns:p="http://schemas.openxmlformats.org/presentationml/2006/main">
-  <p:cSld>
-    <p:spTree>
-      <p:nvGrpSpPr>
-        <p:cNvPr id="1" name=""/>
-        <p:cNvGrpSpPr/>
-        <p:nvPr/>
-      </p:nvGrpSpPr>
-      <p:grpSpPr>
-        <a:xfrm>
-          <a:off x="0" y="0"/>
-          <a:ext cx="0" cy="0"/>
-          <a:chOff x="0" y="0"/>
-          <a:chExt cx="0" cy="0"/>
-        </a:xfrm>
-      </p:grpSpPr>
-      <p:pic>
-        <p:nvPicPr>
-          <p:cNvPr id="3" name="Imagen 2">
-            <a:extLst>
-              <a:ext uri="{FF2B5EF4-FFF2-40B4-BE49-F238E27FC236}">
-                <a16:creationId xmlns:a16="http://schemas.microsoft.com/office/drawing/2014/main" id="{D0382B12-8EE6-47C0-94E1-A61CA4F24125}"/>
-              </a:ext>
-            </a:extLst>
-          </p:cNvPr>
-          <p:cNvPicPr>
-            <a:picLocks noChangeAspect="1"/>
-          </p:cNvPicPr>
-          <p:nvPr/>
-        </p:nvPicPr>
-        <p:blipFill>
-          <a:blip r:embed="rId2"/>
-          <a:stretch>
-            <a:fillRect/>
-          </a:stretch>
-        </p:blipFill>
-        <p:spPr>
-          <a:xfrm>
-            <a:off x="309167" y="800810"/>
-            <a:ext cx="11020425" cy="5838825"/>
-          </a:xfrm>
-          <a:prstGeom prst="rect">
-            <a:avLst/>
-          </a:prstGeom>
-        </p:spPr>
-      </p:pic>
-      <p:sp>
-        <p:nvSpPr>
-          <p:cNvPr id="5" name="CuadroTexto 4">
-            <a:extLst>
-              <a:ext uri="{FF2B5EF4-FFF2-40B4-BE49-F238E27FC236}">
-                <a16:creationId xmlns:a16="http://schemas.microsoft.com/office/drawing/2014/main" id="{4A4500BE-713C-4C93-AB07-CCD17F9DEFD9}"/>
-              </a:ext>
-            </a:extLst>
-          </p:cNvPr>
-          <p:cNvSpPr txBox="1"/>
-          <p:nvPr/>
-        </p:nvSpPr>
-        <p:spPr>
-          <a:xfrm>
-            <a:off x="1296537" y="573206"/>
-            <a:ext cx="1698863" cy="369332"/>
-          </a:xfrm>
-          <a:prstGeom prst="rect">
-            <a:avLst/>
-          </a:prstGeom>
-          <a:noFill/>
-        </p:spPr>
-        <p:txBody>
-          <a:bodyPr wrap="none" rtlCol="0">
-            <a:spAutoFit/>
-          </a:bodyPr>
-          <a:lstStyle/>
-          <a:p>
-            <a:r>
-              <a:rPr lang="es-AR" dirty="0"/>
-              <a:t>Crear un genero</a:t>
-            </a:r>
-          </a:p>
-        </p:txBody>
-      </p:sp>
-    </p:spTree>
-    <p:extLst>
-      <p:ext uri="{BB962C8B-B14F-4D97-AF65-F5344CB8AC3E}">
-        <p14:creationId xmlns:p14="http://schemas.microsoft.com/office/powerpoint/2010/main" val="3753930792"/>
-      </p:ext>
-    </p:extLst>
-  </p:cSld>
-  <p:clrMapOvr>
-    <a:masterClrMapping/>
-  </p:clrMapOvr>
-</p:sld>
-</file>
-
-<file path=ppt/slides/slide29.xml><?xml version="1.0" encoding="utf-8"?>
-<p:sld xmlns:a="http://schemas.openxmlformats.org/drawingml/2006/main" xmlns:r="http://schemas.openxmlformats.org/officeDocument/2006/relationships" xmlns:p="http://schemas.openxmlformats.org/presentationml/2006/main">
-  <p:cSld>
-    <p:spTree>
-      <p:nvGrpSpPr>
-        <p:cNvPr id="1" name=""/>
-        <p:cNvGrpSpPr/>
-        <p:nvPr/>
-      </p:nvGrpSpPr>
-      <p:grpSpPr>
-        <a:xfrm>
-          <a:off x="0" y="0"/>
-          <a:ext cx="0" cy="0"/>
-          <a:chOff x="0" y="0"/>
-          <a:chExt cx="0" cy="0"/>
-        </a:xfrm>
-      </p:grpSpPr>
-      <p:pic>
-        <p:nvPicPr>
-          <p:cNvPr id="3" name="Imagen 2">
-            <a:extLst>
-              <a:ext uri="{FF2B5EF4-FFF2-40B4-BE49-F238E27FC236}">
-                <a16:creationId xmlns:a16="http://schemas.microsoft.com/office/drawing/2014/main" id="{288372B9-EF90-466D-B65F-DFD3D51817C2}"/>
-              </a:ext>
-            </a:extLst>
-          </p:cNvPr>
-          <p:cNvPicPr>
-            <a:picLocks noChangeAspect="1"/>
-          </p:cNvPicPr>
-          <p:nvPr/>
-        </p:nvPicPr>
-        <p:blipFill>
-          <a:blip r:embed="rId2"/>
-          <a:stretch>
-            <a:fillRect/>
-          </a:stretch>
-        </p:blipFill>
-        <p:spPr>
-          <a:xfrm>
-            <a:off x="1247775" y="819150"/>
-            <a:ext cx="9696450" cy="5219700"/>
-          </a:xfrm>
-          <a:prstGeom prst="rect">
-            <a:avLst/>
-          </a:prstGeom>
-        </p:spPr>
-      </p:pic>
-    </p:spTree>
-    <p:extLst>
-      <p:ext uri="{BB962C8B-B14F-4D97-AF65-F5344CB8AC3E}">
-        <p14:creationId xmlns:p14="http://schemas.microsoft.com/office/powerpoint/2010/main" val="2445671593"/>
-      </p:ext>
-    </p:extLst>
-  </p:cSld>
-  <p:clrMapOvr>
-    <a:masterClrMapping/>
-  </p:clrMapOvr>
-</p:sld>
-</file>
-
-<file path=ppt/slides/slide3.xml><?xml version="1.0" encoding="utf-8"?>
-<p:sld xmlns:a="http://schemas.openxmlformats.org/drawingml/2006/main" xmlns:r="http://schemas.openxmlformats.org/officeDocument/2006/relationships" xmlns:p="http://schemas.openxmlformats.org/presentationml/2006/main">
-  <p:cSld>
-    <p:spTree>
-      <p:nvGrpSpPr>
-        <p:cNvPr id="1" name=""/>
-        <p:cNvGrpSpPr/>
-        <p:nvPr/>
-      </p:nvGrpSpPr>
-      <p:grpSpPr>
-        <a:xfrm>
-          <a:off x="0" y="0"/>
-          <a:ext cx="0" cy="0"/>
-          <a:chOff x="0" y="0"/>
-          <a:chExt cx="0" cy="0"/>
-        </a:xfrm>
-      </p:grpSpPr>
-      <p:pic>
-        <p:nvPicPr>
-          <p:cNvPr id="3" name="Imagen 2">
-            <a:extLst>
-              <a:ext uri="{FF2B5EF4-FFF2-40B4-BE49-F238E27FC236}">
-                <a16:creationId xmlns:a16="http://schemas.microsoft.com/office/drawing/2014/main" id="{867B6689-C8AB-45F7-B98F-479063B06584}"/>
-              </a:ext>
-            </a:extLst>
-          </p:cNvPr>
-          <p:cNvPicPr>
-            <a:picLocks noChangeAspect="1"/>
-          </p:cNvPicPr>
-          <p:nvPr/>
-        </p:nvPicPr>
-        <p:blipFill>
-          <a:blip r:embed="rId2"/>
-          <a:stretch>
-            <a:fillRect/>
-          </a:stretch>
-        </p:blipFill>
-        <p:spPr>
-          <a:xfrm>
-            <a:off x="0" y="1378424"/>
-            <a:ext cx="12192000" cy="5311334"/>
-          </a:xfrm>
-          <a:prstGeom prst="rect">
-            <a:avLst/>
-          </a:prstGeom>
-        </p:spPr>
-      </p:pic>
-      <p:pic>
-        <p:nvPicPr>
-          <p:cNvPr id="4" name="Imagen 3">
-            <a:extLst>
-              <a:ext uri="{FF2B5EF4-FFF2-40B4-BE49-F238E27FC236}">
-                <a16:creationId xmlns:a16="http://schemas.microsoft.com/office/drawing/2014/main" id="{EE37B398-CAB8-4294-9BD1-845C771A56BB}"/>
-              </a:ext>
-            </a:extLst>
-          </p:cNvPr>
-          <p:cNvPicPr>
-            <a:picLocks noChangeAspect="1"/>
-          </p:cNvPicPr>
-          <p:nvPr/>
-        </p:nvPicPr>
-        <p:blipFill>
-          <a:blip r:embed="rId3"/>
-          <a:stretch>
-            <a:fillRect/>
-          </a:stretch>
-        </p:blipFill>
-        <p:spPr>
-          <a:xfrm>
-            <a:off x="2835108" y="168242"/>
-            <a:ext cx="4916820" cy="981075"/>
-          </a:xfrm>
-          <a:prstGeom prst="rect">
-            <a:avLst/>
-          </a:prstGeom>
-        </p:spPr>
-      </p:pic>
-    </p:spTree>
-    <p:extLst>
-      <p:ext uri="{BB962C8B-B14F-4D97-AF65-F5344CB8AC3E}">
-        <p14:creationId xmlns:p14="http://schemas.microsoft.com/office/powerpoint/2010/main" val="3562083218"/>
-      </p:ext>
-    </p:extLst>
-  </p:cSld>
-  <p:clrMapOvr>
-    <a:masterClrMapping/>
-  </p:clrMapOvr>
-</p:sld>
-</file>
-
-<file path=ppt/slides/slide30.xml><?xml version="1.0" encoding="utf-8"?>
-<p:sld xmlns:a="http://schemas.openxmlformats.org/drawingml/2006/main" xmlns:r="http://schemas.openxmlformats.org/officeDocument/2006/relationships" xmlns:p="http://schemas.openxmlformats.org/presentationml/2006/main">
-  <p:cSld>
-    <p:spTree>
-      <p:nvGrpSpPr>
-        <p:cNvPr id="1" name=""/>
-        <p:cNvGrpSpPr/>
-        <p:nvPr/>
-      </p:nvGrpSpPr>
-      <p:grpSpPr>
-        <a:xfrm>
-          <a:off x="0" y="0"/>
-          <a:ext cx="0" cy="0"/>
-          <a:chOff x="0" y="0"/>
-          <a:chExt cx="0" cy="0"/>
-        </a:xfrm>
-      </p:grpSpPr>
-    </p:spTree>
-    <p:extLst>
-      <p:ext uri="{BB962C8B-B14F-4D97-AF65-F5344CB8AC3E}">
-        <p14:creationId xmlns:p14="http://schemas.microsoft.com/office/powerpoint/2010/main" val="1041511674"/>
-      </p:ext>
-    </p:extLst>
-  </p:cSld>
-  <p:clrMapOvr>
-    <a:masterClrMapping/>
-  </p:clrMapOvr>
-</p:sld>
-</file>
-
-<file path=ppt/slides/slide31.xml><?xml version="1.0" encoding="utf-8"?>
-<p:sld xmlns:a="http://schemas.openxmlformats.org/drawingml/2006/main" xmlns:r="http://schemas.openxmlformats.org/officeDocument/2006/relationships" xmlns:p="http://schemas.openxmlformats.org/presentationml/2006/main">
-  <p:cSld>
-    <p:spTree>
-      <p:nvGrpSpPr>
-        <p:cNvPr id="1" name=""/>
-        <p:cNvGrpSpPr/>
-        <p:nvPr/>
-      </p:nvGrpSpPr>
-      <p:grpSpPr>
-        <a:xfrm>
-          <a:off x="0" y="0"/>
-          <a:ext cx="0" cy="0"/>
-          <a:chOff x="0" y="0"/>
-          <a:chExt cx="0" cy="0"/>
-        </a:xfrm>
-      </p:grpSpPr>
-    </p:spTree>
-    <p:extLst>
-      <p:ext uri="{BB962C8B-B14F-4D97-AF65-F5344CB8AC3E}">
-        <p14:creationId xmlns:p14="http://schemas.microsoft.com/office/powerpoint/2010/main" val="798038270"/>
-      </p:ext>
-    </p:extLst>
-  </p:cSld>
-  <p:clrMapOvr>
-    <a:masterClrMapping/>
-  </p:clrMapOvr>
-</p:sld>
-</file>
-
-<file path=ppt/slides/slide32.xml><?xml version="1.0" encoding="utf-8"?>
-<p:sld xmlns:a="http://schemas.openxmlformats.org/drawingml/2006/main" xmlns:r="http://schemas.openxmlformats.org/officeDocument/2006/relationships" xmlns:p="http://schemas.openxmlformats.org/presentationml/2006/main">
-  <p:cSld>
-    <p:spTree>
-      <p:nvGrpSpPr>
-        <p:cNvPr id="1" name=""/>
-        <p:cNvGrpSpPr/>
-        <p:nvPr/>
-      </p:nvGrpSpPr>
-      <p:grpSpPr>
-        <a:xfrm>
-          <a:off x="0" y="0"/>
-          <a:ext cx="0" cy="0"/>
-          <a:chOff x="0" y="0"/>
-          <a:chExt cx="0" cy="0"/>
-        </a:xfrm>
-      </p:grpSpPr>
-    </p:spTree>
-    <p:extLst>
-      <p:ext uri="{BB962C8B-B14F-4D97-AF65-F5344CB8AC3E}">
-        <p14:creationId xmlns:p14="http://schemas.microsoft.com/office/powerpoint/2010/main" val="3123500588"/>
-      </p:ext>
-    </p:extLst>
-  </p:cSld>
-  <p:clrMapOvr>
-    <a:masterClrMapping/>
-  </p:clrMapOvr>
-</p:sld>
-</file>
-
-<file path=ppt/slides/slide4.xml><?xml version="1.0" encoding="utf-8"?>
-<p:sld xmlns:a="http://schemas.openxmlformats.org/drawingml/2006/main" xmlns:r="http://schemas.openxmlformats.org/officeDocument/2006/relationships" xmlns:p="http://schemas.openxmlformats.org/presentationml/2006/main">
-  <p:cSld>
-    <p:spTree>
-      <p:nvGrpSpPr>
-        <p:cNvPr id="1" name=""/>
-        <p:cNvGrpSpPr/>
-        <p:nvPr/>
-      </p:nvGrpSpPr>
-      <p:grpSpPr>
-        <a:xfrm>
-          <a:off x="0" y="0"/>
-          <a:ext cx="0" cy="0"/>
-          <a:chOff x="0" y="0"/>
-          <a:chExt cx="0" cy="0"/>
-        </a:xfrm>
-      </p:grpSpPr>
-      <p:pic>
-        <p:nvPicPr>
-          <p:cNvPr id="5" name="Imagen 4">
-            <a:extLst>
-              <a:ext uri="{FF2B5EF4-FFF2-40B4-BE49-F238E27FC236}">
-                <a16:creationId xmlns:a16="http://schemas.microsoft.com/office/drawing/2014/main" id="{C73E5E11-A635-4BBB-9B3B-A2E9BE8BC1FB}"/>
-              </a:ext>
-            </a:extLst>
-          </p:cNvPr>
-          <p:cNvPicPr>
-            <a:picLocks noChangeAspect="1"/>
-          </p:cNvPicPr>
-          <p:nvPr/>
-        </p:nvPicPr>
-        <p:blipFill>
-          <a:blip r:embed="rId2"/>
-          <a:stretch>
-            <a:fillRect/>
-          </a:stretch>
-        </p:blipFill>
-        <p:spPr>
-          <a:xfrm>
-            <a:off x="1585912" y="990600"/>
-            <a:ext cx="9020175" cy="4876800"/>
-          </a:xfrm>
-          <a:prstGeom prst="rect">
-            <a:avLst/>
-          </a:prstGeom>
-        </p:spPr>
-      </p:pic>
-      <p:pic>
-        <p:nvPicPr>
-          <p:cNvPr id="3" name="Imagen 2">
-            <a:extLst>
-              <a:ext uri="{FF2B5EF4-FFF2-40B4-BE49-F238E27FC236}">
-                <a16:creationId xmlns:a16="http://schemas.microsoft.com/office/drawing/2014/main" id="{444BDB4E-E29C-4C1A-BEBE-F91D3B21283E}"/>
-              </a:ext>
-            </a:extLst>
-          </p:cNvPr>
-          <p:cNvPicPr>
-            <a:picLocks noChangeAspect="1"/>
-          </p:cNvPicPr>
-          <p:nvPr/>
-        </p:nvPicPr>
-        <p:blipFill>
-          <a:blip r:embed="rId3"/>
-          <a:stretch>
-            <a:fillRect/>
-          </a:stretch>
-        </p:blipFill>
-        <p:spPr>
-          <a:xfrm>
-            <a:off x="3740837" y="129654"/>
-            <a:ext cx="4410075" cy="457200"/>
-          </a:xfrm>
-          <a:prstGeom prst="rect">
-            <a:avLst/>
-          </a:prstGeom>
-        </p:spPr>
-      </p:pic>
-      <p:sp>
-        <p:nvSpPr>
-          <p:cNvPr id="4" name="CuadroTexto 3">
-            <a:extLst>
-              <a:ext uri="{FF2B5EF4-FFF2-40B4-BE49-F238E27FC236}">
-                <a16:creationId xmlns:a16="http://schemas.microsoft.com/office/drawing/2014/main" id="{61D937DC-55C0-49B5-9BA5-97751EF6B0C4}"/>
-              </a:ext>
-            </a:extLst>
-          </p:cNvPr>
-          <p:cNvSpPr txBox="1"/>
-          <p:nvPr/>
-        </p:nvSpPr>
-        <p:spPr>
-          <a:xfrm>
-            <a:off x="791570" y="621268"/>
-            <a:ext cx="1005596" cy="369332"/>
-          </a:xfrm>
-          <a:prstGeom prst="rect">
-            <a:avLst/>
-          </a:prstGeom>
-          <a:noFill/>
-        </p:spPr>
-        <p:txBody>
-          <a:bodyPr wrap="none" rtlCol="0">
-            <a:spAutoFit/>
-          </a:bodyPr>
-          <a:lstStyle/>
-          <a:p>
-            <a:r>
-              <a:rPr lang="es-AR" dirty="0"/>
-              <a:t>Creación</a:t>
-            </a:r>
-          </a:p>
-        </p:txBody>
-      </p:sp>
-    </p:spTree>
-    <p:extLst>
-      <p:ext uri="{BB962C8B-B14F-4D97-AF65-F5344CB8AC3E}">
-        <p14:creationId xmlns:p14="http://schemas.microsoft.com/office/powerpoint/2010/main" val="3383377717"/>
-      </p:ext>
-    </p:extLst>
-  </p:cSld>
-  <p:clrMapOvr>
-    <a:masterClrMapping/>
-  </p:clrMapOvr>
-</p:sld>
-</file>
-
-<file path=ppt/slides/slide5.xml><?xml version="1.0" encoding="utf-8"?>
-<p:sld xmlns:a="http://schemas.openxmlformats.org/drawingml/2006/main" xmlns:r="http://schemas.openxmlformats.org/officeDocument/2006/relationships" xmlns:p="http://schemas.openxmlformats.org/presentationml/2006/main">
-  <p:cSld>
-    <p:spTree>
-      <p:nvGrpSpPr>
-        <p:cNvPr id="1" name=""/>
-        <p:cNvGrpSpPr/>
-        <p:nvPr/>
-      </p:nvGrpSpPr>
-      <p:grpSpPr>
-        <a:xfrm>
-          <a:off x="0" y="0"/>
-          <a:ext cx="0" cy="0"/>
-          <a:chOff x="0" y="0"/>
-          <a:chExt cx="0" cy="0"/>
-        </a:xfrm>
-      </p:grpSpPr>
-      <p:pic>
-        <p:nvPicPr>
-          <p:cNvPr id="3" name="Imagen 2">
-            <a:extLst>
-              <a:ext uri="{FF2B5EF4-FFF2-40B4-BE49-F238E27FC236}">
-                <a16:creationId xmlns:a16="http://schemas.microsoft.com/office/drawing/2014/main" id="{CD3F6D99-A85F-4026-AC29-F448880D9DF2}"/>
-              </a:ext>
-            </a:extLst>
-          </p:cNvPr>
-          <p:cNvPicPr>
-            <a:picLocks noChangeAspect="1"/>
-          </p:cNvPicPr>
-          <p:nvPr/>
-        </p:nvPicPr>
-        <p:blipFill>
-          <a:blip r:embed="rId2"/>
-          <a:stretch>
-            <a:fillRect/>
-          </a:stretch>
-        </p:blipFill>
-        <p:spPr>
-          <a:xfrm>
-            <a:off x="0" y="1146411"/>
-            <a:ext cx="12192000" cy="5289337"/>
-          </a:xfrm>
-          <a:prstGeom prst="rect">
-            <a:avLst/>
-          </a:prstGeom>
-        </p:spPr>
-      </p:pic>
-      <p:sp>
-        <p:nvSpPr>
-          <p:cNvPr id="2" name="CuadroTexto 1">
-            <a:extLst>
-              <a:ext uri="{FF2B5EF4-FFF2-40B4-BE49-F238E27FC236}">
-                <a16:creationId xmlns:a16="http://schemas.microsoft.com/office/drawing/2014/main" id="{3BB43AC5-5120-4535-97C6-3FF911A3E55D}"/>
-              </a:ext>
-            </a:extLst>
-          </p:cNvPr>
-          <p:cNvSpPr txBox="1"/>
-          <p:nvPr/>
-        </p:nvSpPr>
-        <p:spPr>
-          <a:xfrm>
-            <a:off x="1310185" y="573206"/>
-            <a:ext cx="2080057" cy="369332"/>
-          </a:xfrm>
-          <a:prstGeom prst="rect">
-            <a:avLst/>
-          </a:prstGeom>
-          <a:noFill/>
-        </p:spPr>
-        <p:txBody>
-          <a:bodyPr wrap="none" rtlCol="0">
-            <a:spAutoFit/>
-          </a:bodyPr>
-          <a:lstStyle/>
-          <a:p>
-            <a:r>
-              <a:rPr lang="es-AR" dirty="0"/>
-              <a:t>Tabla  de Personajes</a:t>
-            </a:r>
-          </a:p>
-        </p:txBody>
-      </p:sp>
-    </p:spTree>
-    <p:extLst>
-      <p:ext uri="{BB962C8B-B14F-4D97-AF65-F5344CB8AC3E}">
-        <p14:creationId xmlns:p14="http://schemas.microsoft.com/office/powerpoint/2010/main" val="1015555029"/>
-      </p:ext>
-    </p:extLst>
-  </p:cSld>
-  <p:clrMapOvr>
-    <a:masterClrMapping/>
-  </p:clrMapOvr>
-</p:sld>
-</file>
-
-<file path=ppt/slides/slide6.xml><?xml version="1.0" encoding="utf-8"?>
-<p:sld xmlns:a="http://schemas.openxmlformats.org/drawingml/2006/main" xmlns:r="http://schemas.openxmlformats.org/officeDocument/2006/relationships" xmlns:p="http://schemas.openxmlformats.org/presentationml/2006/main">
-  <p:cSld>
-    <p:spTree>
-      <p:nvGrpSpPr>
-        <p:cNvPr id="1" name=""/>
-        <p:cNvGrpSpPr/>
-        <p:nvPr/>
-      </p:nvGrpSpPr>
-      <p:grpSpPr>
-        <a:xfrm>
-          <a:off x="0" y="0"/>
-          <a:ext cx="0" cy="0"/>
-          <a:chOff x="0" y="0"/>
-          <a:chExt cx="0" cy="0"/>
-        </a:xfrm>
-      </p:grpSpPr>
-      <p:pic>
-        <p:nvPicPr>
-          <p:cNvPr id="3" name="Imagen 2">
-            <a:extLst>
-              <a:ext uri="{FF2B5EF4-FFF2-40B4-BE49-F238E27FC236}">
-                <a16:creationId xmlns:a16="http://schemas.microsoft.com/office/drawing/2014/main" id="{82B3A880-C5DC-4C19-BC2D-8D861F3DD350}"/>
-              </a:ext>
-            </a:extLst>
-          </p:cNvPr>
-          <p:cNvPicPr>
-            <a:picLocks noChangeAspect="1"/>
-          </p:cNvPicPr>
-          <p:nvPr/>
-        </p:nvPicPr>
-        <p:blipFill>
-          <a:blip r:embed="rId2"/>
-          <a:stretch>
-            <a:fillRect/>
-          </a:stretch>
-        </p:blipFill>
-        <p:spPr>
-          <a:xfrm>
-            <a:off x="0" y="1228299"/>
-            <a:ext cx="12192000" cy="5349385"/>
-          </a:xfrm>
-          <a:prstGeom prst="rect">
-            <a:avLst/>
-          </a:prstGeom>
-        </p:spPr>
-      </p:pic>
-      <p:sp>
-        <p:nvSpPr>
-          <p:cNvPr id="2" name="CuadroTexto 1">
-            <a:extLst>
-              <a:ext uri="{FF2B5EF4-FFF2-40B4-BE49-F238E27FC236}">
-                <a16:creationId xmlns:a16="http://schemas.microsoft.com/office/drawing/2014/main" id="{7A88D184-2E32-459E-977A-CB4207C17B37}"/>
-              </a:ext>
-            </a:extLst>
-          </p:cNvPr>
-          <p:cNvSpPr txBox="1"/>
-          <p:nvPr/>
-        </p:nvSpPr>
-        <p:spPr>
-          <a:xfrm>
-            <a:off x="1692322" y="504967"/>
-            <a:ext cx="2410340" cy="369332"/>
-          </a:xfrm>
-          <a:prstGeom prst="rect">
-            <a:avLst/>
-          </a:prstGeom>
-          <a:noFill/>
-        </p:spPr>
-        <p:txBody>
-          <a:bodyPr wrap="none" rtlCol="0">
-            <a:spAutoFit/>
-          </a:bodyPr>
-          <a:lstStyle/>
-          <a:p>
-            <a:r>
-              <a:rPr lang="es-AR" dirty="0"/>
-              <a:t>Modificar  un Personaje</a:t>
-            </a:r>
-          </a:p>
-        </p:txBody>
-      </p:sp>
-    </p:spTree>
-    <p:extLst>
-      <p:ext uri="{BB962C8B-B14F-4D97-AF65-F5344CB8AC3E}">
-        <p14:creationId xmlns:p14="http://schemas.microsoft.com/office/powerpoint/2010/main" val="3055839680"/>
-      </p:ext>
-    </p:extLst>
-  </p:cSld>
-  <p:clrMapOvr>
-    <a:masterClrMapping/>
-  </p:clrMapOvr>
-</p:sld>
-</file>
-
-<file path=ppt/slides/slide7.xml><?xml version="1.0" encoding="utf-8"?>
-<p:sld xmlns:a="http://schemas.openxmlformats.org/drawingml/2006/main" xmlns:r="http://schemas.openxmlformats.org/officeDocument/2006/relationships" xmlns:p="http://schemas.openxmlformats.org/presentationml/2006/main">
-  <p:cSld>
-    <p:spTree>
-      <p:nvGrpSpPr>
-        <p:cNvPr id="1" name=""/>
-        <p:cNvGrpSpPr/>
-        <p:nvPr/>
-      </p:nvGrpSpPr>
-      <p:grpSpPr>
-        <a:xfrm>
-          <a:off x="0" y="0"/>
-          <a:ext cx="0" cy="0"/>
-          <a:chOff x="0" y="0"/>
-          <a:chExt cx="0" cy="0"/>
-        </a:xfrm>
-      </p:grpSpPr>
-      <p:pic>
-        <p:nvPicPr>
-          <p:cNvPr id="3" name="Imagen 2">
-            <a:extLst>
-              <a:ext uri="{FF2B5EF4-FFF2-40B4-BE49-F238E27FC236}">
-                <a16:creationId xmlns:a16="http://schemas.microsoft.com/office/drawing/2014/main" id="{8B6C5F34-FD79-4B98-BC93-D6514891C88C}"/>
-              </a:ext>
-            </a:extLst>
-          </p:cNvPr>
-          <p:cNvPicPr>
-            <a:picLocks noChangeAspect="1"/>
-          </p:cNvPicPr>
-          <p:nvPr/>
-        </p:nvPicPr>
-        <p:blipFill>
-          <a:blip r:embed="rId2"/>
-          <a:stretch>
-            <a:fillRect/>
-          </a:stretch>
-        </p:blipFill>
-        <p:spPr>
-          <a:xfrm>
-            <a:off x="0" y="250049"/>
-            <a:ext cx="12192000" cy="6357902"/>
-          </a:xfrm>
-          <a:prstGeom prst="rect">
-            <a:avLst/>
-          </a:prstGeom>
-        </p:spPr>
-      </p:pic>
-    </p:spTree>
-    <p:extLst>
-      <p:ext uri="{BB962C8B-B14F-4D97-AF65-F5344CB8AC3E}">
-        <p14:creationId xmlns:p14="http://schemas.microsoft.com/office/powerpoint/2010/main" val="833527568"/>
-      </p:ext>
-    </p:extLst>
-  </p:cSld>
-  <p:clrMapOvr>
-    <a:masterClrMapping/>
-  </p:clrMapOvr>
-</p:sld>
-</file>
-
-<file path=ppt/slides/slide8.xml><?xml version="1.0" encoding="utf-8"?>
-<p:sld xmlns:a="http://schemas.openxmlformats.org/drawingml/2006/main" xmlns:r="http://schemas.openxmlformats.org/officeDocument/2006/relationships" xmlns:p="http://schemas.openxmlformats.org/presentationml/2006/main">
-  <p:cSld>
-    <p:spTree>
-      <p:nvGrpSpPr>
-        <p:cNvPr id="1" name=""/>
-        <p:cNvGrpSpPr/>
-        <p:nvPr/>
-      </p:nvGrpSpPr>
-      <p:grpSpPr>
-        <a:xfrm>
-          <a:off x="0" y="0"/>
-          <a:ext cx="0" cy="0"/>
-          <a:chOff x="0" y="0"/>
-          <a:chExt cx="0" cy="0"/>
-        </a:xfrm>
-      </p:grpSpPr>
-      <p:pic>
-        <p:nvPicPr>
-          <p:cNvPr id="3" name="Imagen 2">
-            <a:extLst>
-              <a:ext uri="{FF2B5EF4-FFF2-40B4-BE49-F238E27FC236}">
-                <a16:creationId xmlns:a16="http://schemas.microsoft.com/office/drawing/2014/main" id="{A35F2800-A7C7-4487-8080-6634C6E02FA3}"/>
-              </a:ext>
-            </a:extLst>
-          </p:cNvPr>
-          <p:cNvPicPr>
-            <a:picLocks noChangeAspect="1"/>
-          </p:cNvPicPr>
-          <p:nvPr/>
-        </p:nvPicPr>
-        <p:blipFill>
-          <a:blip r:embed="rId2"/>
-          <a:stretch>
-            <a:fillRect/>
-          </a:stretch>
-        </p:blipFill>
-        <p:spPr>
-          <a:xfrm>
-            <a:off x="0" y="298621"/>
-            <a:ext cx="12192000" cy="6260757"/>
-          </a:xfrm>
-          <a:prstGeom prst="rect">
-            <a:avLst/>
-          </a:prstGeom>
-        </p:spPr>
-      </p:pic>
-    </p:spTree>
-    <p:extLst>
-      <p:ext uri="{BB962C8B-B14F-4D97-AF65-F5344CB8AC3E}">
-        <p14:creationId xmlns:p14="http://schemas.microsoft.com/office/powerpoint/2010/main" val="2856627429"/>
-      </p:ext>
-    </p:extLst>
-  </p:cSld>
-  <p:clrMapOvr>
-    <a:masterClrMapping/>
-  </p:clrMapOvr>
-</p:sld>
-</file>
-
-<file path=ppt/slides/slide9.xml><?xml version="1.0" encoding="utf-8"?>
-<p:sld xmlns:a="http://schemas.openxmlformats.org/drawingml/2006/main" xmlns:r="http://schemas.openxmlformats.org/officeDocument/2006/relationships" xmlns:p="http://schemas.openxmlformats.org/presentationml/2006/main">
-  <p:cSld>
-    <p:spTree>
-      <p:nvGrpSpPr>
-        <p:cNvPr id="1" name=""/>
-        <p:cNvGrpSpPr/>
-        <p:nvPr/>
-      </p:nvGrpSpPr>
-      <p:grpSpPr>
-        <a:xfrm>
-          <a:off x="0" y="0"/>
-          <a:ext cx="0" cy="0"/>
-          <a:chOff x="0" y="0"/>
-          <a:chExt cx="0" cy="0"/>
-        </a:xfrm>
-      </p:grpSpPr>
-      <p:pic>
-        <p:nvPicPr>
-          <p:cNvPr id="3" name="Imagen 2">
-            <a:extLst>
-              <a:ext uri="{FF2B5EF4-FFF2-40B4-BE49-F238E27FC236}">
-                <a16:creationId xmlns:a16="http://schemas.microsoft.com/office/drawing/2014/main" id="{E7C348C9-3AAE-46F0-8622-D4E17BABA5F6}"/>
-              </a:ext>
-            </a:extLst>
-          </p:cNvPr>
-          <p:cNvPicPr>
-            <a:picLocks noChangeAspect="1"/>
-          </p:cNvPicPr>
-          <p:nvPr/>
-        </p:nvPicPr>
-        <p:blipFill>
-          <a:blip r:embed="rId2"/>
-          <a:stretch>
-            <a:fillRect/>
-          </a:stretch>
-        </p:blipFill>
-        <p:spPr>
-          <a:xfrm>
-            <a:off x="0" y="832513"/>
-            <a:ext cx="12192000" cy="5747228"/>
-          </a:xfrm>
-          <a:prstGeom prst="rect">
-            <a:avLst/>
-          </a:prstGeom>
-        </p:spPr>
-      </p:pic>
-      <p:sp>
-        <p:nvSpPr>
-          <p:cNvPr id="2" name="CuadroTexto 1">
-            <a:extLst>
-              <a:ext uri="{FF2B5EF4-FFF2-40B4-BE49-F238E27FC236}">
-                <a16:creationId xmlns:a16="http://schemas.microsoft.com/office/drawing/2014/main" id="{22EC356E-B149-4FEE-A13F-2FE40DE9D1ED}"/>
-              </a:ext>
-            </a:extLst>
-          </p:cNvPr>
-          <p:cNvSpPr txBox="1"/>
-          <p:nvPr/>
-        </p:nvSpPr>
-        <p:spPr>
-          <a:xfrm>
-            <a:off x="2470245" y="409433"/>
-            <a:ext cx="2327304" cy="369332"/>
-          </a:xfrm>
-          <a:prstGeom prst="rect">
-            <a:avLst/>
-          </a:prstGeom>
-          <a:noFill/>
-        </p:spPr>
-        <p:txBody>
-          <a:bodyPr wrap="none" rtlCol="0">
-            <a:spAutoFit/>
-          </a:bodyPr>
-          <a:lstStyle/>
-          <a:p>
-            <a:r>
-              <a:rPr lang="es-AR" dirty="0"/>
-              <a:t>Eliminar  un  Personaje</a:t>
-            </a:r>
-          </a:p>
-        </p:txBody>
-      </p:sp>
-    </p:spTree>
-    <p:extLst>
-      <p:ext uri="{BB962C8B-B14F-4D97-AF65-F5344CB8AC3E}">
-        <p14:creationId xmlns:p14="http://schemas.microsoft.com/office/powerpoint/2010/main" val="341521755"/>
       </p:ext>
     </p:extLst>
   </p:cSld>

--- a/api_disney/documento_api.pptx
+++ b/api_disney/documento_api.pptx
@@ -32,6 +32,11 @@
     <p:sldId id="275" r:id="rId26"/>
     <p:sldId id="273" r:id="rId27"/>
     <p:sldId id="276" r:id="rId28"/>
+    <p:sldId id="288" r:id="rId29"/>
+    <p:sldId id="289" r:id="rId30"/>
+    <p:sldId id="290" r:id="rId31"/>
+    <p:sldId id="291" r:id="rId32"/>
+    <p:sldId id="292" r:id="rId33"/>
   </p:sldIdLst>
   <p:sldSz cx="12192000" cy="6858000"/>
   <p:notesSz cx="6858000" cy="9144000"/>
@@ -287,7 +292,7 @@
           <a:p>
             <a:fld id="{DC0C6287-5AEF-4087-88FA-4E68F1491EF4}" type="datetimeFigureOut">
               <a:rPr lang="es-AR" smtClean="0"/>
-              <a:t>21/5/2022</a:t>
+              <a:t>23/5/2022</a:t>
             </a:fld>
             <a:endParaRPr lang="es-AR" dirty="0"/>
           </a:p>
@@ -487,7 +492,7 @@
           <a:p>
             <a:fld id="{DC0C6287-5AEF-4087-88FA-4E68F1491EF4}" type="datetimeFigureOut">
               <a:rPr lang="es-AR" smtClean="0"/>
-              <a:t>21/5/2022</a:t>
+              <a:t>23/5/2022</a:t>
             </a:fld>
             <a:endParaRPr lang="es-AR" dirty="0"/>
           </a:p>
@@ -697,7 +702,7 @@
           <a:p>
             <a:fld id="{DC0C6287-5AEF-4087-88FA-4E68F1491EF4}" type="datetimeFigureOut">
               <a:rPr lang="es-AR" smtClean="0"/>
-              <a:t>21/5/2022</a:t>
+              <a:t>23/5/2022</a:t>
             </a:fld>
             <a:endParaRPr lang="es-AR" dirty="0"/>
           </a:p>
@@ -897,7 +902,7 @@
           <a:p>
             <a:fld id="{DC0C6287-5AEF-4087-88FA-4E68F1491EF4}" type="datetimeFigureOut">
               <a:rPr lang="es-AR" smtClean="0"/>
-              <a:t>21/5/2022</a:t>
+              <a:t>23/5/2022</a:t>
             </a:fld>
             <a:endParaRPr lang="es-AR" dirty="0"/>
           </a:p>
@@ -1173,7 +1178,7 @@
           <a:p>
             <a:fld id="{DC0C6287-5AEF-4087-88FA-4E68F1491EF4}" type="datetimeFigureOut">
               <a:rPr lang="es-AR" smtClean="0"/>
-              <a:t>21/5/2022</a:t>
+              <a:t>23/5/2022</a:t>
             </a:fld>
             <a:endParaRPr lang="es-AR" dirty="0"/>
           </a:p>
@@ -1441,7 +1446,7 @@
           <a:p>
             <a:fld id="{DC0C6287-5AEF-4087-88FA-4E68F1491EF4}" type="datetimeFigureOut">
               <a:rPr lang="es-AR" smtClean="0"/>
-              <a:t>21/5/2022</a:t>
+              <a:t>23/5/2022</a:t>
             </a:fld>
             <a:endParaRPr lang="es-AR" dirty="0"/>
           </a:p>
@@ -1856,7 +1861,7 @@
           <a:p>
             <a:fld id="{DC0C6287-5AEF-4087-88FA-4E68F1491EF4}" type="datetimeFigureOut">
               <a:rPr lang="es-AR" smtClean="0"/>
-              <a:t>21/5/2022</a:t>
+              <a:t>23/5/2022</a:t>
             </a:fld>
             <a:endParaRPr lang="es-AR" dirty="0"/>
           </a:p>
@@ -1998,7 +2003,7 @@
           <a:p>
             <a:fld id="{DC0C6287-5AEF-4087-88FA-4E68F1491EF4}" type="datetimeFigureOut">
               <a:rPr lang="es-AR" smtClean="0"/>
-              <a:t>21/5/2022</a:t>
+              <a:t>23/5/2022</a:t>
             </a:fld>
             <a:endParaRPr lang="es-AR" dirty="0"/>
           </a:p>
@@ -2111,7 +2116,7 @@
           <a:p>
             <a:fld id="{DC0C6287-5AEF-4087-88FA-4E68F1491EF4}" type="datetimeFigureOut">
               <a:rPr lang="es-AR" smtClean="0"/>
-              <a:t>21/5/2022</a:t>
+              <a:t>23/5/2022</a:t>
             </a:fld>
             <a:endParaRPr lang="es-AR" dirty="0"/>
           </a:p>
@@ -2424,7 +2429,7 @@
           <a:p>
             <a:fld id="{DC0C6287-5AEF-4087-88FA-4E68F1491EF4}" type="datetimeFigureOut">
               <a:rPr lang="es-AR" smtClean="0"/>
-              <a:t>21/5/2022</a:t>
+              <a:t>23/5/2022</a:t>
             </a:fld>
             <a:endParaRPr lang="es-AR" dirty="0"/>
           </a:p>
@@ -2713,7 +2718,7 @@
           <a:p>
             <a:fld id="{DC0C6287-5AEF-4087-88FA-4E68F1491EF4}" type="datetimeFigureOut">
               <a:rPr lang="es-AR" smtClean="0"/>
-              <a:t>21/5/2022</a:t>
+              <a:t>23/5/2022</a:t>
             </a:fld>
             <a:endParaRPr lang="es-AR" dirty="0"/>
           </a:p>
@@ -2956,7 +2961,7 @@
           <a:p>
             <a:fld id="{DC0C6287-5AEF-4087-88FA-4E68F1491EF4}" type="datetimeFigureOut">
               <a:rPr lang="es-AR" smtClean="0"/>
-              <a:t>21/5/2022</a:t>
+              <a:t>23/5/2022</a:t>
             </a:fld>
             <a:endParaRPr lang="es-AR" dirty="0"/>
           </a:p>
@@ -5388,6 +5393,161 @@
 </p:sld>
 </file>
 
+<file path=ppt/slides/slide28.xml><?xml version="1.0" encoding="utf-8"?>
+<p:sld xmlns:a="http://schemas.openxmlformats.org/drawingml/2006/main" xmlns:r="http://schemas.openxmlformats.org/officeDocument/2006/relationships" xmlns:p="http://schemas.openxmlformats.org/presentationml/2006/main">
+  <p:cSld>
+    <p:spTree>
+      <p:nvGrpSpPr>
+        <p:cNvPr id="1" name=""/>
+        <p:cNvGrpSpPr/>
+        <p:nvPr/>
+      </p:nvGrpSpPr>
+      <p:grpSpPr>
+        <a:xfrm>
+          <a:off x="0" y="0"/>
+          <a:ext cx="0" cy="0"/>
+          <a:chOff x="0" y="0"/>
+          <a:chExt cx="0" cy="0"/>
+        </a:xfrm>
+      </p:grpSpPr>
+      <p:pic>
+        <p:nvPicPr>
+          <p:cNvPr id="3" name="Imagen 2">
+            <a:extLst>
+              <a:ext uri="{FF2B5EF4-FFF2-40B4-BE49-F238E27FC236}">
+                <a16:creationId xmlns:a16="http://schemas.microsoft.com/office/drawing/2014/main" id="{59EFA014-70DE-4424-9801-D3116B880FCC}"/>
+              </a:ext>
+            </a:extLst>
+          </p:cNvPr>
+          <p:cNvPicPr>
+            <a:picLocks noChangeAspect="1"/>
+          </p:cNvPicPr>
+          <p:nvPr/>
+        </p:nvPicPr>
+        <p:blipFill>
+          <a:blip r:embed="rId2"/>
+          <a:stretch>
+            <a:fillRect/>
+          </a:stretch>
+        </p:blipFill>
+        <p:spPr>
+          <a:xfrm>
+            <a:off x="1188104" y="1334018"/>
+            <a:ext cx="9001125" cy="4714875"/>
+          </a:xfrm>
+          <a:prstGeom prst="rect">
+            <a:avLst/>
+          </a:prstGeom>
+        </p:spPr>
+      </p:pic>
+      <p:sp>
+        <p:nvSpPr>
+          <p:cNvPr id="4" name="CuadroTexto 3">
+            <a:extLst>
+              <a:ext uri="{FF2B5EF4-FFF2-40B4-BE49-F238E27FC236}">
+                <a16:creationId xmlns:a16="http://schemas.microsoft.com/office/drawing/2014/main" id="{21EFB9BD-5507-470F-B21E-08D3C13E6A9F}"/>
+              </a:ext>
+            </a:extLst>
+          </p:cNvPr>
+          <p:cNvSpPr txBox="1"/>
+          <p:nvPr/>
+        </p:nvSpPr>
+        <p:spPr>
+          <a:xfrm>
+            <a:off x="2940148" y="633046"/>
+            <a:ext cx="2061655" cy="369332"/>
+          </a:xfrm>
+          <a:prstGeom prst="rect">
+            <a:avLst/>
+          </a:prstGeom>
+          <a:noFill/>
+        </p:spPr>
+        <p:txBody>
+          <a:bodyPr wrap="none" rtlCol="0">
+            <a:spAutoFit/>
+          </a:bodyPr>
+          <a:lstStyle/>
+          <a:p>
+            <a:r>
+              <a:rPr lang="es-AR" dirty="0"/>
+              <a:t>Registrar un usuario</a:t>
+            </a:r>
+          </a:p>
+        </p:txBody>
+      </p:sp>
+    </p:spTree>
+    <p:extLst>
+      <p:ext uri="{BB962C8B-B14F-4D97-AF65-F5344CB8AC3E}">
+        <p14:creationId xmlns:p14="http://schemas.microsoft.com/office/powerpoint/2010/main" val="3914062270"/>
+      </p:ext>
+    </p:extLst>
+  </p:cSld>
+  <p:clrMapOvr>
+    <a:masterClrMapping/>
+  </p:clrMapOvr>
+</p:sld>
+</file>
+
+<file path=ppt/slides/slide29.xml><?xml version="1.0" encoding="utf-8"?>
+<p:sld xmlns:a="http://schemas.openxmlformats.org/drawingml/2006/main" xmlns:r="http://schemas.openxmlformats.org/officeDocument/2006/relationships" xmlns:p="http://schemas.openxmlformats.org/presentationml/2006/main">
+  <p:cSld>
+    <p:spTree>
+      <p:nvGrpSpPr>
+        <p:cNvPr id="1" name=""/>
+        <p:cNvGrpSpPr/>
+        <p:nvPr/>
+      </p:nvGrpSpPr>
+      <p:grpSpPr>
+        <a:xfrm>
+          <a:off x="0" y="0"/>
+          <a:ext cx="0" cy="0"/>
+          <a:chOff x="0" y="0"/>
+          <a:chExt cx="0" cy="0"/>
+        </a:xfrm>
+      </p:grpSpPr>
+      <p:pic>
+        <p:nvPicPr>
+          <p:cNvPr id="3" name="Imagen 2">
+            <a:extLst>
+              <a:ext uri="{FF2B5EF4-FFF2-40B4-BE49-F238E27FC236}">
+                <a16:creationId xmlns:a16="http://schemas.microsoft.com/office/drawing/2014/main" id="{631C177C-149D-4E30-8DC3-98C0ED80BA54}"/>
+              </a:ext>
+            </a:extLst>
+          </p:cNvPr>
+          <p:cNvPicPr>
+            <a:picLocks noChangeAspect="1"/>
+          </p:cNvPicPr>
+          <p:nvPr/>
+        </p:nvPicPr>
+        <p:blipFill>
+          <a:blip r:embed="rId2"/>
+          <a:stretch>
+            <a:fillRect/>
+          </a:stretch>
+        </p:blipFill>
+        <p:spPr>
+          <a:xfrm>
+            <a:off x="271462" y="1181100"/>
+            <a:ext cx="11649075" cy="4495800"/>
+          </a:xfrm>
+          <a:prstGeom prst="rect">
+            <a:avLst/>
+          </a:prstGeom>
+        </p:spPr>
+      </p:pic>
+    </p:spTree>
+    <p:extLst>
+      <p:ext uri="{BB962C8B-B14F-4D97-AF65-F5344CB8AC3E}">
+        <p14:creationId xmlns:p14="http://schemas.microsoft.com/office/powerpoint/2010/main" val="1419181322"/>
+      </p:ext>
+    </p:extLst>
+  </p:cSld>
+  <p:clrMapOvr>
+    <a:masterClrMapping/>
+  </p:clrMapOvr>
+</p:sld>
+</file>
+
 <file path=ppt/slides/slide3.xml><?xml version="1.0" encoding="utf-8"?>
 <p:sld xmlns:a="http://schemas.openxmlformats.org/drawingml/2006/main" xmlns:r="http://schemas.openxmlformats.org/officeDocument/2006/relationships" xmlns:p="http://schemas.openxmlformats.org/presentationml/2006/main">
   <p:cSld>
@@ -5504,6 +5664,341 @@
     <p:extLst>
       <p:ext uri="{BB962C8B-B14F-4D97-AF65-F5344CB8AC3E}">
         <p14:creationId xmlns:p14="http://schemas.microsoft.com/office/powerpoint/2010/main" val="3383377717"/>
+      </p:ext>
+    </p:extLst>
+  </p:cSld>
+  <p:clrMapOvr>
+    <a:masterClrMapping/>
+  </p:clrMapOvr>
+</p:sld>
+</file>
+
+<file path=ppt/slides/slide30.xml><?xml version="1.0" encoding="utf-8"?>
+<p:sld xmlns:a="http://schemas.openxmlformats.org/drawingml/2006/main" xmlns:r="http://schemas.openxmlformats.org/officeDocument/2006/relationships" xmlns:p="http://schemas.openxmlformats.org/presentationml/2006/main">
+  <p:cSld>
+    <p:spTree>
+      <p:nvGrpSpPr>
+        <p:cNvPr id="1" name=""/>
+        <p:cNvGrpSpPr/>
+        <p:nvPr/>
+      </p:nvGrpSpPr>
+      <p:grpSpPr>
+        <a:xfrm>
+          <a:off x="0" y="0"/>
+          <a:ext cx="0" cy="0"/>
+          <a:chOff x="0" y="0"/>
+          <a:chExt cx="0" cy="0"/>
+        </a:xfrm>
+      </p:grpSpPr>
+      <p:pic>
+        <p:nvPicPr>
+          <p:cNvPr id="3" name="Imagen 2">
+            <a:extLst>
+              <a:ext uri="{FF2B5EF4-FFF2-40B4-BE49-F238E27FC236}">
+                <a16:creationId xmlns:a16="http://schemas.microsoft.com/office/drawing/2014/main" id="{BFDEE29A-45E0-4F87-89B8-186970A3A41C}"/>
+              </a:ext>
+            </a:extLst>
+          </p:cNvPr>
+          <p:cNvPicPr>
+            <a:picLocks noChangeAspect="1"/>
+          </p:cNvPicPr>
+          <p:nvPr/>
+        </p:nvPicPr>
+        <p:blipFill>
+          <a:blip r:embed="rId2"/>
+          <a:stretch>
+            <a:fillRect/>
+          </a:stretch>
+        </p:blipFill>
+        <p:spPr>
+          <a:xfrm>
+            <a:off x="1392763" y="1499968"/>
+            <a:ext cx="10145456" cy="4436598"/>
+          </a:xfrm>
+          <a:prstGeom prst="rect">
+            <a:avLst/>
+          </a:prstGeom>
+        </p:spPr>
+      </p:pic>
+      <p:sp>
+        <p:nvSpPr>
+          <p:cNvPr id="4" name="CuadroTexto 3">
+            <a:extLst>
+              <a:ext uri="{FF2B5EF4-FFF2-40B4-BE49-F238E27FC236}">
+                <a16:creationId xmlns:a16="http://schemas.microsoft.com/office/drawing/2014/main" id="{A8B84E3F-7C3D-4A3D-96F4-B409BBA87F7C}"/>
+              </a:ext>
+            </a:extLst>
+          </p:cNvPr>
+          <p:cNvSpPr txBox="1"/>
+          <p:nvPr/>
+        </p:nvSpPr>
+        <p:spPr>
+          <a:xfrm>
+            <a:off x="1659988" y="731520"/>
+            <a:ext cx="4436856" cy="369332"/>
+          </a:xfrm>
+          <a:prstGeom prst="rect">
+            <a:avLst/>
+          </a:prstGeom>
+          <a:noFill/>
+        </p:spPr>
+        <p:txBody>
+          <a:bodyPr wrap="none" rtlCol="0">
+            <a:spAutoFit/>
+          </a:bodyPr>
+          <a:lstStyle/>
+          <a:p>
+            <a:r>
+              <a:rPr lang="es-AR" dirty="0" err="1"/>
+              <a:t>Logearse</a:t>
+            </a:r>
+            <a:r>
+              <a:rPr lang="es-AR" dirty="0"/>
+              <a:t> y generar el Token de autenticación </a:t>
+            </a:r>
+          </a:p>
+        </p:txBody>
+      </p:sp>
+    </p:spTree>
+    <p:extLst>
+      <p:ext uri="{BB962C8B-B14F-4D97-AF65-F5344CB8AC3E}">
+        <p14:creationId xmlns:p14="http://schemas.microsoft.com/office/powerpoint/2010/main" val="2742383811"/>
+      </p:ext>
+    </p:extLst>
+  </p:cSld>
+  <p:clrMapOvr>
+    <a:masterClrMapping/>
+  </p:clrMapOvr>
+</p:sld>
+</file>
+
+<file path=ppt/slides/slide31.xml><?xml version="1.0" encoding="utf-8"?>
+<p:sld xmlns:a="http://schemas.openxmlformats.org/drawingml/2006/main" xmlns:r="http://schemas.openxmlformats.org/officeDocument/2006/relationships" xmlns:p="http://schemas.openxmlformats.org/presentationml/2006/main">
+  <p:cSld>
+    <p:spTree>
+      <p:nvGrpSpPr>
+        <p:cNvPr id="1" name=""/>
+        <p:cNvGrpSpPr/>
+        <p:nvPr/>
+      </p:nvGrpSpPr>
+      <p:grpSpPr>
+        <a:xfrm>
+          <a:off x="0" y="0"/>
+          <a:ext cx="0" cy="0"/>
+          <a:chOff x="0" y="0"/>
+          <a:chExt cx="0" cy="0"/>
+        </a:xfrm>
+      </p:grpSpPr>
+      <p:pic>
+        <p:nvPicPr>
+          <p:cNvPr id="3" name="Imagen 2">
+            <a:extLst>
+              <a:ext uri="{FF2B5EF4-FFF2-40B4-BE49-F238E27FC236}">
+                <a16:creationId xmlns:a16="http://schemas.microsoft.com/office/drawing/2014/main" id="{770FD811-0AA0-4C22-948E-ACB0C511A97D}"/>
+              </a:ext>
+            </a:extLst>
+          </p:cNvPr>
+          <p:cNvPicPr>
+            <a:picLocks noChangeAspect="1"/>
+          </p:cNvPicPr>
+          <p:nvPr/>
+        </p:nvPicPr>
+        <p:blipFill>
+          <a:blip r:embed="rId2"/>
+          <a:stretch>
+            <a:fillRect/>
+          </a:stretch>
+        </p:blipFill>
+        <p:spPr>
+          <a:xfrm>
+            <a:off x="585567" y="524077"/>
+            <a:ext cx="10522634" cy="4313799"/>
+          </a:xfrm>
+          <a:prstGeom prst="rect">
+            <a:avLst/>
+          </a:prstGeom>
+        </p:spPr>
+      </p:pic>
+      <p:sp>
+        <p:nvSpPr>
+          <p:cNvPr id="4" name="CuadroTexto 3">
+            <a:extLst>
+              <a:ext uri="{FF2B5EF4-FFF2-40B4-BE49-F238E27FC236}">
+                <a16:creationId xmlns:a16="http://schemas.microsoft.com/office/drawing/2014/main" id="{3B597AFD-5EEB-4A50-B97F-944EBE42D7ED}"/>
+              </a:ext>
+            </a:extLst>
+          </p:cNvPr>
+          <p:cNvSpPr txBox="1"/>
+          <p:nvPr/>
+        </p:nvSpPr>
+        <p:spPr>
+          <a:xfrm>
+            <a:off x="2883876" y="154745"/>
+            <a:ext cx="4201022" cy="369332"/>
+          </a:xfrm>
+          <a:prstGeom prst="rect">
+            <a:avLst/>
+          </a:prstGeom>
+          <a:noFill/>
+        </p:spPr>
+        <p:txBody>
+          <a:bodyPr wrap="none" rtlCol="0">
+            <a:spAutoFit/>
+          </a:bodyPr>
+          <a:lstStyle/>
+          <a:p>
+            <a:r>
+              <a:rPr lang="es-AR" dirty="0"/>
+              <a:t>Consultar  Api con Token de </a:t>
+            </a:r>
+            <a:r>
+              <a:rPr lang="es-AR" dirty="0" err="1"/>
+              <a:t>autenticasion</a:t>
+            </a:r>
+            <a:r>
+              <a:rPr lang="es-AR" dirty="0"/>
+              <a:t>  </a:t>
+            </a:r>
+          </a:p>
+        </p:txBody>
+      </p:sp>
+      <p:pic>
+        <p:nvPicPr>
+          <p:cNvPr id="6" name="Imagen 5">
+            <a:extLst>
+              <a:ext uri="{FF2B5EF4-FFF2-40B4-BE49-F238E27FC236}">
+                <a16:creationId xmlns:a16="http://schemas.microsoft.com/office/drawing/2014/main" id="{2FA971A4-DA1A-4347-AF0C-51B263C4498C}"/>
+              </a:ext>
+            </a:extLst>
+          </p:cNvPr>
+          <p:cNvPicPr>
+            <a:picLocks noChangeAspect="1"/>
+          </p:cNvPicPr>
+          <p:nvPr/>
+        </p:nvPicPr>
+        <p:blipFill>
+          <a:blip r:embed="rId3"/>
+          <a:stretch>
+            <a:fillRect/>
+          </a:stretch>
+        </p:blipFill>
+        <p:spPr>
+          <a:xfrm>
+            <a:off x="703384" y="5046729"/>
+            <a:ext cx="10287000" cy="1552575"/>
+          </a:xfrm>
+          <a:prstGeom prst="rect">
+            <a:avLst/>
+          </a:prstGeom>
+        </p:spPr>
+      </p:pic>
+    </p:spTree>
+    <p:extLst>
+      <p:ext uri="{BB962C8B-B14F-4D97-AF65-F5344CB8AC3E}">
+        <p14:creationId xmlns:p14="http://schemas.microsoft.com/office/powerpoint/2010/main" val="1893171092"/>
+      </p:ext>
+    </p:extLst>
+  </p:cSld>
+  <p:clrMapOvr>
+    <a:masterClrMapping/>
+  </p:clrMapOvr>
+</p:sld>
+</file>
+
+<file path=ppt/slides/slide32.xml><?xml version="1.0" encoding="utf-8"?>
+<p:sld xmlns:a="http://schemas.openxmlformats.org/drawingml/2006/main" xmlns:r="http://schemas.openxmlformats.org/officeDocument/2006/relationships" xmlns:p="http://schemas.openxmlformats.org/presentationml/2006/main">
+  <p:cSld>
+    <p:spTree>
+      <p:nvGrpSpPr>
+        <p:cNvPr id="1" name=""/>
+        <p:cNvGrpSpPr/>
+        <p:nvPr/>
+      </p:nvGrpSpPr>
+      <p:grpSpPr>
+        <a:xfrm>
+          <a:off x="0" y="0"/>
+          <a:ext cx="0" cy="0"/>
+          <a:chOff x="0" y="0"/>
+          <a:chExt cx="0" cy="0"/>
+        </a:xfrm>
+      </p:grpSpPr>
+      <p:pic>
+        <p:nvPicPr>
+          <p:cNvPr id="3" name="Imagen 2">
+            <a:extLst>
+              <a:ext uri="{FF2B5EF4-FFF2-40B4-BE49-F238E27FC236}">
+                <a16:creationId xmlns:a16="http://schemas.microsoft.com/office/drawing/2014/main" id="{FF170F3B-8BAE-470D-B56A-50664FEB3F31}"/>
+              </a:ext>
+            </a:extLst>
+          </p:cNvPr>
+          <p:cNvPicPr>
+            <a:picLocks noChangeAspect="1"/>
+          </p:cNvPicPr>
+          <p:nvPr/>
+        </p:nvPicPr>
+        <p:blipFill>
+          <a:blip r:embed="rId2"/>
+          <a:stretch>
+            <a:fillRect/>
+          </a:stretch>
+        </p:blipFill>
+        <p:spPr>
+          <a:xfrm>
+            <a:off x="633412" y="1157287"/>
+            <a:ext cx="10925175" cy="4543425"/>
+          </a:xfrm>
+          <a:prstGeom prst="rect">
+            <a:avLst/>
+          </a:prstGeom>
+        </p:spPr>
+      </p:pic>
+      <p:sp>
+        <p:nvSpPr>
+          <p:cNvPr id="4" name="CuadroTexto 3">
+            <a:extLst>
+              <a:ext uri="{FF2B5EF4-FFF2-40B4-BE49-F238E27FC236}">
+                <a16:creationId xmlns:a16="http://schemas.microsoft.com/office/drawing/2014/main" id="{B5272F34-6EEF-4BEA-BE74-1274B7839255}"/>
+              </a:ext>
+            </a:extLst>
+          </p:cNvPr>
+          <p:cNvSpPr txBox="1"/>
+          <p:nvPr/>
+        </p:nvSpPr>
+        <p:spPr>
+          <a:xfrm>
+            <a:off x="1758462" y="604911"/>
+            <a:ext cx="6071021" cy="369332"/>
+          </a:xfrm>
+          <a:prstGeom prst="rect">
+            <a:avLst/>
+          </a:prstGeom>
+          <a:noFill/>
+        </p:spPr>
+        <p:txBody>
+          <a:bodyPr wrap="none" rtlCol="0">
+            <a:spAutoFit/>
+          </a:bodyPr>
+          <a:lstStyle/>
+          <a:p>
+            <a:r>
+              <a:rPr lang="es-AR" dirty="0"/>
+              <a:t>Mail de bienvenida a la Api ,después de </a:t>
+            </a:r>
+            <a:r>
+              <a:rPr lang="es-AR" dirty="0" err="1"/>
+              <a:t>loguearse</a:t>
+            </a:r>
+            <a:r>
+              <a:rPr lang="es-AR" dirty="0"/>
+              <a:t> con el Token </a:t>
+            </a:r>
+          </a:p>
+        </p:txBody>
+      </p:sp>
+    </p:spTree>
+    <p:extLst>
+      <p:ext uri="{BB962C8B-B14F-4D97-AF65-F5344CB8AC3E}">
+        <p14:creationId xmlns:p14="http://schemas.microsoft.com/office/powerpoint/2010/main" val="3542848977"/>
       </p:ext>
     </p:extLst>
   </p:cSld>
